--- a/ppt/51_Java 專案：物品.pptx
+++ b/ppt/51_Java 專案：物品.pptx
@@ -6,6 +6,8 @@
   </p:sldMasterIdLst>
   <p:sldIdLst>
     <p:sldId id="256" r:id="rId2"/>
+    <p:sldId id="257" r:id="rId3"/>
+    <p:sldId id="258" r:id="rId4"/>
   </p:sldIdLst>
   <p:sldSz cx="12192000" cy="6858000"/>
   <p:notesSz cx="6858000" cy="9144000"/>
@@ -1876,6 +1878,903 @@
 </p:sld>
 </file>
 
+<file path=ppt/slides/slide2.xml><?xml version="1.0" encoding="utf-8"?>
+<p:sld xmlns:a="http://schemas.openxmlformats.org/drawingml/2006/main" xmlns:r="http://schemas.openxmlformats.org/officeDocument/2006/relationships" xmlns:p="http://schemas.openxmlformats.org/presentationml/2006/main">
+  <p:cSld>
+    <p:spTree>
+      <p:nvGrpSpPr>
+        <p:cNvPr id="1" name=""/>
+        <p:cNvGrpSpPr/>
+        <p:nvPr/>
+      </p:nvGrpSpPr>
+      <p:grpSpPr>
+        <a:xfrm>
+          <a:off x="0" y="0"/>
+          <a:ext cx="0" cy="0"/>
+          <a:chOff x="0" y="0"/>
+          <a:chExt cx="0" cy="0"/>
+        </a:xfrm>
+      </p:grpSpPr>
+      <p:sp>
+        <p:nvSpPr>
+          <p:cNvPr id="2" name="標題 1">
+            <a:extLst>
+              <a:ext uri="{FF2B5EF4-FFF2-40B4-BE49-F238E27FC236}">
+                <a16:creationId xmlns:a16="http://schemas.microsoft.com/office/drawing/2014/main" id="{D2F7BC66-C171-4C3A-8270-E041278872BB}"/>
+              </a:ext>
+            </a:extLst>
+          </p:cNvPr>
+          <p:cNvSpPr>
+            <a:spLocks noGrp="1"/>
+          </p:cNvSpPr>
+          <p:nvPr>
+            <p:ph type="title"/>
+          </p:nvPr>
+        </p:nvSpPr>
+        <p:spPr/>
+        <p:txBody>
+          <a:bodyPr/>
+          <a:lstStyle/>
+          <a:p>
+            <a:r>
+              <a:rPr lang="zh-TW" altLang="en-US"/>
+              <a:t>物品和物品堆疊</a:t>
+            </a:r>
+          </a:p>
+        </p:txBody>
+      </p:sp>
+      <p:sp>
+        <p:nvSpPr>
+          <p:cNvPr id="3" name="內容版面配置區 2">
+            <a:extLst>
+              <a:ext uri="{FF2B5EF4-FFF2-40B4-BE49-F238E27FC236}">
+                <a16:creationId xmlns:a16="http://schemas.microsoft.com/office/drawing/2014/main" id="{28C3DCC6-772A-401D-A218-7A30D040DBD7}"/>
+              </a:ext>
+            </a:extLst>
+          </p:cNvPr>
+          <p:cNvSpPr>
+            <a:spLocks noGrp="1"/>
+          </p:cNvSpPr>
+          <p:nvPr>
+            <p:ph idx="1"/>
+          </p:nvPr>
+        </p:nvSpPr>
+        <p:spPr>
+          <a:xfrm>
+            <a:off x="657225" y="1690688"/>
+            <a:ext cx="10877550" cy="3161436"/>
+          </a:xfrm>
+        </p:spPr>
+        <p:txBody>
+          <a:bodyPr/>
+          <a:lstStyle/>
+          <a:p>
+            <a:r>
+              <a:rPr lang="zh-TW" altLang="en-US">
+                <a:solidFill>
+                  <a:srgbClr val="00B0F0"/>
+                </a:solidFill>
+              </a:rPr>
+              <a:t>物品</a:t>
+            </a:r>
+            <a:r>
+              <a:rPr lang="en-US" altLang="zh-TW">
+                <a:solidFill>
+                  <a:srgbClr val="00B0F0"/>
+                </a:solidFill>
+              </a:rPr>
+              <a:t>(item)</a:t>
+            </a:r>
+            <a:r>
+              <a:rPr lang="zh-TW" altLang="en-US"/>
+              <a:t>是構成 </a:t>
+            </a:r>
+            <a:r>
+              <a:rPr lang="en-US" altLang="zh-TW"/>
+              <a:t>Minecraft </a:t>
+            </a:r>
+            <a:r>
+              <a:rPr lang="zh-TW" altLang="en-US"/>
+              <a:t>很重要的部分</a:t>
+            </a:r>
+            <a:endParaRPr lang="en-US" altLang="zh-TW"/>
+          </a:p>
+          <a:p>
+            <a:r>
+              <a:rPr lang="zh-TW" altLang="en-US"/>
+              <a:t>所有</a:t>
+            </a:r>
+            <a:r>
+              <a:rPr lang="zh-TW" altLang="en-US">
+                <a:solidFill>
+                  <a:srgbClr val="00B0F0"/>
+                </a:solidFill>
+              </a:rPr>
+              <a:t>物品</a:t>
+            </a:r>
+            <a:r>
+              <a:rPr lang="zh-TW" altLang="en-US"/>
+              <a:t>的</a:t>
+            </a:r>
+            <a:r>
+              <a:rPr lang="zh-TW" altLang="en-US">
+                <a:solidFill>
+                  <a:srgbClr val="00B0F0"/>
+                </a:solidFill>
+              </a:rPr>
+              <a:t>類別</a:t>
+            </a:r>
+            <a:r>
+              <a:rPr lang="zh-TW" altLang="en-US"/>
+              <a:t>為</a:t>
+            </a:r>
+            <a:r>
+              <a:rPr lang="zh-TW" altLang="en-US">
+                <a:solidFill>
+                  <a:srgbClr val="00B0F0"/>
+                </a:solidFill>
+              </a:rPr>
+              <a:t> </a:t>
+            </a:r>
+            <a:r>
+              <a:rPr lang="en-US" altLang="zh-TW">
+                <a:solidFill>
+                  <a:srgbClr val="FFFF00"/>
+                </a:solidFill>
+              </a:rPr>
+              <a:t>net.minecraft.item.Item</a:t>
+            </a:r>
+          </a:p>
+          <a:p>
+            <a:r>
+              <a:rPr lang="zh-TW" altLang="en-US">
+                <a:solidFill>
+                  <a:srgbClr val="00B0F0"/>
+                </a:solidFill>
+              </a:rPr>
+              <a:t>物品堆疊</a:t>
+            </a:r>
+            <a:r>
+              <a:rPr lang="en-US" altLang="zh-TW">
+                <a:solidFill>
+                  <a:srgbClr val="00B0F0"/>
+                </a:solidFill>
+              </a:rPr>
+              <a:t>(item stack)</a:t>
+            </a:r>
+            <a:r>
+              <a:rPr lang="zh-TW" altLang="en-US"/>
+              <a:t>則是代表一種</a:t>
+            </a:r>
+            <a:r>
+              <a:rPr lang="zh-TW" altLang="en-US">
+                <a:solidFill>
+                  <a:srgbClr val="00B0F0"/>
+                </a:solidFill>
+              </a:rPr>
+              <a:t>物品</a:t>
+            </a:r>
+            <a:r>
+              <a:rPr lang="zh-TW" altLang="en-US"/>
+              <a:t>及擁有的</a:t>
+            </a:r>
+            <a:r>
+              <a:rPr lang="zh-TW" altLang="en-US">
+                <a:solidFill>
+                  <a:srgbClr val="00B0F0"/>
+                </a:solidFill>
+              </a:rPr>
+              <a:t>數量</a:t>
+            </a:r>
+            <a:r>
+              <a:rPr lang="en-US" altLang="zh-TW">
+                <a:solidFill>
+                  <a:srgbClr val="00B0F0"/>
+                </a:solidFill>
+              </a:rPr>
+              <a:t>(count)</a:t>
+            </a:r>
+          </a:p>
+          <a:p>
+            <a:r>
+              <a:rPr lang="zh-TW" altLang="en-US"/>
+              <a:t>其</a:t>
+            </a:r>
+            <a:r>
+              <a:rPr lang="zh-TW" altLang="en-US">
+                <a:solidFill>
+                  <a:srgbClr val="00B0F0"/>
+                </a:solidFill>
+              </a:rPr>
+              <a:t>類別</a:t>
+            </a:r>
+            <a:r>
+              <a:rPr lang="zh-TW" altLang="en-US"/>
+              <a:t>為</a:t>
+            </a:r>
+            <a:r>
+              <a:rPr lang="zh-TW" altLang="en-US">
+                <a:solidFill>
+                  <a:srgbClr val="00B0F0"/>
+                </a:solidFill>
+              </a:rPr>
+              <a:t> </a:t>
+            </a:r>
+            <a:r>
+              <a:rPr lang="en-US" altLang="zh-TW">
+                <a:solidFill>
+                  <a:srgbClr val="FFFF00"/>
+                </a:solidFill>
+              </a:rPr>
+              <a:t>net.minecraft.item.ItemStack</a:t>
+            </a:r>
+          </a:p>
+          <a:p>
+            <a:r>
+              <a:rPr lang="zh-TW" altLang="en-US"/>
+              <a:t>如</a:t>
+            </a:r>
+            <a:r>
+              <a:rPr lang="zh-TW" altLang="en-US">
+                <a:solidFill>
+                  <a:srgbClr val="00B0F0"/>
+                </a:solidFill>
+              </a:rPr>
+              <a:t>快捷欄</a:t>
+            </a:r>
+            <a:r>
+              <a:rPr lang="en-US" altLang="zh-TW">
+                <a:solidFill>
+                  <a:srgbClr val="00B0F0"/>
+                </a:solidFill>
+              </a:rPr>
+              <a:t>(hotbar)</a:t>
+            </a:r>
+            <a:r>
+              <a:rPr lang="zh-TW" altLang="en-US"/>
+              <a:t>的前四格為 </a:t>
+            </a:r>
+            <a:r>
+              <a:rPr lang="en-US" altLang="zh-TW"/>
+              <a:t>4 </a:t>
+            </a:r>
+            <a:r>
+              <a:rPr lang="zh-TW" altLang="en-US"/>
+              <a:t>個不同的</a:t>
+            </a:r>
+            <a:r>
+              <a:rPr lang="zh-TW" altLang="en-US">
+                <a:solidFill>
+                  <a:srgbClr val="00B0F0"/>
+                </a:solidFill>
+              </a:rPr>
+              <a:t>物品堆疊</a:t>
+            </a:r>
+            <a:endParaRPr lang="en-US" altLang="zh-TW">
+              <a:solidFill>
+                <a:srgbClr val="00B0F0"/>
+              </a:solidFill>
+            </a:endParaRPr>
+          </a:p>
+          <a:p>
+            <a:r>
+              <a:rPr lang="zh-TW" altLang="en-US"/>
+              <a:t>但前兩格</a:t>
+            </a:r>
+            <a:r>
+              <a:rPr lang="zh-TW" altLang="en-US">
+                <a:solidFill>
+                  <a:srgbClr val="00B0F0"/>
+                </a:solidFill>
+              </a:rPr>
+              <a:t>物品堆疊</a:t>
+            </a:r>
+            <a:r>
+              <a:rPr lang="zh-TW" altLang="en-US"/>
+              <a:t>的</a:t>
+            </a:r>
+            <a:r>
+              <a:rPr lang="zh-TW" altLang="en-US">
+                <a:solidFill>
+                  <a:srgbClr val="00B0F0"/>
+                </a:solidFill>
+              </a:rPr>
+              <a:t>物品</a:t>
+            </a:r>
+            <a:r>
+              <a:rPr lang="zh-TW" altLang="en-US"/>
+              <a:t>都是</a:t>
+            </a:r>
+            <a:r>
+              <a:rPr lang="zh-TW" altLang="en-US">
+                <a:solidFill>
+                  <a:srgbClr val="92D050"/>
+                </a:solidFill>
+              </a:rPr>
+              <a:t>鑽石</a:t>
+            </a:r>
+            <a:r>
+              <a:rPr lang="zh-TW" altLang="en-US"/>
+              <a:t>，後兩格</a:t>
+            </a:r>
+            <a:r>
+              <a:rPr lang="zh-TW" altLang="en-US">
+                <a:solidFill>
+                  <a:srgbClr val="00B0F0"/>
+                </a:solidFill>
+              </a:rPr>
+              <a:t>物品堆疊</a:t>
+            </a:r>
+            <a:r>
+              <a:rPr lang="zh-TW" altLang="en-US"/>
+              <a:t>的</a:t>
+            </a:r>
+            <a:r>
+              <a:rPr lang="zh-TW" altLang="en-US">
+                <a:solidFill>
+                  <a:srgbClr val="00B0F0"/>
+                </a:solidFill>
+              </a:rPr>
+              <a:t>物品</a:t>
+            </a:r>
+            <a:r>
+              <a:rPr lang="zh-TW" altLang="en-US"/>
+              <a:t>都是</a:t>
+            </a:r>
+            <a:r>
+              <a:rPr lang="zh-TW" altLang="en-US">
+                <a:solidFill>
+                  <a:srgbClr val="92D050"/>
+                </a:solidFill>
+              </a:rPr>
+              <a:t>雞蛋</a:t>
+            </a:r>
+            <a:endParaRPr lang="en-US" altLang="zh-TW">
+              <a:solidFill>
+                <a:srgbClr val="92D050"/>
+              </a:solidFill>
+            </a:endParaRPr>
+          </a:p>
+          <a:p>
+            <a:endParaRPr lang="en-US" altLang="zh-TW">
+              <a:solidFill>
+                <a:srgbClr val="92D050"/>
+              </a:solidFill>
+            </a:endParaRPr>
+          </a:p>
+        </p:txBody>
+      </p:sp>
+      <p:pic>
+        <p:nvPicPr>
+          <p:cNvPr id="7" name="圖片 6">
+            <a:extLst>
+              <a:ext uri="{FF2B5EF4-FFF2-40B4-BE49-F238E27FC236}">
+                <a16:creationId xmlns:a16="http://schemas.microsoft.com/office/drawing/2014/main" id="{63042042-DEED-4A8B-9A6F-457C430EF9C6}"/>
+              </a:ext>
+            </a:extLst>
+          </p:cNvPr>
+          <p:cNvPicPr>
+            <a:picLocks noChangeAspect="1"/>
+          </p:cNvPicPr>
+          <p:nvPr/>
+        </p:nvPicPr>
+        <p:blipFill rotWithShape="1">
+          <a:blip r:embed="rId2">
+            <a:extLst>
+              <a:ext uri="{28A0092B-C50C-407E-A947-70E740481C1C}">
+                <a14:useLocalDpi xmlns:a14="http://schemas.microsoft.com/office/drawing/2010/main" val="0"/>
+              </a:ext>
+            </a:extLst>
+          </a:blip>
+          <a:srcRect/>
+          <a:stretch/>
+        </p:blipFill>
+        <p:spPr>
+          <a:xfrm>
+            <a:off x="657225" y="4987062"/>
+            <a:ext cx="10877550" cy="1318489"/>
+          </a:xfrm>
+          <a:prstGeom prst="rect">
+            <a:avLst/>
+          </a:prstGeom>
+        </p:spPr>
+      </p:pic>
+    </p:spTree>
+    <p:extLst>
+      <p:ext uri="{BB962C8B-B14F-4D97-AF65-F5344CB8AC3E}">
+        <p14:creationId xmlns:p14="http://schemas.microsoft.com/office/powerpoint/2010/main" val="634190296"/>
+      </p:ext>
+    </p:extLst>
+  </p:cSld>
+  <p:clrMapOvr>
+    <a:masterClrMapping/>
+  </p:clrMapOvr>
+  <p:transition spd="slow">
+    <p:push dir="u"/>
+  </p:transition>
+</p:sld>
+</file>
+
+<file path=ppt/slides/slide3.xml><?xml version="1.0" encoding="utf-8"?>
+<p:sld xmlns:a="http://schemas.openxmlformats.org/drawingml/2006/main" xmlns:r="http://schemas.openxmlformats.org/officeDocument/2006/relationships" xmlns:p="http://schemas.openxmlformats.org/presentationml/2006/main">
+  <p:cSld>
+    <p:spTree>
+      <p:nvGrpSpPr>
+        <p:cNvPr id="1" name=""/>
+        <p:cNvGrpSpPr/>
+        <p:nvPr/>
+      </p:nvGrpSpPr>
+      <p:grpSpPr>
+        <a:xfrm>
+          <a:off x="0" y="0"/>
+          <a:ext cx="0" cy="0"/>
+          <a:chOff x="0" y="0"/>
+          <a:chExt cx="0" cy="0"/>
+        </a:xfrm>
+      </p:grpSpPr>
+      <p:sp>
+        <p:nvSpPr>
+          <p:cNvPr id="2" name="標題 1">
+            <a:extLst>
+              <a:ext uri="{FF2B5EF4-FFF2-40B4-BE49-F238E27FC236}">
+                <a16:creationId xmlns:a16="http://schemas.microsoft.com/office/drawing/2014/main" id="{AA8EAB54-D837-4A46-B9E5-D97E687C06C2}"/>
+              </a:ext>
+            </a:extLst>
+          </p:cNvPr>
+          <p:cNvSpPr>
+            <a:spLocks noGrp="1"/>
+          </p:cNvSpPr>
+          <p:nvPr>
+            <p:ph type="title"/>
+          </p:nvPr>
+        </p:nvSpPr>
+        <p:spPr>
+          <a:xfrm>
+            <a:off x="838200" y="0"/>
+            <a:ext cx="10515600" cy="1325563"/>
+          </a:xfrm>
+        </p:spPr>
+        <p:txBody>
+          <a:bodyPr/>
+          <a:lstStyle/>
+          <a:p>
+            <a:r>
+              <a:rPr lang="zh-TW" altLang="en-US"/>
+              <a:t>註冊表</a:t>
+            </a:r>
+          </a:p>
+        </p:txBody>
+      </p:sp>
+      <p:sp>
+        <p:nvSpPr>
+          <p:cNvPr id="5" name="內容版面配置區 4">
+            <a:extLst>
+              <a:ext uri="{FF2B5EF4-FFF2-40B4-BE49-F238E27FC236}">
+                <a16:creationId xmlns:a16="http://schemas.microsoft.com/office/drawing/2014/main" id="{18F5C51D-0669-4CC0-A44F-822133026A95}"/>
+              </a:ext>
+            </a:extLst>
+          </p:cNvPr>
+          <p:cNvSpPr>
+            <a:spLocks noGrp="1"/>
+          </p:cNvSpPr>
+          <p:nvPr>
+            <p:ph idx="1"/>
+          </p:nvPr>
+        </p:nvSpPr>
+        <p:spPr>
+          <a:xfrm>
+            <a:off x="647700" y="1220788"/>
+            <a:ext cx="10896600" cy="5141912"/>
+          </a:xfrm>
+        </p:spPr>
+        <p:txBody>
+          <a:bodyPr>
+            <a:normAutofit/>
+          </a:bodyPr>
+          <a:lstStyle/>
+          <a:p>
+            <a:r>
+              <a:rPr lang="zh-TW" altLang="en-US"/>
+              <a:t>幾乎所有東西都要向</a:t>
+            </a:r>
+            <a:r>
+              <a:rPr lang="zh-TW" altLang="en-US">
+                <a:solidFill>
+                  <a:srgbClr val="00B0F0"/>
+                </a:solidFill>
+              </a:rPr>
+              <a:t>註冊表</a:t>
+            </a:r>
+            <a:r>
+              <a:rPr lang="en-US" altLang="zh-TW">
+                <a:solidFill>
+                  <a:srgbClr val="00B0F0"/>
+                </a:solidFill>
+              </a:rPr>
+              <a:t>(registries)</a:t>
+            </a:r>
+            <a:r>
+              <a:rPr lang="zh-TW" altLang="en-US">
+                <a:solidFill>
+                  <a:srgbClr val="FFC000"/>
+                </a:solidFill>
+              </a:rPr>
+              <a:t>註冊</a:t>
+            </a:r>
+            <a:r>
+              <a:rPr lang="en-US" altLang="zh-TW">
+                <a:solidFill>
+                  <a:srgbClr val="FFC000"/>
+                </a:solidFill>
+              </a:rPr>
+              <a:t>(register)</a:t>
+            </a:r>
+          </a:p>
+          <a:p>
+            <a:r>
+              <a:rPr lang="zh-TW" altLang="en-US"/>
+              <a:t>如各種</a:t>
+            </a:r>
+            <a:r>
+              <a:rPr lang="zh-TW" altLang="en-US">
+                <a:solidFill>
+                  <a:srgbClr val="00B0F0"/>
+                </a:solidFill>
+              </a:rPr>
+              <a:t>物品</a:t>
+            </a:r>
+            <a:r>
+              <a:rPr lang="zh-TW" altLang="en-US"/>
+              <a:t>、</a:t>
+            </a:r>
+            <a:r>
+              <a:rPr lang="zh-TW" altLang="en-US">
+                <a:solidFill>
+                  <a:srgbClr val="00B0F0"/>
+                </a:solidFill>
+              </a:rPr>
+              <a:t>方塊</a:t>
+            </a:r>
+            <a:r>
+              <a:rPr lang="en-US" altLang="zh-TW">
+                <a:solidFill>
+                  <a:srgbClr val="00B0F0"/>
+                </a:solidFill>
+              </a:rPr>
+              <a:t>(block)</a:t>
+            </a:r>
+            <a:r>
+              <a:rPr lang="zh-TW" altLang="en-US"/>
+              <a:t>、</a:t>
+            </a:r>
+            <a:r>
+              <a:rPr lang="zh-TW" altLang="en-US">
+                <a:solidFill>
+                  <a:srgbClr val="00B0F0"/>
+                </a:solidFill>
+              </a:rPr>
+              <a:t>實體</a:t>
+            </a:r>
+            <a:r>
+              <a:rPr lang="en-US" altLang="zh-TW">
+                <a:solidFill>
+                  <a:srgbClr val="00B0F0"/>
+                </a:solidFill>
+              </a:rPr>
+              <a:t>(entity)</a:t>
+            </a:r>
+            <a:r>
+              <a:rPr lang="zh-TW" altLang="en-US"/>
+              <a:t>等</a:t>
+            </a:r>
+            <a:endParaRPr lang="en-US" altLang="zh-TW"/>
+          </a:p>
+          <a:p>
+            <a:r>
+              <a:rPr lang="zh-TW" altLang="en-US"/>
+              <a:t>其目的是為了讓遊戲知道有這東西，以便進行其他處理</a:t>
+            </a:r>
+            <a:endParaRPr lang="en-US" altLang="zh-TW"/>
+          </a:p>
+          <a:p>
+            <a:r>
+              <a:rPr lang="zh-TW" altLang="en-US"/>
+              <a:t>註冊表中，同註冊種類的不同東西會有唯一</a:t>
+            </a:r>
+            <a:r>
+              <a:rPr lang="zh-TW" altLang="en-US">
+                <a:solidFill>
+                  <a:srgbClr val="00B0F0"/>
+                </a:solidFill>
+              </a:rPr>
+              <a:t>標識符</a:t>
+            </a:r>
+            <a:r>
+              <a:rPr lang="en-US" altLang="zh-TW">
+                <a:solidFill>
+                  <a:srgbClr val="00B0F0"/>
+                </a:solidFill>
+              </a:rPr>
+              <a:t>(Identifier)</a:t>
+            </a:r>
+          </a:p>
+          <a:p>
+            <a:r>
+              <a:rPr lang="zh-TW" altLang="en-US">
+                <a:solidFill>
+                  <a:srgbClr val="00B0F0"/>
+                </a:solidFill>
+              </a:rPr>
+              <a:t>標識符</a:t>
+            </a:r>
+            <a:r>
+              <a:rPr lang="zh-TW" altLang="en-US"/>
+              <a:t>由</a:t>
+            </a:r>
+            <a:r>
+              <a:rPr lang="zh-TW" altLang="en-US">
+                <a:solidFill>
+                  <a:srgbClr val="00B0F0"/>
+                </a:solidFill>
+              </a:rPr>
+              <a:t>命名空間</a:t>
+            </a:r>
+            <a:r>
+              <a:rPr lang="en-US" altLang="zh-TW">
+                <a:solidFill>
+                  <a:srgbClr val="00B0F0"/>
+                </a:solidFill>
+              </a:rPr>
+              <a:t>(namespace)</a:t>
+            </a:r>
+            <a:r>
+              <a:rPr lang="zh-TW" altLang="en-US"/>
+              <a:t>和</a:t>
+            </a:r>
+            <a:r>
+              <a:rPr lang="zh-TW" altLang="en-US">
+                <a:solidFill>
+                  <a:srgbClr val="00B0F0"/>
+                </a:solidFill>
+              </a:rPr>
+              <a:t>路徑</a:t>
+            </a:r>
+            <a:r>
+              <a:rPr lang="en-US" altLang="zh-TW">
+                <a:solidFill>
+                  <a:srgbClr val="00B0F0"/>
+                </a:solidFill>
+              </a:rPr>
+              <a:t>(path)</a:t>
+            </a:r>
+            <a:r>
+              <a:rPr lang="zh-TW" altLang="en-US"/>
+              <a:t>組成</a:t>
+            </a:r>
+            <a:endParaRPr lang="en-US" altLang="zh-TW"/>
+          </a:p>
+          <a:p>
+            <a:r>
+              <a:rPr lang="zh-TW" altLang="en-US"/>
+              <a:t>其中</a:t>
+            </a:r>
+            <a:r>
+              <a:rPr lang="zh-TW" altLang="en-US">
+                <a:solidFill>
+                  <a:srgbClr val="00B0F0"/>
+                </a:solidFill>
+              </a:rPr>
+              <a:t>命名空間</a:t>
+            </a:r>
+            <a:r>
+              <a:rPr lang="zh-TW" altLang="en-US"/>
+              <a:t>通常為</a:t>
+            </a:r>
+            <a:r>
+              <a:rPr lang="zh-TW" altLang="en-US">
+                <a:solidFill>
+                  <a:srgbClr val="00B0F0"/>
+                </a:solidFill>
+              </a:rPr>
+              <a:t>模組 </a:t>
+            </a:r>
+            <a:r>
+              <a:rPr lang="en-US" altLang="zh-TW">
+                <a:solidFill>
+                  <a:srgbClr val="00B0F0"/>
+                </a:solidFill>
+              </a:rPr>
+              <a:t>id</a:t>
+            </a:r>
+            <a:r>
+              <a:rPr lang="zh-TW" altLang="en-US"/>
+              <a:t>，而</a:t>
+            </a:r>
+            <a:r>
+              <a:rPr lang="zh-TW" altLang="en-US">
+                <a:solidFill>
+                  <a:srgbClr val="00B0F0"/>
+                </a:solidFill>
+              </a:rPr>
+              <a:t>路徑</a:t>
+            </a:r>
+            <a:r>
+              <a:rPr lang="zh-TW" altLang="en-US"/>
+              <a:t>由小寫英文和</a:t>
+            </a:r>
+            <a:r>
+              <a:rPr lang="zh-TW" altLang="en-US">
+                <a:solidFill>
+                  <a:srgbClr val="92D050"/>
+                </a:solidFill>
+              </a:rPr>
+              <a:t>下滑線</a:t>
+            </a:r>
+            <a:r>
+              <a:rPr lang="en-US" altLang="zh-TW">
+                <a:solidFill>
+                  <a:srgbClr val="92D050"/>
+                </a:solidFill>
+              </a:rPr>
+              <a:t>(_)</a:t>
+            </a:r>
+            <a:r>
+              <a:rPr lang="zh-TW" altLang="en-US"/>
+              <a:t>組成</a:t>
+            </a:r>
+            <a:endParaRPr lang="en-US" altLang="zh-TW"/>
+          </a:p>
+          <a:p>
+            <a:r>
+              <a:rPr lang="zh-TW" altLang="en-US">
+                <a:solidFill>
+                  <a:srgbClr val="00B0F0"/>
+                </a:solidFill>
+              </a:rPr>
+              <a:t>標識符</a:t>
+            </a:r>
+            <a:r>
+              <a:rPr lang="zh-TW" altLang="en-US"/>
+              <a:t>以</a:t>
+            </a:r>
+            <a:r>
+              <a:rPr lang="zh-TW" altLang="en-US">
+                <a:solidFill>
+                  <a:srgbClr val="00B0F0"/>
+                </a:solidFill>
+              </a:rPr>
+              <a:t>字串</a:t>
+            </a:r>
+            <a:r>
+              <a:rPr lang="zh-TW" altLang="en-US"/>
+              <a:t>表示為 </a:t>
+            </a:r>
+            <a:r>
+              <a:rPr lang="en-US" altLang="zh-TW">
+                <a:solidFill>
+                  <a:srgbClr val="92D050"/>
+                </a:solidFill>
+              </a:rPr>
+              <a:t>"namespace:path"</a:t>
+            </a:r>
+          </a:p>
+          <a:p>
+            <a:r>
+              <a:rPr lang="zh-TW" altLang="en-US"/>
+              <a:t>如</a:t>
+            </a:r>
+            <a:r>
+              <a:rPr lang="zh-TW" altLang="en-US">
+                <a:solidFill>
+                  <a:srgbClr val="92D050"/>
+                </a:solidFill>
+              </a:rPr>
+              <a:t>雞蛋</a:t>
+            </a:r>
+            <a:r>
+              <a:rPr lang="zh-TW" altLang="en-US">
+                <a:solidFill>
+                  <a:srgbClr val="00B0F0"/>
+                </a:solidFill>
+              </a:rPr>
+              <a:t>物品</a:t>
+            </a:r>
+            <a:r>
+              <a:rPr lang="zh-TW" altLang="en-US"/>
+              <a:t>的</a:t>
+            </a:r>
+            <a:r>
+              <a:rPr lang="zh-TW" altLang="en-US">
+                <a:solidFill>
+                  <a:srgbClr val="00B0F0"/>
+                </a:solidFill>
+              </a:rPr>
+              <a:t>標識符</a:t>
+            </a:r>
+            <a:r>
+              <a:rPr lang="zh-TW" altLang="en-US"/>
+              <a:t>為 </a:t>
+            </a:r>
+            <a:r>
+              <a:rPr lang="en-US" altLang="zh-TW">
+                <a:solidFill>
+                  <a:srgbClr val="92D050"/>
+                </a:solidFill>
+              </a:rPr>
+              <a:t>"minecraft:egg"</a:t>
+            </a:r>
+          </a:p>
+          <a:p>
+            <a:r>
+              <a:rPr lang="zh-TW" altLang="en-US"/>
+              <a:t>在遊戲各處都會使用到</a:t>
+            </a:r>
+            <a:r>
+              <a:rPr lang="zh-TW" altLang="en-US">
+                <a:solidFill>
+                  <a:srgbClr val="00B0F0"/>
+                </a:solidFill>
+              </a:rPr>
+              <a:t>標識符</a:t>
+            </a:r>
+            <a:endParaRPr lang="en-US" altLang="zh-TW">
+              <a:solidFill>
+                <a:srgbClr val="00B0F0"/>
+              </a:solidFill>
+            </a:endParaRPr>
+          </a:p>
+          <a:p>
+            <a:r>
+              <a:rPr lang="zh-TW" altLang="en-US"/>
+              <a:t>其在 </a:t>
+            </a:r>
+            <a:r>
+              <a:rPr lang="en-US" altLang="zh-TW"/>
+              <a:t>Java </a:t>
+            </a:r>
+            <a:r>
+              <a:rPr lang="zh-TW" altLang="en-US"/>
+              <a:t>中處理的</a:t>
+            </a:r>
+            <a:r>
+              <a:rPr lang="zh-TW" altLang="en-US">
+                <a:solidFill>
+                  <a:srgbClr val="00B0F0"/>
+                </a:solidFill>
+              </a:rPr>
+              <a:t>類別</a:t>
+            </a:r>
+            <a:r>
+              <a:rPr lang="zh-TW" altLang="en-US"/>
+              <a:t>為 </a:t>
+            </a:r>
+            <a:r>
+              <a:rPr lang="en-US" altLang="zh-TW">
+                <a:solidFill>
+                  <a:srgbClr val="FFFF00"/>
+                </a:solidFill>
+              </a:rPr>
+              <a:t>net.minecraft.util.Identifier</a:t>
+            </a:r>
+          </a:p>
+        </p:txBody>
+      </p:sp>
+    </p:spTree>
+    <p:extLst>
+      <p:ext uri="{BB962C8B-B14F-4D97-AF65-F5344CB8AC3E}">
+        <p14:creationId xmlns:p14="http://schemas.microsoft.com/office/powerpoint/2010/main" val="102758403"/>
+      </p:ext>
+    </p:extLst>
+  </p:cSld>
+  <p:clrMapOvr>
+    <a:masterClrMapping/>
+  </p:clrMapOvr>
+  <p:transition spd="slow">
+    <p:push dir="u"/>
+  </p:transition>
+</p:sld>
+</file>
+
 <file path=ppt/theme/theme1.xml><?xml version="1.0" encoding="utf-8"?>
 <a:theme xmlns:a="http://schemas.openxmlformats.org/drawingml/2006/main" name="TYIC">
   <a:themeElements>

--- a/ppt/51_Java 專案：物品.pptx
+++ b/ppt/51_Java 專案：物品.pptx
@@ -8,6 +8,11 @@
     <p:sldId id="256" r:id="rId2"/>
     <p:sldId id="257" r:id="rId3"/>
     <p:sldId id="258" r:id="rId4"/>
+    <p:sldId id="260" r:id="rId5"/>
+    <p:sldId id="263" r:id="rId6"/>
+    <p:sldId id="261" r:id="rId7"/>
+    <p:sldId id="259" r:id="rId8"/>
+    <p:sldId id="264" r:id="rId9"/>
   </p:sldIdLst>
   <p:sldSz cx="12192000" cy="6858000"/>
   <p:notesSz cx="6858000" cy="9144000"/>
@@ -2347,10 +2352,10 @@
       </p:sp>
       <p:sp>
         <p:nvSpPr>
-          <p:cNvPr id="5" name="內容版面配置區 4">
+          <p:cNvPr id="7" name="內容版面配置區 6">
             <a:extLst>
               <a:ext uri="{FF2B5EF4-FFF2-40B4-BE49-F238E27FC236}">
-                <a16:creationId xmlns:a16="http://schemas.microsoft.com/office/drawing/2014/main" id="{18F5C51D-0669-4CC0-A44F-822133026A95}"/>
+                <a16:creationId xmlns:a16="http://schemas.microsoft.com/office/drawing/2014/main" id="{070A2BDB-D19E-4383-9B96-11E518D6EDFB}"/>
               </a:ext>
             </a:extLst>
           </p:cNvPr>
@@ -2363,8 +2368,8 @@
         </p:nvSpPr>
         <p:spPr>
           <a:xfrm>
-            <a:off x="647700" y="1220788"/>
-            <a:ext cx="10896600" cy="5141912"/>
+            <a:off x="475129" y="967917"/>
+            <a:ext cx="11241742" cy="5653836"/>
           </a:xfrm>
         </p:spPr>
         <p:txBody>
@@ -2391,7 +2396,7 @@
                   <a:srgbClr val="00B0F0"/>
                 </a:solidFill>
               </a:rPr>
-              <a:t>(registries)</a:t>
+              <a:t>(registry)</a:t>
             </a:r>
             <a:r>
               <a:rPr lang="zh-TW" altLang="en-US">
@@ -2413,7 +2418,7 @@
           <a:p>
             <a:r>
               <a:rPr lang="zh-TW" altLang="en-US"/>
-              <a:t>如各種</a:t>
+              <a:t>如</a:t>
             </a:r>
             <a:r>
               <a:rPr lang="zh-TW" altLang="en-US">
@@ -2425,107 +2430,93 @@
             </a:r>
             <a:r>
               <a:rPr lang="zh-TW" altLang="en-US"/>
-              <a:t>、</a:t>
-            </a:r>
-            <a:r>
-              <a:rPr lang="zh-TW" altLang="en-US">
-                <a:solidFill>
-                  <a:srgbClr val="00B0F0"/>
-                </a:solidFill>
-              </a:rPr>
-              <a:t>方塊</a:t>
-            </a:r>
-            <a:r>
-              <a:rPr lang="en-US" altLang="zh-TW">
-                <a:solidFill>
-                  <a:srgbClr val="00B0F0"/>
-                </a:solidFill>
-              </a:rPr>
-              <a:t>(block)</a:t>
-            </a:r>
-            <a:r>
-              <a:rPr lang="zh-TW" altLang="en-US"/>
-              <a:t>、</a:t>
-            </a:r>
-            <a:r>
-              <a:rPr lang="zh-TW" altLang="en-US">
-                <a:solidFill>
-                  <a:srgbClr val="00B0F0"/>
-                </a:solidFill>
-              </a:rPr>
-              <a:t>實體</a:t>
-            </a:r>
-            <a:r>
-              <a:rPr lang="en-US" altLang="zh-TW">
-                <a:solidFill>
-                  <a:srgbClr val="00B0F0"/>
-                </a:solidFill>
-              </a:rPr>
-              <a:t>(entity)</a:t>
-            </a:r>
-            <a:r>
-              <a:rPr lang="zh-TW" altLang="en-US"/>
-              <a:t>等</a:t>
-            </a:r>
-            <a:endParaRPr lang="en-US" altLang="zh-TW"/>
+              <a:t>就需要</a:t>
+            </a:r>
+            <a:r>
+              <a:rPr lang="zh-TW" altLang="en-US">
+                <a:solidFill>
+                  <a:srgbClr val="FFC000"/>
+                </a:solidFill>
+              </a:rPr>
+              <a:t>註冊</a:t>
+            </a:r>
+            <a:r>
+              <a:rPr lang="zh-TW" altLang="en-US"/>
+              <a:t>，但</a:t>
+            </a:r>
+            <a:r>
+              <a:rPr lang="zh-TW" altLang="en-US">
+                <a:solidFill>
+                  <a:srgbClr val="00B0F0"/>
+                </a:solidFill>
+              </a:rPr>
+              <a:t>物品堆疊</a:t>
+            </a:r>
+            <a:r>
+              <a:rPr lang="zh-TW" altLang="en-US"/>
+              <a:t>不需要</a:t>
+            </a:r>
+            <a:r>
+              <a:rPr lang="zh-TW" altLang="en-US">
+                <a:solidFill>
+                  <a:srgbClr val="FFC000"/>
+                </a:solidFill>
+              </a:rPr>
+              <a:t>註冊</a:t>
+            </a:r>
+            <a:endParaRPr lang="en-US" altLang="zh-TW">
+              <a:solidFill>
+                <a:srgbClr val="FFC000"/>
+              </a:solidFill>
+            </a:endParaRPr>
           </a:p>
           <a:p>
             <a:r>
               <a:rPr lang="zh-TW" altLang="en-US"/>
               <a:t>其目的是為了讓遊戲知道有這東西，以便進行其他處理</a:t>
             </a:r>
-            <a:endParaRPr lang="en-US" altLang="zh-TW"/>
-          </a:p>
-          <a:p>
-            <a:r>
-              <a:rPr lang="zh-TW" altLang="en-US"/>
-              <a:t>註冊表中，同註冊種類的不同東西會有唯一</a:t>
-            </a:r>
-            <a:r>
-              <a:rPr lang="zh-TW" altLang="en-US">
-                <a:solidFill>
-                  <a:srgbClr val="00B0F0"/>
-                </a:solidFill>
-              </a:rPr>
-              <a:t>標識符</a:t>
-            </a:r>
-            <a:r>
-              <a:rPr lang="en-US" altLang="zh-TW">
-                <a:solidFill>
-                  <a:srgbClr val="00B0F0"/>
-                </a:solidFill>
-              </a:rPr>
-              <a:t>(Identifier)</a:t>
-            </a:r>
-          </a:p>
-          <a:p>
-            <a:r>
-              <a:rPr lang="zh-TW" altLang="en-US">
-                <a:solidFill>
-                  <a:srgbClr val="00B0F0"/>
-                </a:solidFill>
-              </a:rPr>
-              <a:t>標識符</a:t>
-            </a:r>
-            <a:r>
-              <a:rPr lang="zh-TW" altLang="en-US"/>
-              <a:t>由</a:t>
-            </a:r>
-            <a:r>
-              <a:rPr lang="zh-TW" altLang="en-US">
-                <a:solidFill>
-                  <a:srgbClr val="00B0F0"/>
-                </a:solidFill>
-              </a:rPr>
-              <a:t>命名空間</a:t>
-            </a:r>
-            <a:r>
-              <a:rPr lang="en-US" altLang="zh-TW">
-                <a:solidFill>
-                  <a:srgbClr val="00B0F0"/>
-                </a:solidFill>
-              </a:rPr>
-              <a:t>(namespace)</a:t>
+            <a:endParaRPr lang="en-US" altLang="zh-TW">
+              <a:solidFill>
+                <a:srgbClr val="FFC000"/>
+              </a:solidFill>
+            </a:endParaRPr>
+          </a:p>
+          <a:p>
+            <a:r>
+              <a:rPr lang="zh-TW" altLang="en-US"/>
+              <a:t>每種</a:t>
+            </a:r>
+            <a:r>
+              <a:rPr lang="zh-TW" altLang="en-US">
+                <a:solidFill>
+                  <a:srgbClr val="00B0F0"/>
+                </a:solidFill>
+              </a:rPr>
+              <a:t>註冊類別</a:t>
+            </a:r>
+            <a:r>
+              <a:rPr lang="zh-TW" altLang="en-US"/>
+              <a:t>都有獨立的</a:t>
+            </a:r>
+            <a:r>
+              <a:rPr lang="zh-TW" altLang="en-US">
+                <a:solidFill>
+                  <a:srgbClr val="00B0F0"/>
+                </a:solidFill>
+              </a:rPr>
+              <a:t>註冊表</a:t>
+            </a:r>
+            <a:r>
+              <a:rPr lang="zh-TW" altLang="en-US"/>
+              <a:t>，並分為</a:t>
+            </a:r>
+            <a:r>
+              <a:rPr lang="zh-TW" altLang="en-US">
+                <a:solidFill>
+                  <a:srgbClr val="00B0F0"/>
+                </a:solidFill>
+              </a:rPr>
+              <a:t>靜態註冊表</a:t>
             </a:r>
             <a:r>
               <a:rPr lang="zh-TW" altLang="en-US"/>
@@ -2537,185 +2528,7 @@
                   <a:srgbClr val="00B0F0"/>
                 </a:solidFill>
               </a:rPr>
-              <a:t>路徑</a:t>
-            </a:r>
-            <a:r>
-              <a:rPr lang="en-US" altLang="zh-TW">
-                <a:solidFill>
-                  <a:srgbClr val="00B0F0"/>
-                </a:solidFill>
-              </a:rPr>
-              <a:t>(path)</a:t>
-            </a:r>
-            <a:r>
-              <a:rPr lang="zh-TW" altLang="en-US"/>
-              <a:t>組成</a:t>
-            </a:r>
-            <a:endParaRPr lang="en-US" altLang="zh-TW"/>
-          </a:p>
-          <a:p>
-            <a:r>
-              <a:rPr lang="zh-TW" altLang="en-US"/>
-              <a:t>其中</a:t>
-            </a:r>
-            <a:r>
-              <a:rPr lang="zh-TW" altLang="en-US">
-                <a:solidFill>
-                  <a:srgbClr val="00B0F0"/>
-                </a:solidFill>
-              </a:rPr>
-              <a:t>命名空間</a:t>
-            </a:r>
-            <a:r>
-              <a:rPr lang="zh-TW" altLang="en-US"/>
-              <a:t>通常為</a:t>
-            </a:r>
-            <a:r>
-              <a:rPr lang="zh-TW" altLang="en-US">
-                <a:solidFill>
-                  <a:srgbClr val="00B0F0"/>
-                </a:solidFill>
-              </a:rPr>
-              <a:t>模組 </a:t>
-            </a:r>
-            <a:r>
-              <a:rPr lang="en-US" altLang="zh-TW">
-                <a:solidFill>
-                  <a:srgbClr val="00B0F0"/>
-                </a:solidFill>
-              </a:rPr>
-              <a:t>id</a:t>
-            </a:r>
-            <a:r>
-              <a:rPr lang="zh-TW" altLang="en-US"/>
-              <a:t>，而</a:t>
-            </a:r>
-            <a:r>
-              <a:rPr lang="zh-TW" altLang="en-US">
-                <a:solidFill>
-                  <a:srgbClr val="00B0F0"/>
-                </a:solidFill>
-              </a:rPr>
-              <a:t>路徑</a:t>
-            </a:r>
-            <a:r>
-              <a:rPr lang="zh-TW" altLang="en-US"/>
-              <a:t>由小寫英文和</a:t>
-            </a:r>
-            <a:r>
-              <a:rPr lang="zh-TW" altLang="en-US">
-                <a:solidFill>
-                  <a:srgbClr val="92D050"/>
-                </a:solidFill>
-              </a:rPr>
-              <a:t>下滑線</a:t>
-            </a:r>
-            <a:r>
-              <a:rPr lang="en-US" altLang="zh-TW">
-                <a:solidFill>
-                  <a:srgbClr val="92D050"/>
-                </a:solidFill>
-              </a:rPr>
-              <a:t>(_)</a:t>
-            </a:r>
-            <a:r>
-              <a:rPr lang="zh-TW" altLang="en-US"/>
-              <a:t>組成</a:t>
-            </a:r>
-            <a:endParaRPr lang="en-US" altLang="zh-TW"/>
-          </a:p>
-          <a:p>
-            <a:r>
-              <a:rPr lang="zh-TW" altLang="en-US">
-                <a:solidFill>
-                  <a:srgbClr val="00B0F0"/>
-                </a:solidFill>
-              </a:rPr>
-              <a:t>標識符</a:t>
-            </a:r>
-            <a:r>
-              <a:rPr lang="zh-TW" altLang="en-US"/>
-              <a:t>以</a:t>
-            </a:r>
-            <a:r>
-              <a:rPr lang="zh-TW" altLang="en-US">
-                <a:solidFill>
-                  <a:srgbClr val="00B0F0"/>
-                </a:solidFill>
-              </a:rPr>
-              <a:t>字串</a:t>
-            </a:r>
-            <a:r>
-              <a:rPr lang="zh-TW" altLang="en-US"/>
-              <a:t>表示為 </a:t>
-            </a:r>
-            <a:r>
-              <a:rPr lang="en-US" altLang="zh-TW">
-                <a:solidFill>
-                  <a:srgbClr val="92D050"/>
-                </a:solidFill>
-              </a:rPr>
-              <a:t>"namespace:path"</a:t>
-            </a:r>
-          </a:p>
-          <a:p>
-            <a:r>
-              <a:rPr lang="zh-TW" altLang="en-US"/>
-              <a:t>如</a:t>
-            </a:r>
-            <a:r>
-              <a:rPr lang="zh-TW" altLang="en-US">
-                <a:solidFill>
-                  <a:srgbClr val="92D050"/>
-                </a:solidFill>
-              </a:rPr>
-              <a:t>雞蛋</a:t>
-            </a:r>
-            <a:r>
-              <a:rPr lang="zh-TW" altLang="en-US">
-                <a:solidFill>
-                  <a:srgbClr val="00B0F0"/>
-                </a:solidFill>
-              </a:rPr>
-              <a:t>物品</a:t>
-            </a:r>
-            <a:r>
-              <a:rPr lang="zh-TW" altLang="en-US"/>
-              <a:t>的</a:t>
-            </a:r>
-            <a:r>
-              <a:rPr lang="zh-TW" altLang="en-US">
-                <a:solidFill>
-                  <a:srgbClr val="00B0F0"/>
-                </a:solidFill>
-              </a:rPr>
-              <a:t>標識符</a:t>
-            </a:r>
-            <a:r>
-              <a:rPr lang="zh-TW" altLang="en-US"/>
-              <a:t>為 </a:t>
-            </a:r>
-            <a:r>
-              <a:rPr lang="en-US" altLang="zh-TW">
-                <a:solidFill>
-                  <a:srgbClr val="92D050"/>
-                </a:solidFill>
-              </a:rPr>
-              <a:t>"minecraft:egg"</a:t>
-            </a:r>
-          </a:p>
-          <a:p>
-            <a:r>
-              <a:rPr lang="zh-TW" altLang="en-US"/>
-              <a:t>在遊戲各處都會使用到</a:t>
-            </a:r>
-            <a:r>
-              <a:rPr lang="zh-TW" altLang="en-US">
-                <a:solidFill>
-                  <a:srgbClr val="00B0F0"/>
-                </a:solidFill>
-              </a:rPr>
-              <a:t>標識符</a:t>
+              <a:t>動態註冊表</a:t>
             </a:r>
             <a:endParaRPr lang="en-US" altLang="zh-TW">
               <a:solidFill>
@@ -2725,16 +2538,269 @@
           </a:p>
           <a:p>
             <a:r>
-              <a:rPr lang="zh-TW" altLang="en-US"/>
-              <a:t>其在 </a:t>
-            </a:r>
-            <a:r>
-              <a:rPr lang="en-US" altLang="zh-TW"/>
-              <a:t>Java </a:t>
-            </a:r>
-            <a:r>
-              <a:rPr lang="zh-TW" altLang="en-US"/>
-              <a:t>中處理的</a:t>
+              <a:rPr lang="zh-TW" altLang="en-US">
+                <a:solidFill>
+                  <a:srgbClr val="00B0F0"/>
+                </a:solidFill>
+              </a:rPr>
+              <a:t>靜態註冊表</a:t>
+            </a:r>
+            <a:r>
+              <a:rPr lang="zh-TW" altLang="en-US"/>
+              <a:t>用於</a:t>
+            </a:r>
+            <a:r>
+              <a:rPr lang="zh-TW" altLang="en-US">
+                <a:solidFill>
+                  <a:srgbClr val="FFC000"/>
+                </a:solidFill>
+              </a:rPr>
+              <a:t>註冊</a:t>
+            </a:r>
+            <a:r>
+              <a:rPr lang="zh-TW" altLang="en-US"/>
+              <a:t>永遠不變的項目，只能在遊戲初始化階段</a:t>
+            </a:r>
+            <a:r>
+              <a:rPr lang="zh-TW" altLang="en-US">
+                <a:solidFill>
+                  <a:srgbClr val="FFC000"/>
+                </a:solidFill>
+              </a:rPr>
+              <a:t>註冊</a:t>
+            </a:r>
+            <a:r>
+              <a:rPr lang="zh-TW" altLang="en-US"/>
+              <a:t>項目</a:t>
+            </a:r>
+            <a:endParaRPr lang="en-US" altLang="zh-TW"/>
+          </a:p>
+          <a:p>
+            <a:r>
+              <a:rPr lang="zh-TW" altLang="en-US">
+                <a:solidFill>
+                  <a:srgbClr val="00B0F0"/>
+                </a:solidFill>
+              </a:rPr>
+              <a:t>動態註冊表</a:t>
+            </a:r>
+            <a:r>
+              <a:rPr lang="zh-TW" altLang="en-US"/>
+              <a:t>用於</a:t>
+            </a:r>
+            <a:r>
+              <a:rPr lang="zh-TW" altLang="en-US">
+                <a:solidFill>
+                  <a:srgbClr val="FFC000"/>
+                </a:solidFill>
+              </a:rPr>
+              <a:t>註冊</a:t>
+            </a:r>
+            <a:r>
+              <a:rPr lang="zh-TW" altLang="en-US"/>
+              <a:t>可能會變更的項目，可以在任何時候</a:t>
+            </a:r>
+            <a:r>
+              <a:rPr lang="zh-TW" altLang="en-US">
+                <a:solidFill>
+                  <a:srgbClr val="FFC000"/>
+                </a:solidFill>
+              </a:rPr>
+              <a:t>註冊</a:t>
+            </a:r>
+            <a:r>
+              <a:rPr lang="zh-TW" altLang="en-US"/>
+              <a:t>項目</a:t>
+            </a:r>
+            <a:endParaRPr lang="en-US" altLang="zh-TW"/>
+          </a:p>
+          <a:p>
+            <a:r>
+              <a:rPr lang="zh-TW" altLang="en-US">
+                <a:solidFill>
+                  <a:srgbClr val="00B0F0"/>
+                </a:solidFill>
+              </a:rPr>
+              <a:t>註冊表</a:t>
+            </a:r>
+            <a:r>
+              <a:rPr lang="zh-TW" altLang="en-US"/>
+              <a:t>中，不同項目會有唯一的</a:t>
+            </a:r>
+            <a:r>
+              <a:rPr lang="zh-TW" altLang="en-US">
+                <a:solidFill>
+                  <a:srgbClr val="00B0F0"/>
+                </a:solidFill>
+              </a:rPr>
+              <a:t>註冊鍵</a:t>
+            </a:r>
+            <a:r>
+              <a:rPr lang="en-US" altLang="zh-TW">
+                <a:solidFill>
+                  <a:srgbClr val="00B0F0"/>
+                </a:solidFill>
+              </a:rPr>
+              <a:t>(registry key)</a:t>
+            </a:r>
+          </a:p>
+          <a:p>
+            <a:r>
+              <a:rPr lang="zh-TW" altLang="en-US"/>
+              <a:t>用於區別及檢索</a:t>
+            </a:r>
+            <a:r>
+              <a:rPr lang="zh-TW" altLang="en-US">
+                <a:solidFill>
+                  <a:srgbClr val="00B0F0"/>
+                </a:solidFill>
+              </a:rPr>
+              <a:t>註冊表</a:t>
+            </a:r>
+            <a:r>
+              <a:rPr lang="zh-TW" altLang="en-US"/>
+              <a:t>中的不同項目</a:t>
+            </a:r>
+            <a:endParaRPr lang="en-US" altLang="zh-TW"/>
+          </a:p>
+          <a:p>
+            <a:r>
+              <a:rPr lang="zh-TW" altLang="en-US"/>
+              <a:t>欲向</a:t>
+            </a:r>
+            <a:r>
+              <a:rPr lang="zh-TW" altLang="en-US">
+                <a:solidFill>
+                  <a:srgbClr val="00B0F0"/>
+                </a:solidFill>
+              </a:rPr>
+              <a:t>註冊表</a:t>
+            </a:r>
+            <a:r>
+              <a:rPr lang="zh-TW" altLang="en-US">
+                <a:solidFill>
+                  <a:srgbClr val="FFC000"/>
+                </a:solidFill>
+              </a:rPr>
+              <a:t>註冊</a:t>
+            </a:r>
+            <a:r>
+              <a:rPr lang="zh-TW" altLang="en-US"/>
+              <a:t>項目，需</a:t>
+            </a:r>
+            <a:r>
+              <a:rPr lang="zh-TW" altLang="en-US">
+                <a:solidFill>
+                  <a:srgbClr val="FFC000"/>
+                </a:solidFill>
+              </a:rPr>
+              <a:t>呼叫 </a:t>
+            </a:r>
+            <a:r>
+              <a:rPr lang="en-US" altLang="zh-TW" sz="2400">
+                <a:solidFill>
+                  <a:srgbClr val="FFFF00"/>
+                </a:solidFill>
+              </a:rPr>
+              <a:t>net.minecraft.registry.Registry </a:t>
+            </a:r>
+            <a:r>
+              <a:rPr lang="zh-TW" altLang="en-US">
+                <a:solidFill>
+                  <a:srgbClr val="00B0F0"/>
+                </a:solidFill>
+              </a:rPr>
+              <a:t>介面</a:t>
+            </a:r>
+            <a:endParaRPr lang="en-US" altLang="zh-TW">
+              <a:solidFill>
+                <a:srgbClr val="00B0F0"/>
+              </a:solidFill>
+            </a:endParaRPr>
+          </a:p>
+          <a:p>
+            <a:r>
+              <a:rPr lang="zh-TW" altLang="en-US"/>
+              <a:t>的</a:t>
+            </a:r>
+            <a:r>
+              <a:rPr lang="zh-TW" altLang="en-US">
+                <a:solidFill>
+                  <a:srgbClr val="00B0F0"/>
+                </a:solidFill>
+              </a:rPr>
+              <a:t>靜態方法</a:t>
+            </a:r>
+            <a:r>
+              <a:rPr lang="zh-TW" altLang="en-US"/>
+              <a:t> </a:t>
+            </a:r>
+            <a:r>
+              <a:rPr lang="en-US" altLang="zh-TW">
+                <a:solidFill>
+                  <a:srgbClr val="FFC000"/>
+                </a:solidFill>
+              </a:rPr>
+              <a:t>register</a:t>
+            </a:r>
+            <a:r>
+              <a:rPr lang="zh-TW" altLang="en-US"/>
+              <a:t>，該</a:t>
+            </a:r>
+            <a:r>
+              <a:rPr lang="zh-TW" altLang="en-US">
+                <a:solidFill>
+                  <a:srgbClr val="00B0F0"/>
+                </a:solidFill>
+              </a:rPr>
+              <a:t>方法</a:t>
+            </a:r>
+            <a:r>
+              <a:rPr lang="zh-TW" altLang="en-US"/>
+              <a:t>會返回</a:t>
+            </a:r>
+            <a:r>
+              <a:rPr lang="zh-TW" altLang="en-US">
+                <a:solidFill>
+                  <a:srgbClr val="FFC000"/>
+                </a:solidFill>
+              </a:rPr>
+              <a:t>註冊</a:t>
+            </a:r>
+            <a:r>
+              <a:rPr lang="zh-TW" altLang="en-US"/>
+              <a:t>的項目</a:t>
+            </a:r>
+            <a:endParaRPr lang="en-US" altLang="zh-TW"/>
+          </a:p>
+          <a:p>
+            <a:r>
+              <a:rPr lang="zh-TW" altLang="en-US"/>
+              <a:t>所有</a:t>
+            </a:r>
+            <a:r>
+              <a:rPr lang="zh-TW" altLang="en-US">
+                <a:solidFill>
+                  <a:srgbClr val="00B0F0"/>
+                </a:solidFill>
+              </a:rPr>
+              <a:t>靜態註冊表</a:t>
+            </a:r>
+            <a:r>
+              <a:rPr lang="zh-TW" altLang="en-US"/>
+              <a:t>位於 </a:t>
+            </a:r>
+            <a:r>
+              <a:rPr lang="en-US" altLang="zh-TW" sz="2400">
+                <a:solidFill>
+                  <a:srgbClr val="FFFF00"/>
+                </a:solidFill>
+              </a:rPr>
+              <a:t>net.minecraft.registry.Registeries</a:t>
+            </a:r>
+            <a:r>
+              <a:rPr lang="en-US" altLang="zh-TW" sz="2400"/>
+              <a:t> </a:t>
             </a:r>
             <a:r>
               <a:rPr lang="zh-TW" altLang="en-US">
@@ -2746,16 +2812,9 @@
             </a:r>
             <a:r>
               <a:rPr lang="zh-TW" altLang="en-US"/>
-              <a:t>為 </a:t>
-            </a:r>
-            <a:r>
-              <a:rPr lang="en-US" altLang="zh-TW">
-                <a:solidFill>
-                  <a:srgbClr val="FFFF00"/>
-                </a:solidFill>
-              </a:rPr>
-              <a:t>net.minecraft.util.Identifier</a:t>
-            </a:r>
+              <a:t>內</a:t>
+            </a:r>
+            <a:endParaRPr lang="en-US" altLang="zh-TW"/>
           </a:p>
         </p:txBody>
       </p:sp>
@@ -2763,6 +2822,4584 @@
     <p:extLst>
       <p:ext uri="{BB962C8B-B14F-4D97-AF65-F5344CB8AC3E}">
         <p14:creationId xmlns:p14="http://schemas.microsoft.com/office/powerpoint/2010/main" val="102758403"/>
+      </p:ext>
+    </p:extLst>
+  </p:cSld>
+  <p:clrMapOvr>
+    <a:masterClrMapping/>
+  </p:clrMapOvr>
+  <p:transition spd="slow">
+    <p:push dir="u"/>
+  </p:transition>
+</p:sld>
+</file>
+
+<file path=ppt/slides/slide4.xml><?xml version="1.0" encoding="utf-8"?>
+<p:sld xmlns:a="http://schemas.openxmlformats.org/drawingml/2006/main" xmlns:r="http://schemas.openxmlformats.org/officeDocument/2006/relationships" xmlns:p="http://schemas.openxmlformats.org/presentationml/2006/main">
+  <p:cSld>
+    <p:spTree>
+      <p:nvGrpSpPr>
+        <p:cNvPr id="1" name=""/>
+        <p:cNvGrpSpPr/>
+        <p:nvPr/>
+      </p:nvGrpSpPr>
+      <p:grpSpPr>
+        <a:xfrm>
+          <a:off x="0" y="0"/>
+          <a:ext cx="0" cy="0"/>
+          <a:chOff x="0" y="0"/>
+          <a:chExt cx="0" cy="0"/>
+        </a:xfrm>
+      </p:grpSpPr>
+      <p:sp>
+        <p:nvSpPr>
+          <p:cNvPr id="2" name="標題 1">
+            <a:extLst>
+              <a:ext uri="{FF2B5EF4-FFF2-40B4-BE49-F238E27FC236}">
+                <a16:creationId xmlns:a16="http://schemas.microsoft.com/office/drawing/2014/main" id="{10221937-4DED-48A9-97AF-1270F19152D7}"/>
+              </a:ext>
+            </a:extLst>
+          </p:cNvPr>
+          <p:cNvSpPr>
+            <a:spLocks noGrp="1"/>
+          </p:cNvSpPr>
+          <p:nvPr>
+            <p:ph type="title"/>
+          </p:nvPr>
+        </p:nvSpPr>
+        <p:spPr/>
+        <p:txBody>
+          <a:bodyPr/>
+          <a:lstStyle/>
+          <a:p>
+            <a:r>
+              <a:rPr lang="zh-TW" altLang="en-US"/>
+              <a:t>標識符</a:t>
+            </a:r>
+          </a:p>
+        </p:txBody>
+      </p:sp>
+      <p:sp>
+        <p:nvSpPr>
+          <p:cNvPr id="3" name="內容版面配置區 2">
+            <a:extLst>
+              <a:ext uri="{FF2B5EF4-FFF2-40B4-BE49-F238E27FC236}">
+                <a16:creationId xmlns:a16="http://schemas.microsoft.com/office/drawing/2014/main" id="{F1B1E821-145B-400F-B1BF-5867720CF936}"/>
+              </a:ext>
+            </a:extLst>
+          </p:cNvPr>
+          <p:cNvSpPr>
+            <a:spLocks noGrp="1"/>
+          </p:cNvSpPr>
+          <p:nvPr>
+            <p:ph idx="1"/>
+          </p:nvPr>
+        </p:nvSpPr>
+        <p:spPr>
+          <a:xfrm>
+            <a:off x="838200" y="1601788"/>
+            <a:ext cx="10515600" cy="4081836"/>
+          </a:xfrm>
+        </p:spPr>
+        <p:txBody>
+          <a:bodyPr>
+            <a:normAutofit/>
+          </a:bodyPr>
+          <a:lstStyle/>
+          <a:p>
+            <a:r>
+              <a:rPr lang="zh-TW" altLang="en-US">
+                <a:solidFill>
+                  <a:srgbClr val="00B0F0"/>
+                </a:solidFill>
+              </a:rPr>
+              <a:t>標識符</a:t>
+            </a:r>
+            <a:r>
+              <a:rPr lang="en-US" altLang="zh-TW">
+                <a:solidFill>
+                  <a:srgbClr val="00B0F0"/>
+                </a:solidFill>
+              </a:rPr>
+              <a:t>(identifier)</a:t>
+            </a:r>
+            <a:r>
+              <a:rPr lang="zh-TW" altLang="en-US"/>
+              <a:t>由</a:t>
+            </a:r>
+            <a:r>
+              <a:rPr lang="zh-TW" altLang="en-US">
+                <a:solidFill>
+                  <a:srgbClr val="00B0F0"/>
+                </a:solidFill>
+              </a:rPr>
+              <a:t>命名空間</a:t>
+            </a:r>
+            <a:r>
+              <a:rPr lang="en-US" altLang="zh-TW">
+                <a:solidFill>
+                  <a:srgbClr val="00B0F0"/>
+                </a:solidFill>
+              </a:rPr>
+              <a:t>(namespace)</a:t>
+            </a:r>
+            <a:r>
+              <a:rPr lang="zh-TW" altLang="en-US"/>
+              <a:t>和</a:t>
+            </a:r>
+            <a:r>
+              <a:rPr lang="zh-TW" altLang="en-US">
+                <a:solidFill>
+                  <a:srgbClr val="00B0F0"/>
+                </a:solidFill>
+              </a:rPr>
+              <a:t>路徑</a:t>
+            </a:r>
+            <a:r>
+              <a:rPr lang="en-US" altLang="zh-TW">
+                <a:solidFill>
+                  <a:srgbClr val="00B0F0"/>
+                </a:solidFill>
+              </a:rPr>
+              <a:t>(path)</a:t>
+            </a:r>
+            <a:r>
+              <a:rPr lang="zh-TW" altLang="en-US"/>
+              <a:t>組成</a:t>
+            </a:r>
+            <a:endParaRPr lang="en-US" altLang="zh-TW"/>
+          </a:p>
+          <a:p>
+            <a:r>
+              <a:rPr lang="zh-TW" altLang="en-US"/>
+              <a:t>其中</a:t>
+            </a:r>
+            <a:r>
+              <a:rPr lang="zh-TW" altLang="en-US">
+                <a:solidFill>
+                  <a:srgbClr val="00B0F0"/>
+                </a:solidFill>
+              </a:rPr>
+              <a:t>命名空間</a:t>
+            </a:r>
+            <a:r>
+              <a:rPr lang="zh-TW" altLang="en-US"/>
+              <a:t>通常為</a:t>
+            </a:r>
+            <a:r>
+              <a:rPr lang="zh-TW" altLang="en-US">
+                <a:solidFill>
+                  <a:srgbClr val="00B0F0"/>
+                </a:solidFill>
+              </a:rPr>
+              <a:t>模組 </a:t>
+            </a:r>
+            <a:r>
+              <a:rPr lang="en-US" altLang="zh-TW">
+                <a:solidFill>
+                  <a:srgbClr val="00B0F0"/>
+                </a:solidFill>
+              </a:rPr>
+              <a:t>id</a:t>
+            </a:r>
+          </a:p>
+          <a:p>
+            <a:r>
+              <a:rPr lang="zh-TW" altLang="en-US"/>
+              <a:t>而</a:t>
+            </a:r>
+            <a:r>
+              <a:rPr lang="zh-TW" altLang="en-US">
+                <a:solidFill>
+                  <a:srgbClr val="00B0F0"/>
+                </a:solidFill>
+              </a:rPr>
+              <a:t>路徑</a:t>
+            </a:r>
+            <a:r>
+              <a:rPr lang="zh-TW" altLang="en-US"/>
+              <a:t>則由小寫英文、</a:t>
+            </a:r>
+            <a:r>
+              <a:rPr lang="zh-TW" altLang="en-US">
+                <a:solidFill>
+                  <a:srgbClr val="92D050"/>
+                </a:solidFill>
+              </a:rPr>
+              <a:t>下滑線</a:t>
+            </a:r>
+            <a:r>
+              <a:rPr lang="en-US" altLang="zh-TW">
+                <a:solidFill>
+                  <a:srgbClr val="92D050"/>
+                </a:solidFill>
+              </a:rPr>
+              <a:t>(_)</a:t>
+            </a:r>
+            <a:r>
+              <a:rPr lang="zh-TW" altLang="en-US"/>
+              <a:t>、</a:t>
+            </a:r>
+            <a:r>
+              <a:rPr lang="zh-TW" altLang="en-US">
+                <a:solidFill>
+                  <a:srgbClr val="92D050"/>
+                </a:solidFill>
+              </a:rPr>
+              <a:t>斜線</a:t>
+            </a:r>
+            <a:r>
+              <a:rPr lang="en-US" altLang="zh-TW">
+                <a:solidFill>
+                  <a:srgbClr val="92D050"/>
+                </a:solidFill>
+              </a:rPr>
+              <a:t>(/)</a:t>
+            </a:r>
+            <a:r>
+              <a:rPr lang="zh-TW" altLang="en-US"/>
+              <a:t>組成</a:t>
+            </a:r>
+            <a:endParaRPr lang="en-US" altLang="zh-TW"/>
+          </a:p>
+          <a:p>
+            <a:r>
+              <a:rPr lang="zh-TW" altLang="en-US"/>
+              <a:t>在遊戲各處都會使用到</a:t>
+            </a:r>
+            <a:r>
+              <a:rPr lang="zh-TW" altLang="en-US">
+                <a:solidFill>
+                  <a:srgbClr val="00B0F0"/>
+                </a:solidFill>
+              </a:rPr>
+              <a:t>標識符</a:t>
+            </a:r>
+            <a:endParaRPr lang="en-US" altLang="zh-TW">
+              <a:solidFill>
+                <a:srgbClr val="00B0F0"/>
+              </a:solidFill>
+            </a:endParaRPr>
+          </a:p>
+          <a:p>
+            <a:r>
+              <a:rPr lang="zh-TW" altLang="en-US">
+                <a:solidFill>
+                  <a:srgbClr val="00B0F0"/>
+                </a:solidFill>
+              </a:rPr>
+              <a:t>標識符</a:t>
+            </a:r>
+            <a:r>
+              <a:rPr lang="zh-TW" altLang="en-US"/>
+              <a:t>以</a:t>
+            </a:r>
+            <a:r>
+              <a:rPr lang="zh-TW" altLang="en-US">
+                <a:solidFill>
+                  <a:srgbClr val="00B0F0"/>
+                </a:solidFill>
+              </a:rPr>
+              <a:t>字串</a:t>
+            </a:r>
+            <a:r>
+              <a:rPr lang="zh-TW" altLang="en-US"/>
+              <a:t>表示為 </a:t>
+            </a:r>
+            <a:r>
+              <a:rPr lang="en-US" altLang="zh-TW">
+                <a:solidFill>
+                  <a:srgbClr val="92D050"/>
+                </a:solidFill>
+              </a:rPr>
+              <a:t>"namespace:path"</a:t>
+            </a:r>
+          </a:p>
+          <a:p>
+            <a:r>
+              <a:rPr lang="zh-TW" altLang="en-US"/>
+              <a:t>如</a:t>
+            </a:r>
+            <a:r>
+              <a:rPr lang="zh-TW" altLang="en-US">
+                <a:solidFill>
+                  <a:srgbClr val="92D050"/>
+                </a:solidFill>
+              </a:rPr>
+              <a:t>雞蛋</a:t>
+            </a:r>
+            <a:r>
+              <a:rPr lang="zh-TW" altLang="en-US">
+                <a:solidFill>
+                  <a:srgbClr val="00B0F0"/>
+                </a:solidFill>
+              </a:rPr>
+              <a:t>物品</a:t>
+            </a:r>
+            <a:r>
+              <a:rPr lang="zh-TW" altLang="en-US"/>
+              <a:t>的</a:t>
+            </a:r>
+            <a:r>
+              <a:rPr lang="zh-TW" altLang="en-US">
+                <a:solidFill>
+                  <a:srgbClr val="00B0F0"/>
+                </a:solidFill>
+              </a:rPr>
+              <a:t>標識符</a:t>
+            </a:r>
+            <a:r>
+              <a:rPr lang="zh-TW" altLang="en-US"/>
+              <a:t>以字串表示為 </a:t>
+            </a:r>
+            <a:r>
+              <a:rPr lang="en-US" altLang="zh-TW">
+                <a:solidFill>
+                  <a:srgbClr val="92D050"/>
+                </a:solidFill>
+              </a:rPr>
+              <a:t>"minecraft:egg"</a:t>
+            </a:r>
+          </a:p>
+          <a:p>
+            <a:r>
+              <a:rPr lang="zh-TW" altLang="en-US"/>
+              <a:t>其在 </a:t>
+            </a:r>
+            <a:r>
+              <a:rPr lang="en-US" altLang="zh-TW"/>
+              <a:t>Java </a:t>
+            </a:r>
+            <a:r>
+              <a:rPr lang="zh-TW" altLang="en-US"/>
+              <a:t>中處理的</a:t>
+            </a:r>
+            <a:r>
+              <a:rPr lang="zh-TW" altLang="en-US">
+                <a:solidFill>
+                  <a:srgbClr val="00B0F0"/>
+                </a:solidFill>
+              </a:rPr>
+              <a:t>類別</a:t>
+            </a:r>
+            <a:r>
+              <a:rPr lang="zh-TW" altLang="en-US"/>
+              <a:t>為 </a:t>
+            </a:r>
+            <a:r>
+              <a:rPr lang="en-US" altLang="zh-TW">
+                <a:solidFill>
+                  <a:srgbClr val="FFFF00"/>
+                </a:solidFill>
+              </a:rPr>
+              <a:t>net.minecraft.util.Identifier</a:t>
+            </a:r>
+          </a:p>
+          <a:p>
+            <a:r>
+              <a:rPr lang="zh-TW" altLang="en-US"/>
+              <a:t>該</a:t>
+            </a:r>
+            <a:r>
+              <a:rPr lang="zh-TW" altLang="en-US">
+                <a:solidFill>
+                  <a:srgbClr val="00B0F0"/>
+                </a:solidFill>
+              </a:rPr>
+              <a:t>類別</a:t>
+            </a:r>
+            <a:r>
+              <a:rPr lang="zh-TW" altLang="en-US"/>
+              <a:t>的</a:t>
+            </a:r>
+            <a:r>
+              <a:rPr lang="zh-TW" altLang="en-US">
+                <a:solidFill>
+                  <a:srgbClr val="00B0F0"/>
+                </a:solidFill>
+              </a:rPr>
+              <a:t>建構子</a:t>
+            </a:r>
+            <a:r>
+              <a:rPr lang="zh-TW" altLang="en-US"/>
+              <a:t>為</a:t>
+            </a:r>
+            <a:r>
+              <a:rPr lang="zh-TW" altLang="en-US">
+                <a:solidFill>
+                  <a:srgbClr val="FFFF00"/>
+                </a:solidFill>
+              </a:rPr>
+              <a:t> </a:t>
+            </a:r>
+            <a:r>
+              <a:rPr lang="en-US" altLang="zh-TW">
+                <a:solidFill>
+                  <a:srgbClr val="CF8E6D"/>
+                </a:solidFill>
+              </a:rPr>
+              <a:t>private</a:t>
+            </a:r>
+            <a:r>
+              <a:rPr lang="zh-TW" altLang="en-US"/>
+              <a:t>，需使用下列</a:t>
+            </a:r>
+            <a:r>
+              <a:rPr lang="zh-TW" altLang="en-US">
+                <a:solidFill>
+                  <a:srgbClr val="00B0F0"/>
+                </a:solidFill>
+              </a:rPr>
+              <a:t>靜態方法</a:t>
+            </a:r>
+            <a:r>
+              <a:rPr lang="zh-TW" altLang="en-US">
+                <a:solidFill>
+                  <a:srgbClr val="FFC000"/>
+                </a:solidFill>
+              </a:rPr>
+              <a:t>創建</a:t>
+            </a:r>
+            <a:r>
+              <a:rPr lang="zh-TW" altLang="en-US">
+                <a:solidFill>
+                  <a:srgbClr val="00B0F0"/>
+                </a:solidFill>
+              </a:rPr>
+              <a:t>實例</a:t>
+            </a:r>
+            <a:r>
+              <a:rPr lang="zh-TW" altLang="en-US"/>
+              <a:t>：</a:t>
+            </a:r>
+            <a:endParaRPr lang="en-US" altLang="zh-TW">
+              <a:solidFill>
+                <a:srgbClr val="FFFF00"/>
+              </a:solidFill>
+            </a:endParaRPr>
+          </a:p>
+        </p:txBody>
+      </p:sp>
+      <p:grpSp>
+        <p:nvGrpSpPr>
+          <p:cNvPr id="8" name="群組 7">
+            <a:extLst>
+              <a:ext uri="{FF2B5EF4-FFF2-40B4-BE49-F238E27FC236}">
+                <a16:creationId xmlns:a16="http://schemas.microsoft.com/office/drawing/2014/main" id="{6A0836DF-02FC-4EC7-9251-B58F84D76AC0}"/>
+              </a:ext>
+            </a:extLst>
+          </p:cNvPr>
+          <p:cNvGrpSpPr/>
+          <p:nvPr/>
+        </p:nvGrpSpPr>
+        <p:grpSpPr>
+          <a:xfrm>
+            <a:off x="838199" y="5809295"/>
+            <a:ext cx="10515599" cy="461665"/>
+            <a:chOff x="838199" y="5809295"/>
+            <a:chExt cx="10515599" cy="461665"/>
+          </a:xfrm>
+        </p:grpSpPr>
+        <p:sp>
+          <p:nvSpPr>
+            <p:cNvPr id="6" name="Rectangle 3">
+              <a:extLst>
+                <a:ext uri="{FF2B5EF4-FFF2-40B4-BE49-F238E27FC236}">
+                  <a16:creationId xmlns:a16="http://schemas.microsoft.com/office/drawing/2014/main" id="{F9E1D25C-DAD5-4249-BC0A-587DD6778B80}"/>
+                </a:ext>
+              </a:extLst>
+            </p:cNvPr>
+            <p:cNvSpPr>
+              <a:spLocks noChangeArrowheads="1"/>
+            </p:cNvSpPr>
+            <p:nvPr/>
+          </p:nvSpPr>
+          <p:spPr bwMode="auto">
+            <a:xfrm>
+              <a:off x="838199" y="5809295"/>
+              <a:ext cx="10515599" cy="461665"/>
+            </a:xfrm>
+            <a:prstGeom prst="rect">
+              <a:avLst/>
+            </a:prstGeom>
+            <a:solidFill>
+              <a:srgbClr val="1E1F22"/>
+            </a:solidFill>
+            <a:ln>
+              <a:noFill/>
+            </a:ln>
+            <a:effectLst/>
+            <a:extLst>
+              <a:ext uri="{91240B29-F687-4F45-9708-019B960494DF}">
+                <a14:hiddenLine xmlns:a14="http://schemas.microsoft.com/office/drawing/2010/main" w="9525">
+                  <a:solidFill>
+                    <a:schemeClr val="tx1"/>
+                  </a:solidFill>
+                  <a:miter lim="800000"/>
+                  <a:headEnd/>
+                  <a:tailEnd/>
+                </a14:hiddenLine>
+              </a:ext>
+              <a:ext uri="{AF507438-7753-43E0-B8FC-AC1667EBCBE1}">
+                <a14:hiddenEffects xmlns:a14="http://schemas.microsoft.com/office/drawing/2010/main">
+                  <a:effectLst>
+                    <a:outerShdw dist="35921" dir="2700000" algn="ctr" rotWithShape="0">
+                      <a:schemeClr val="bg2"/>
+                    </a:outerShdw>
+                  </a:effectLst>
+                </a14:hiddenEffects>
+              </a:ext>
+            </a:extLst>
+          </p:spPr>
+          <p:txBody>
+            <a:bodyPr vert="horz" wrap="square" lIns="91440" tIns="45720" rIns="91440" bIns="45720" numCol="1" anchor="ctr" anchorCtr="0" compatLnSpc="1">
+              <a:prstTxWarp prst="textNoShape">
+                <a:avLst/>
+              </a:prstTxWarp>
+              <a:spAutoFit/>
+            </a:bodyPr>
+            <a:lstStyle/>
+            <a:p>
+              <a:pPr marL="0" marR="0" lvl="0" indent="0" algn="l" defTabSz="914400" rtl="0" eaLnBrk="0" fontAlgn="base" latinLnBrk="0" hangingPunct="0">
+                <a:lnSpc>
+                  <a:spcPct val="100000"/>
+                </a:lnSpc>
+                <a:spcBef>
+                  <a:spcPct val="0"/>
+                </a:spcBef>
+                <a:spcAft>
+                  <a:spcPct val="0"/>
+                </a:spcAft>
+                <a:buClrTx/>
+                <a:buSzTx/>
+                <a:buFontTx/>
+                <a:buNone/>
+                <a:tabLst/>
+              </a:pPr>
+              <a:r>
+                <a:rPr kumimoji="0" lang="zh-TW" altLang="zh-TW" sz="2400" b="0" i="0" u="none" strike="noStrike" cap="none" normalizeH="0" baseline="0">
+                  <a:ln>
+                    <a:noFill/>
+                  </a:ln>
+                  <a:solidFill>
+                    <a:srgbClr val="CF8E6D"/>
+                  </a:solidFill>
+                  <a:effectLst/>
+                  <a:latin typeface="+mj-lt"/>
+                  <a:cs typeface="JetBrains Mono" panose="02000009000000000000" pitchFamily="49" charset="0"/>
+                </a:rPr>
+                <a:t>public static </a:t>
+              </a:r>
+              <a:r>
+                <a:rPr kumimoji="0" lang="zh-TW" altLang="zh-TW" sz="2400" b="0" i="0" u="none" strike="noStrike" cap="none" normalizeH="0" baseline="0">
+                  <a:ln>
+                    <a:noFill/>
+                  </a:ln>
+                  <a:solidFill>
+                    <a:srgbClr val="BCBEC4"/>
+                  </a:solidFill>
+                  <a:effectLst/>
+                  <a:latin typeface="+mj-lt"/>
+                  <a:cs typeface="JetBrains Mono" panose="02000009000000000000" pitchFamily="49" charset="0"/>
+                </a:rPr>
+                <a:t>Identifier </a:t>
+              </a:r>
+              <a:r>
+                <a:rPr kumimoji="0" lang="zh-TW" altLang="zh-TW" sz="2400" b="0" i="0" u="none" strike="noStrike" cap="none" normalizeH="0" baseline="0">
+                  <a:ln>
+                    <a:noFill/>
+                  </a:ln>
+                  <a:solidFill>
+                    <a:srgbClr val="56A8F5"/>
+                  </a:solidFill>
+                  <a:effectLst/>
+                  <a:latin typeface="+mj-lt"/>
+                  <a:cs typeface="JetBrains Mono" panose="02000009000000000000" pitchFamily="49" charset="0"/>
+                </a:rPr>
+                <a:t>of</a:t>
+              </a:r>
+              <a:r>
+                <a:rPr kumimoji="0" lang="zh-TW" altLang="zh-TW" sz="2400" b="0" i="0" u="none" strike="noStrike" cap="none" normalizeH="0" baseline="0">
+                  <a:ln>
+                    <a:noFill/>
+                  </a:ln>
+                  <a:solidFill>
+                    <a:srgbClr val="BCBEC4"/>
+                  </a:solidFill>
+                  <a:effectLst/>
+                  <a:latin typeface="+mj-lt"/>
+                  <a:cs typeface="JetBrains Mono" panose="02000009000000000000" pitchFamily="49" charset="0"/>
+                </a:rPr>
+                <a:t>(String namespace, String path)</a:t>
+              </a:r>
+              <a:endParaRPr kumimoji="0" lang="zh-TW" altLang="zh-TW" sz="3200" b="0" i="0" u="none" strike="noStrike" cap="none" normalizeH="0" baseline="0">
+                <a:ln>
+                  <a:noFill/>
+                </a:ln>
+                <a:solidFill>
+                  <a:schemeClr val="tx1"/>
+                </a:solidFill>
+                <a:effectLst/>
+                <a:latin typeface="+mj-lt"/>
+              </a:endParaRPr>
+            </a:p>
+          </p:txBody>
+        </p:sp>
+        <p:sp>
+          <p:nvSpPr>
+            <p:cNvPr id="7" name="文字方塊 6">
+              <a:extLst>
+                <a:ext uri="{FF2B5EF4-FFF2-40B4-BE49-F238E27FC236}">
+                  <a16:creationId xmlns:a16="http://schemas.microsoft.com/office/drawing/2014/main" id="{88D85378-5E1E-49EB-B8F1-D4F3FA4F0A04}"/>
+                </a:ext>
+              </a:extLst>
+            </p:cNvPr>
+            <p:cNvSpPr txBox="1"/>
+            <p:nvPr/>
+          </p:nvSpPr>
+          <p:spPr>
+            <a:xfrm>
+              <a:off x="10771587" y="5963183"/>
+              <a:ext cx="582211" cy="307777"/>
+            </a:xfrm>
+            <a:prstGeom prst="rect">
+              <a:avLst/>
+            </a:prstGeom>
+            <a:noFill/>
+          </p:spPr>
+          <p:txBody>
+            <a:bodyPr wrap="none" rtlCol="0">
+              <a:spAutoFit/>
+            </a:bodyPr>
+            <a:lstStyle/>
+            <a:p>
+              <a:r>
+                <a:rPr lang="en-US" altLang="zh-TW" sz="1400">
+                  <a:solidFill>
+                    <a:schemeClr val="accent2"/>
+                  </a:solidFill>
+                </a:rPr>
+                <a:t>java</a:t>
+              </a:r>
+              <a:endParaRPr lang="zh-TW" altLang="en-US" sz="1400">
+                <a:solidFill>
+                  <a:schemeClr val="accent2"/>
+                </a:solidFill>
+              </a:endParaRPr>
+            </a:p>
+          </p:txBody>
+        </p:sp>
+      </p:grpSp>
+    </p:spTree>
+    <p:extLst>
+      <p:ext uri="{BB962C8B-B14F-4D97-AF65-F5344CB8AC3E}">
+        <p14:creationId xmlns:p14="http://schemas.microsoft.com/office/powerpoint/2010/main" val="3174428663"/>
+      </p:ext>
+    </p:extLst>
+  </p:cSld>
+  <p:clrMapOvr>
+    <a:masterClrMapping/>
+  </p:clrMapOvr>
+  <p:transition spd="slow">
+    <p:push dir="u"/>
+  </p:transition>
+</p:sld>
+</file>
+
+<file path=ppt/slides/slide5.xml><?xml version="1.0" encoding="utf-8"?>
+<p:sld xmlns:a="http://schemas.openxmlformats.org/drawingml/2006/main" xmlns:r="http://schemas.openxmlformats.org/officeDocument/2006/relationships" xmlns:p="http://schemas.openxmlformats.org/presentationml/2006/main">
+  <p:cSld>
+    <p:spTree>
+      <p:nvGrpSpPr>
+        <p:cNvPr id="1" name=""/>
+        <p:cNvGrpSpPr/>
+        <p:nvPr/>
+      </p:nvGrpSpPr>
+      <p:grpSpPr>
+        <a:xfrm>
+          <a:off x="0" y="0"/>
+          <a:ext cx="0" cy="0"/>
+          <a:chOff x="0" y="0"/>
+          <a:chExt cx="0" cy="0"/>
+        </a:xfrm>
+      </p:grpSpPr>
+      <p:sp>
+        <p:nvSpPr>
+          <p:cNvPr id="2" name="標題 1">
+            <a:extLst>
+              <a:ext uri="{FF2B5EF4-FFF2-40B4-BE49-F238E27FC236}">
+                <a16:creationId xmlns:a16="http://schemas.microsoft.com/office/drawing/2014/main" id="{CFDB815D-427A-4BE7-8E6A-F08A11A93802}"/>
+              </a:ext>
+            </a:extLst>
+          </p:cNvPr>
+          <p:cNvSpPr>
+            <a:spLocks noGrp="1"/>
+          </p:cNvSpPr>
+          <p:nvPr>
+            <p:ph type="title"/>
+          </p:nvPr>
+        </p:nvSpPr>
+        <p:spPr>
+          <a:xfrm>
+            <a:off x="838200" y="0"/>
+            <a:ext cx="10515600" cy="1325563"/>
+          </a:xfrm>
+        </p:spPr>
+        <p:txBody>
+          <a:bodyPr/>
+          <a:lstStyle/>
+          <a:p>
+            <a:r>
+              <a:rPr lang="zh-TW" altLang="en-US"/>
+              <a:t>註冊鍵</a:t>
+            </a:r>
+          </a:p>
+        </p:txBody>
+      </p:sp>
+      <p:sp>
+        <p:nvSpPr>
+          <p:cNvPr id="11" name="內容版面配置區 10">
+            <a:extLst>
+              <a:ext uri="{FF2B5EF4-FFF2-40B4-BE49-F238E27FC236}">
+                <a16:creationId xmlns:a16="http://schemas.microsoft.com/office/drawing/2014/main" id="{D539076C-BFEA-41AA-8703-54CF4C8DFF38}"/>
+              </a:ext>
+            </a:extLst>
+          </p:cNvPr>
+          <p:cNvSpPr>
+            <a:spLocks noGrp="1"/>
+          </p:cNvSpPr>
+          <p:nvPr>
+            <p:ph idx="1"/>
+          </p:nvPr>
+        </p:nvSpPr>
+        <p:spPr>
+          <a:xfrm>
+            <a:off x="838200" y="1228166"/>
+            <a:ext cx="10515600" cy="5205600"/>
+          </a:xfrm>
+        </p:spPr>
+        <p:txBody>
+          <a:bodyPr>
+            <a:normAutofit/>
+          </a:bodyPr>
+          <a:lstStyle/>
+          <a:p>
+            <a:r>
+              <a:rPr lang="zh-TW" altLang="en-US">
+                <a:solidFill>
+                  <a:srgbClr val="00B0F0"/>
+                </a:solidFill>
+              </a:rPr>
+              <a:t>註冊鍵</a:t>
+            </a:r>
+            <a:r>
+              <a:rPr lang="en-US" altLang="zh-TW">
+                <a:solidFill>
+                  <a:srgbClr val="00B0F0"/>
+                </a:solidFill>
+              </a:rPr>
+              <a:t>(registry key)</a:t>
+            </a:r>
+            <a:r>
+              <a:rPr lang="zh-TW" altLang="en-US"/>
+              <a:t>由</a:t>
+            </a:r>
+            <a:r>
+              <a:rPr lang="zh-TW" altLang="en-US">
+                <a:solidFill>
+                  <a:srgbClr val="00B0F0"/>
+                </a:solidFill>
+              </a:rPr>
+              <a:t>註冊表</a:t>
+            </a:r>
+            <a:r>
+              <a:rPr lang="zh-TW" altLang="en-US"/>
+              <a:t>和</a:t>
+            </a:r>
+            <a:r>
+              <a:rPr lang="zh-TW" altLang="en-US">
+                <a:solidFill>
+                  <a:srgbClr val="00B0F0"/>
+                </a:solidFill>
+              </a:rPr>
+              <a:t>值</a:t>
+            </a:r>
+            <a:r>
+              <a:rPr lang="zh-TW" altLang="en-US"/>
+              <a:t>組成</a:t>
+            </a:r>
+            <a:endParaRPr lang="en-US" altLang="zh-TW"/>
+          </a:p>
+          <a:p>
+            <a:r>
+              <a:rPr lang="zh-TW" altLang="en-US"/>
+              <a:t>其中的</a:t>
+            </a:r>
+            <a:r>
+              <a:rPr lang="zh-TW" altLang="en-US">
+                <a:solidFill>
+                  <a:srgbClr val="00B0F0"/>
+                </a:solidFill>
+              </a:rPr>
+              <a:t>註冊表</a:t>
+            </a:r>
+            <a:r>
+              <a:rPr lang="zh-TW" altLang="en-US"/>
+              <a:t>和</a:t>
+            </a:r>
+            <a:r>
+              <a:rPr lang="zh-TW" altLang="en-US">
+                <a:solidFill>
+                  <a:srgbClr val="00B0F0"/>
+                </a:solidFill>
+              </a:rPr>
+              <a:t>值</a:t>
+            </a:r>
+            <a:r>
+              <a:rPr lang="zh-TW" altLang="en-US"/>
+              <a:t>為</a:t>
+            </a:r>
+            <a:r>
+              <a:rPr lang="zh-TW" altLang="en-US">
+                <a:solidFill>
+                  <a:srgbClr val="00B0F0"/>
+                </a:solidFill>
+              </a:rPr>
+              <a:t>標識符</a:t>
+            </a:r>
+            <a:endParaRPr lang="en-US" altLang="zh-TW">
+              <a:solidFill>
+                <a:srgbClr val="00B0F0"/>
+              </a:solidFill>
+            </a:endParaRPr>
+          </a:p>
+          <a:p>
+            <a:r>
+              <a:rPr lang="zh-TW" altLang="en-US">
+                <a:solidFill>
+                  <a:srgbClr val="00B0F0"/>
+                </a:solidFill>
+              </a:rPr>
+              <a:t>註冊鍵</a:t>
+            </a:r>
+            <a:r>
+              <a:rPr lang="zh-TW" altLang="en-US"/>
+              <a:t>以</a:t>
+            </a:r>
+            <a:r>
+              <a:rPr lang="zh-TW" altLang="en-US">
+                <a:solidFill>
+                  <a:srgbClr val="00B0F0"/>
+                </a:solidFill>
+              </a:rPr>
+              <a:t>字串</a:t>
+            </a:r>
+            <a:r>
+              <a:rPr lang="zh-TW" altLang="en-US"/>
+              <a:t>表示為 </a:t>
+            </a:r>
+            <a:r>
+              <a:rPr lang="en-US" altLang="zh-TW">
+                <a:solidFill>
+                  <a:srgbClr val="92D050"/>
+                </a:solidFill>
+              </a:rPr>
+              <a:t>"ResourceKey[registry/value]"</a:t>
+            </a:r>
+          </a:p>
+          <a:p>
+            <a:r>
+              <a:rPr lang="zh-TW" altLang="en-US"/>
+              <a:t>如</a:t>
+            </a:r>
+            <a:r>
+              <a:rPr lang="zh-TW" altLang="en-US">
+                <a:solidFill>
+                  <a:srgbClr val="92D050"/>
+                </a:solidFill>
+              </a:rPr>
+              <a:t>雞蛋</a:t>
+            </a:r>
+            <a:r>
+              <a:rPr lang="zh-TW" altLang="en-US">
+                <a:solidFill>
+                  <a:srgbClr val="00B0F0"/>
+                </a:solidFill>
+              </a:rPr>
+              <a:t>物品</a:t>
+            </a:r>
+            <a:r>
+              <a:rPr lang="zh-TW" altLang="en-US"/>
+              <a:t>的</a:t>
+            </a:r>
+            <a:r>
+              <a:rPr lang="zh-TW" altLang="en-US">
+                <a:solidFill>
+                  <a:srgbClr val="00B0F0"/>
+                </a:solidFill>
+              </a:rPr>
+              <a:t>註冊鍵</a:t>
+            </a:r>
+            <a:r>
+              <a:rPr lang="zh-TW" altLang="en-US"/>
+              <a:t>以字串表示為</a:t>
+            </a:r>
+            <a:endParaRPr lang="en-US" altLang="zh-TW"/>
+          </a:p>
+          <a:p>
+            <a:r>
+              <a:rPr lang="en-US" altLang="zh-TW">
+                <a:solidFill>
+                  <a:srgbClr val="92D050"/>
+                </a:solidFill>
+              </a:rPr>
+              <a:t>"ResourceKey[minecraft:item/Minecraft:egg]"</a:t>
+            </a:r>
+          </a:p>
+          <a:p>
+            <a:r>
+              <a:rPr lang="zh-TW" altLang="en-US">
+                <a:solidFill>
+                  <a:srgbClr val="00B0F0"/>
+                </a:solidFill>
+              </a:rPr>
+              <a:t>註冊鍵</a:t>
+            </a:r>
+            <a:r>
+              <a:rPr lang="zh-TW" altLang="en-US"/>
+              <a:t>除了</a:t>
+            </a:r>
+            <a:r>
+              <a:rPr lang="zh-TW" altLang="en-US">
+                <a:solidFill>
+                  <a:srgbClr val="00B0F0"/>
+                </a:solidFill>
+              </a:rPr>
+              <a:t>註冊表</a:t>
+            </a:r>
+            <a:r>
+              <a:rPr lang="zh-TW" altLang="en-US"/>
+              <a:t>相關事項之外幾乎不會使用到</a:t>
+            </a:r>
+            <a:endParaRPr lang="en-US" altLang="zh-TW"/>
+          </a:p>
+          <a:p>
+            <a:r>
+              <a:rPr lang="zh-TW" altLang="en-US">
+                <a:solidFill>
+                  <a:srgbClr val="00B0F0"/>
+                </a:solidFill>
+              </a:rPr>
+              <a:t>註冊鍵</a:t>
+            </a:r>
+            <a:r>
+              <a:rPr lang="zh-TW" altLang="en-US"/>
+              <a:t>在 </a:t>
+            </a:r>
+            <a:r>
+              <a:rPr lang="en-US" altLang="zh-TW"/>
+              <a:t>Java </a:t>
+            </a:r>
+            <a:r>
+              <a:rPr lang="zh-TW" altLang="en-US"/>
+              <a:t>中處理的</a:t>
+            </a:r>
+            <a:r>
+              <a:rPr lang="zh-TW" altLang="en-US">
+                <a:solidFill>
+                  <a:srgbClr val="00B0F0"/>
+                </a:solidFill>
+              </a:rPr>
+              <a:t>類別</a:t>
+            </a:r>
+            <a:r>
+              <a:rPr lang="zh-TW" altLang="en-US"/>
+              <a:t>為</a:t>
+            </a:r>
+            <a:endParaRPr lang="en-US" altLang="zh-TW"/>
+          </a:p>
+          <a:p>
+            <a:r>
+              <a:rPr lang="en-US" altLang="zh-TW">
+                <a:solidFill>
+                  <a:srgbClr val="FFFF00"/>
+                </a:solidFill>
+              </a:rPr>
+              <a:t>net.minecraft.registry.RegistryKey</a:t>
+            </a:r>
+          </a:p>
+          <a:p>
+            <a:r>
+              <a:rPr lang="zh-TW" altLang="en-US"/>
+              <a:t>該</a:t>
+            </a:r>
+            <a:r>
+              <a:rPr lang="zh-TW" altLang="en-US">
+                <a:solidFill>
+                  <a:srgbClr val="00B0F0"/>
+                </a:solidFill>
+              </a:rPr>
+              <a:t>類別</a:t>
+            </a:r>
+            <a:r>
+              <a:rPr lang="zh-TW" altLang="en-US"/>
+              <a:t>的</a:t>
+            </a:r>
+            <a:r>
+              <a:rPr lang="zh-TW" altLang="en-US">
+                <a:solidFill>
+                  <a:srgbClr val="00B0F0"/>
+                </a:solidFill>
+              </a:rPr>
+              <a:t>建構子</a:t>
+            </a:r>
+            <a:r>
+              <a:rPr lang="zh-TW" altLang="en-US"/>
+              <a:t>為</a:t>
+            </a:r>
+            <a:r>
+              <a:rPr lang="zh-TW" altLang="en-US">
+                <a:solidFill>
+                  <a:srgbClr val="FFFF00"/>
+                </a:solidFill>
+              </a:rPr>
+              <a:t> </a:t>
+            </a:r>
+            <a:r>
+              <a:rPr lang="en-US" altLang="zh-TW">
+                <a:solidFill>
+                  <a:srgbClr val="CF8E6D"/>
+                </a:solidFill>
+              </a:rPr>
+              <a:t>private</a:t>
+            </a:r>
+            <a:r>
+              <a:rPr lang="zh-TW" altLang="en-US"/>
+              <a:t>，需</a:t>
+            </a:r>
+            <a:r>
+              <a:rPr lang="zh-TW" altLang="en-US">
+                <a:solidFill>
+                  <a:srgbClr val="FFC000"/>
+                </a:solidFill>
+              </a:rPr>
+              <a:t>呼叫</a:t>
+            </a:r>
+            <a:r>
+              <a:rPr lang="zh-TW" altLang="en-US">
+                <a:solidFill>
+                  <a:srgbClr val="00B0F0"/>
+                </a:solidFill>
+              </a:rPr>
+              <a:t>靜態方法 </a:t>
+            </a:r>
+            <a:r>
+              <a:rPr lang="en-US" altLang="zh-TW">
+                <a:solidFill>
+                  <a:srgbClr val="FFC000"/>
+                </a:solidFill>
+              </a:rPr>
+              <a:t>of</a:t>
+            </a:r>
+            <a:r>
+              <a:rPr lang="zh-TW" altLang="en-US">
+                <a:solidFill>
+                  <a:srgbClr val="FFC000"/>
+                </a:solidFill>
+              </a:rPr>
+              <a:t> 創建</a:t>
+            </a:r>
+            <a:r>
+              <a:rPr lang="zh-TW" altLang="en-US">
+                <a:solidFill>
+                  <a:srgbClr val="00B0F0"/>
+                </a:solidFill>
+              </a:rPr>
+              <a:t>實例</a:t>
+            </a:r>
+            <a:endParaRPr lang="en-US" altLang="zh-TW"/>
+          </a:p>
+          <a:p>
+            <a:r>
+              <a:rPr lang="zh-TW" altLang="en-US"/>
+              <a:t>所有</a:t>
+            </a:r>
+            <a:r>
+              <a:rPr lang="zh-TW" altLang="en-US">
+                <a:solidFill>
+                  <a:srgbClr val="00B0F0"/>
+                </a:solidFill>
+              </a:rPr>
+              <a:t>註冊鍵</a:t>
+            </a:r>
+            <a:r>
+              <a:rPr lang="zh-TW" altLang="en-US"/>
+              <a:t>位於 </a:t>
+            </a:r>
+            <a:r>
+              <a:rPr lang="en-US" altLang="zh-TW" sz="2800">
+                <a:solidFill>
+                  <a:srgbClr val="FFFF00"/>
+                </a:solidFill>
+              </a:rPr>
+              <a:t>net.minecraft.registry.RegistryKeys</a:t>
+            </a:r>
+            <a:endParaRPr lang="en-US" altLang="zh-TW"/>
+          </a:p>
+        </p:txBody>
+      </p:sp>
+    </p:spTree>
+    <p:extLst>
+      <p:ext uri="{BB962C8B-B14F-4D97-AF65-F5344CB8AC3E}">
+        <p14:creationId xmlns:p14="http://schemas.microsoft.com/office/powerpoint/2010/main" val="2805566172"/>
+      </p:ext>
+    </p:extLst>
+  </p:cSld>
+  <p:clrMapOvr>
+    <a:masterClrMapping/>
+  </p:clrMapOvr>
+  <p:transition spd="slow">
+    <p:push dir="u"/>
+  </p:transition>
+</p:sld>
+</file>
+
+<file path=ppt/slides/slide6.xml><?xml version="1.0" encoding="utf-8"?>
+<p:sld xmlns:a="http://schemas.openxmlformats.org/drawingml/2006/main" xmlns:r="http://schemas.openxmlformats.org/officeDocument/2006/relationships" xmlns:p="http://schemas.openxmlformats.org/presentationml/2006/main">
+  <p:cSld>
+    <p:spTree>
+      <p:nvGrpSpPr>
+        <p:cNvPr id="1" name=""/>
+        <p:cNvGrpSpPr/>
+        <p:nvPr/>
+      </p:nvGrpSpPr>
+      <p:grpSpPr>
+        <a:xfrm>
+          <a:off x="0" y="0"/>
+          <a:ext cx="0" cy="0"/>
+          <a:chOff x="0" y="0"/>
+          <a:chExt cx="0" cy="0"/>
+        </a:xfrm>
+      </p:grpSpPr>
+      <p:sp>
+        <p:nvSpPr>
+          <p:cNvPr id="2" name="標題 1">
+            <a:extLst>
+              <a:ext uri="{FF2B5EF4-FFF2-40B4-BE49-F238E27FC236}">
+                <a16:creationId xmlns:a16="http://schemas.microsoft.com/office/drawing/2014/main" id="{DFDD02CC-BC1E-4E9D-8159-E5C3BBDFF76A}"/>
+              </a:ext>
+            </a:extLst>
+          </p:cNvPr>
+          <p:cNvSpPr>
+            <a:spLocks noGrp="1"/>
+          </p:cNvSpPr>
+          <p:nvPr>
+            <p:ph type="title"/>
+          </p:nvPr>
+        </p:nvSpPr>
+        <p:spPr>
+          <a:xfrm>
+            <a:off x="838200" y="365125"/>
+            <a:ext cx="10515600" cy="1325563"/>
+          </a:xfrm>
+        </p:spPr>
+        <p:txBody>
+          <a:bodyPr/>
+          <a:lstStyle/>
+          <a:p>
+            <a:r>
+              <a:rPr lang="zh-TW" altLang="en-US"/>
+              <a:t>物品類別</a:t>
+            </a:r>
+          </a:p>
+        </p:txBody>
+      </p:sp>
+      <p:sp>
+        <p:nvSpPr>
+          <p:cNvPr id="3" name="內容版面配置區 2">
+            <a:extLst>
+              <a:ext uri="{FF2B5EF4-FFF2-40B4-BE49-F238E27FC236}">
+                <a16:creationId xmlns:a16="http://schemas.microsoft.com/office/drawing/2014/main" id="{63308E25-D21D-4B53-90C1-C798A70A1609}"/>
+              </a:ext>
+            </a:extLst>
+          </p:cNvPr>
+          <p:cNvSpPr>
+            <a:spLocks noGrp="1"/>
+          </p:cNvSpPr>
+          <p:nvPr>
+            <p:ph idx="1"/>
+          </p:nvPr>
+        </p:nvSpPr>
+        <p:spPr>
+          <a:xfrm>
+            <a:off x="838200" y="1825625"/>
+            <a:ext cx="10515600" cy="3113928"/>
+          </a:xfrm>
+        </p:spPr>
+        <p:txBody>
+          <a:bodyPr/>
+          <a:lstStyle/>
+          <a:p>
+            <a:r>
+              <a:rPr lang="en-US" altLang="zh-TW">
+                <a:solidFill>
+                  <a:srgbClr val="FFFF00"/>
+                </a:solidFill>
+              </a:rPr>
+              <a:t>Item</a:t>
+            </a:r>
+            <a:r>
+              <a:rPr lang="en-US" altLang="zh-TW"/>
+              <a:t> </a:t>
+            </a:r>
+            <a:r>
+              <a:rPr lang="zh-TW" altLang="en-US">
+                <a:solidFill>
+                  <a:srgbClr val="00B0F0"/>
+                </a:solidFill>
+              </a:rPr>
+              <a:t>類別</a:t>
+            </a:r>
+            <a:r>
+              <a:rPr lang="zh-TW" altLang="en-US"/>
+              <a:t>只有一個</a:t>
+            </a:r>
+            <a:r>
+              <a:rPr lang="zh-TW" altLang="en-US">
+                <a:solidFill>
+                  <a:srgbClr val="00B0F0"/>
+                </a:solidFill>
+              </a:rPr>
+              <a:t>建構子 </a:t>
+            </a:r>
+            <a:r>
+              <a:rPr lang="en-US" altLang="zh-TW">
+                <a:solidFill>
+                  <a:srgbClr val="FFC000"/>
+                </a:solidFill>
+              </a:rPr>
+              <a:t>Item</a:t>
+            </a:r>
+            <a:r>
+              <a:rPr lang="en-US" altLang="zh-TW">
+                <a:solidFill>
+                  <a:srgbClr val="00B0F0"/>
+                </a:solidFill>
+              </a:rPr>
+              <a:t>(</a:t>
+            </a:r>
+            <a:r>
+              <a:rPr lang="en-US" altLang="zh-TW">
+                <a:solidFill>
+                  <a:srgbClr val="FFFF00"/>
+                </a:solidFill>
+              </a:rPr>
+              <a:t>Item.Settings</a:t>
+            </a:r>
+            <a:r>
+              <a:rPr lang="en-US" altLang="zh-TW">
+                <a:solidFill>
+                  <a:srgbClr val="FFC000"/>
+                </a:solidFill>
+              </a:rPr>
+              <a:t> </a:t>
+            </a:r>
+            <a:r>
+              <a:rPr lang="en-US" altLang="zh-TW">
+                <a:solidFill>
+                  <a:srgbClr val="92D050"/>
+                </a:solidFill>
+              </a:rPr>
+              <a:t>settings</a:t>
+            </a:r>
+            <a:r>
+              <a:rPr lang="en-US" altLang="zh-TW">
+                <a:solidFill>
+                  <a:srgbClr val="00B0F0"/>
+                </a:solidFill>
+              </a:rPr>
+              <a:t>)</a:t>
+            </a:r>
+          </a:p>
+          <a:p>
+            <a:r>
+              <a:rPr lang="en-US" altLang="zh-TW">
+                <a:solidFill>
+                  <a:srgbClr val="FFFF00"/>
+                </a:solidFill>
+              </a:rPr>
+              <a:t>Item.Settings</a:t>
+            </a:r>
+            <a:r>
+              <a:rPr lang="zh-TW" altLang="en-US">
+                <a:solidFill>
+                  <a:srgbClr val="FFFF00"/>
+                </a:solidFill>
+              </a:rPr>
+              <a:t> </a:t>
+            </a:r>
+            <a:r>
+              <a:rPr lang="zh-TW" altLang="en-US"/>
+              <a:t>是一個用來控制</a:t>
+            </a:r>
+            <a:r>
+              <a:rPr lang="zh-TW" altLang="en-US">
+                <a:solidFill>
+                  <a:srgbClr val="00B0F0"/>
+                </a:solidFill>
+              </a:rPr>
+              <a:t>物品</a:t>
+            </a:r>
+            <a:r>
+              <a:rPr lang="zh-TW" altLang="en-US"/>
+              <a:t>行為的</a:t>
+            </a:r>
+            <a:r>
+              <a:rPr lang="zh-TW" altLang="en-US">
+                <a:solidFill>
+                  <a:srgbClr val="00B0F0"/>
+                </a:solidFill>
+              </a:rPr>
+              <a:t>類別</a:t>
+            </a:r>
+            <a:endParaRPr lang="en-US" altLang="zh-TW">
+              <a:solidFill>
+                <a:srgbClr val="00B0F0"/>
+              </a:solidFill>
+            </a:endParaRPr>
+          </a:p>
+          <a:p>
+            <a:r>
+              <a:rPr lang="zh-TW" altLang="en-US"/>
+              <a:t>如</a:t>
+            </a:r>
+            <a:r>
+              <a:rPr lang="zh-TW" altLang="en-US">
+                <a:solidFill>
+                  <a:srgbClr val="00B0F0"/>
+                </a:solidFill>
+              </a:rPr>
+              <a:t>最大堆疊大小</a:t>
+            </a:r>
+            <a:r>
+              <a:rPr lang="en-US" altLang="zh-TW">
+                <a:solidFill>
+                  <a:srgbClr val="00B0F0"/>
+                </a:solidFill>
+              </a:rPr>
+              <a:t>(max stack size</a:t>
+            </a:r>
+            <a:r>
+              <a:rPr lang="zh-TW" altLang="en-US">
+                <a:solidFill>
+                  <a:srgbClr val="00B0F0"/>
+                </a:solidFill>
+              </a:rPr>
+              <a:t>，預設為 </a:t>
+            </a:r>
+            <a:r>
+              <a:rPr lang="en-US" altLang="zh-TW">
+                <a:solidFill>
+                  <a:srgbClr val="00B0F0"/>
+                </a:solidFill>
+              </a:rPr>
+              <a:t>64)</a:t>
+            </a:r>
+            <a:r>
+              <a:rPr lang="zh-TW" altLang="en-US"/>
+              <a:t>、</a:t>
+            </a:r>
+            <a:endParaRPr lang="en-US" altLang="zh-TW"/>
+          </a:p>
+          <a:p>
+            <a:r>
+              <a:rPr lang="zh-TW" altLang="en-US">
+                <a:solidFill>
+                  <a:srgbClr val="00B0F0"/>
+                </a:solidFill>
+              </a:rPr>
+              <a:t>描述文字</a:t>
+            </a:r>
+            <a:r>
+              <a:rPr lang="en-US" altLang="zh-TW">
+                <a:solidFill>
+                  <a:srgbClr val="00B0F0"/>
+                </a:solidFill>
+              </a:rPr>
+              <a:t>(lore</a:t>
+            </a:r>
+            <a:r>
+              <a:rPr lang="zh-TW" altLang="en-US">
+                <a:solidFill>
+                  <a:srgbClr val="00B0F0"/>
+                </a:solidFill>
+              </a:rPr>
+              <a:t>，預設為空</a:t>
+            </a:r>
+            <a:r>
+              <a:rPr lang="en-US" altLang="zh-TW">
+                <a:solidFill>
+                  <a:srgbClr val="00B0F0"/>
+                </a:solidFill>
+              </a:rPr>
+              <a:t>)</a:t>
+            </a:r>
+            <a:r>
+              <a:rPr lang="zh-TW" altLang="en-US"/>
+              <a:t>、</a:t>
+            </a:r>
+            <a:r>
+              <a:rPr lang="zh-TW" altLang="en-US">
+                <a:solidFill>
+                  <a:srgbClr val="00B0F0"/>
+                </a:solidFill>
+              </a:rPr>
+              <a:t>註冊鍵</a:t>
+            </a:r>
+            <a:r>
+              <a:rPr lang="en-US" altLang="zh-TW">
+                <a:solidFill>
+                  <a:srgbClr val="00B0F0"/>
+                </a:solidFill>
+              </a:rPr>
+              <a:t>(</a:t>
+            </a:r>
+            <a:r>
+              <a:rPr lang="zh-TW" altLang="en-US">
+                <a:solidFill>
+                  <a:srgbClr val="00B0F0"/>
+                </a:solidFill>
+              </a:rPr>
+              <a:t>預設為空</a:t>
+            </a:r>
+            <a:r>
+              <a:rPr lang="en-US" altLang="zh-TW">
+                <a:solidFill>
+                  <a:srgbClr val="00B0F0"/>
+                </a:solidFill>
+              </a:rPr>
+              <a:t>)</a:t>
+            </a:r>
+            <a:r>
+              <a:rPr lang="zh-TW" altLang="en-US"/>
+              <a:t>等</a:t>
+            </a:r>
+            <a:endParaRPr lang="en-US" altLang="zh-TW"/>
+          </a:p>
+          <a:p>
+            <a:r>
+              <a:rPr lang="zh-TW" altLang="en-US"/>
+              <a:t>其可以通過</a:t>
+            </a:r>
+            <a:r>
+              <a:rPr lang="zh-TW" altLang="en-US">
+                <a:solidFill>
+                  <a:srgbClr val="00B0F0"/>
+                </a:solidFill>
+              </a:rPr>
+              <a:t>方法鏈式呼叫</a:t>
+            </a:r>
+            <a:r>
+              <a:rPr lang="en-US" altLang="zh-TW">
+                <a:solidFill>
+                  <a:srgbClr val="00B0F0"/>
+                </a:solidFill>
+              </a:rPr>
+              <a:t>(method chaining)</a:t>
+            </a:r>
+            <a:r>
+              <a:rPr lang="zh-TW" altLang="en-US"/>
+              <a:t>進行設定</a:t>
+            </a:r>
+            <a:endParaRPr lang="en-US" altLang="zh-TW"/>
+          </a:p>
+          <a:p>
+            <a:r>
+              <a:rPr lang="zh-TW" altLang="en-US"/>
+              <a:t>用於</a:t>
+            </a:r>
+            <a:r>
+              <a:rPr lang="zh-TW" altLang="en-US">
+                <a:solidFill>
+                  <a:srgbClr val="FFC000"/>
+                </a:solidFill>
+              </a:rPr>
+              <a:t>註冊</a:t>
+            </a:r>
+            <a:r>
+              <a:rPr lang="zh-TW" altLang="en-US">
+                <a:solidFill>
+                  <a:srgbClr val="00B0F0"/>
+                </a:solidFill>
+              </a:rPr>
+              <a:t>物品</a:t>
+            </a:r>
+            <a:r>
+              <a:rPr lang="zh-TW" altLang="en-US"/>
+              <a:t>時，一定要設定</a:t>
+            </a:r>
+            <a:r>
+              <a:rPr lang="zh-TW" altLang="en-US">
+                <a:solidFill>
+                  <a:srgbClr val="00B0F0"/>
+                </a:solidFill>
+              </a:rPr>
+              <a:t>註冊鍵</a:t>
+            </a:r>
+            <a:r>
+              <a:rPr lang="zh-TW" altLang="en-US"/>
+              <a:t>，範例如下：</a:t>
+            </a:r>
+            <a:endParaRPr lang="en-US" altLang="zh-TW"/>
+          </a:p>
+        </p:txBody>
+      </p:sp>
+      <p:grpSp>
+        <p:nvGrpSpPr>
+          <p:cNvPr id="19" name="群組 18">
+            <a:extLst>
+              <a:ext uri="{FF2B5EF4-FFF2-40B4-BE49-F238E27FC236}">
+                <a16:creationId xmlns:a16="http://schemas.microsoft.com/office/drawing/2014/main" id="{1BB62184-3CDD-4FF0-962E-960146907BCF}"/>
+              </a:ext>
+            </a:extLst>
+          </p:cNvPr>
+          <p:cNvGrpSpPr/>
+          <p:nvPr/>
+        </p:nvGrpSpPr>
+        <p:grpSpPr>
+          <a:xfrm>
+            <a:off x="838200" y="5074490"/>
+            <a:ext cx="10515600" cy="1077218"/>
+            <a:chOff x="838200" y="5074490"/>
+            <a:chExt cx="10515600" cy="1077218"/>
+          </a:xfrm>
+        </p:grpSpPr>
+        <p:sp>
+          <p:nvSpPr>
+            <p:cNvPr id="17" name="Rectangle 10">
+              <a:extLst>
+                <a:ext uri="{FF2B5EF4-FFF2-40B4-BE49-F238E27FC236}">
+                  <a16:creationId xmlns:a16="http://schemas.microsoft.com/office/drawing/2014/main" id="{DA1A607E-2186-4AB5-ADE9-80612D4ADED3}"/>
+                </a:ext>
+              </a:extLst>
+            </p:cNvPr>
+            <p:cNvSpPr>
+              <a:spLocks noChangeArrowheads="1"/>
+            </p:cNvSpPr>
+            <p:nvPr/>
+          </p:nvSpPr>
+          <p:spPr bwMode="auto">
+            <a:xfrm>
+              <a:off x="838200" y="5074490"/>
+              <a:ext cx="10515600" cy="1077218"/>
+            </a:xfrm>
+            <a:prstGeom prst="rect">
+              <a:avLst/>
+            </a:prstGeom>
+            <a:solidFill>
+              <a:srgbClr val="1E1F22"/>
+            </a:solidFill>
+            <a:ln>
+              <a:noFill/>
+            </a:ln>
+            <a:effectLst/>
+            <a:extLst>
+              <a:ext uri="{91240B29-F687-4F45-9708-019B960494DF}">
+                <a14:hiddenLine xmlns:a14="http://schemas.microsoft.com/office/drawing/2010/main" w="9525">
+                  <a:solidFill>
+                    <a:schemeClr val="tx1"/>
+                  </a:solidFill>
+                  <a:miter lim="800000"/>
+                  <a:headEnd/>
+                  <a:tailEnd/>
+                </a14:hiddenLine>
+              </a:ext>
+              <a:ext uri="{AF507438-7753-43E0-B8FC-AC1667EBCBE1}">
+                <a14:hiddenEffects xmlns:a14="http://schemas.microsoft.com/office/drawing/2010/main">
+                  <a:effectLst>
+                    <a:outerShdw dist="35921" dir="2700000" algn="ctr" rotWithShape="0">
+                      <a:schemeClr val="bg2"/>
+                    </a:outerShdw>
+                  </a:effectLst>
+                </a14:hiddenEffects>
+              </a:ext>
+            </a:extLst>
+          </p:spPr>
+          <p:txBody>
+            <a:bodyPr vert="horz" wrap="square" lIns="91440" tIns="45720" rIns="91440" bIns="45720" numCol="1" anchor="ctr" anchorCtr="0" compatLnSpc="1">
+              <a:prstTxWarp prst="textNoShape">
+                <a:avLst/>
+              </a:prstTxWarp>
+              <a:spAutoFit/>
+            </a:bodyPr>
+            <a:lstStyle/>
+            <a:p>
+              <a:pPr marL="0" marR="0" lvl="0" indent="0" algn="l" defTabSz="914400" rtl="0" eaLnBrk="0" fontAlgn="base" latinLnBrk="0" hangingPunct="0">
+                <a:lnSpc>
+                  <a:spcPct val="100000"/>
+                </a:lnSpc>
+                <a:spcBef>
+                  <a:spcPct val="0"/>
+                </a:spcBef>
+                <a:spcAft>
+                  <a:spcPct val="0"/>
+                </a:spcAft>
+                <a:buClrTx/>
+                <a:buSzTx/>
+                <a:buFontTx/>
+                <a:buNone/>
+                <a:tabLst/>
+              </a:pPr>
+              <a:r>
+                <a:rPr kumimoji="0" lang="zh-TW" altLang="zh-TW" sz="1600" b="0" i="0" u="none" strike="noStrike" cap="none" normalizeH="0" baseline="0">
+                  <a:ln>
+                    <a:noFill/>
+                  </a:ln>
+                  <a:solidFill>
+                    <a:srgbClr val="BCBEC4"/>
+                  </a:solidFill>
+                  <a:effectLst/>
+                  <a:latin typeface="+mj-lt"/>
+                  <a:cs typeface="JetBrains Mono" panose="02000009000000000000" pitchFamily="49" charset="0"/>
+                </a:rPr>
+                <a:t>RegistryKey&lt;Item&gt; </a:t>
+              </a:r>
+              <a:r>
+                <a:rPr kumimoji="0" lang="zh-TW" altLang="zh-TW" sz="1600" b="0" i="0" u="none" strike="noStrike" cap="none" normalizeH="0" baseline="0">
+                  <a:ln>
+                    <a:noFill/>
+                  </a:ln>
+                  <a:solidFill>
+                    <a:srgbClr val="C77DBB"/>
+                  </a:solidFill>
+                  <a:effectLst/>
+                  <a:latin typeface="+mj-lt"/>
+                  <a:cs typeface="JetBrains Mono" panose="02000009000000000000" pitchFamily="49" charset="0"/>
+                </a:rPr>
+                <a:t>registryKey </a:t>
+              </a:r>
+              <a:r>
+                <a:rPr kumimoji="0" lang="zh-TW" altLang="zh-TW" sz="1600" b="0" i="0" u="none" strike="noStrike" cap="none" normalizeH="0" baseline="0">
+                  <a:ln>
+                    <a:noFill/>
+                  </a:ln>
+                  <a:solidFill>
+                    <a:srgbClr val="BCBEC4"/>
+                  </a:solidFill>
+                  <a:effectLst/>
+                  <a:latin typeface="+mj-lt"/>
+                  <a:cs typeface="JetBrains Mono" panose="02000009000000000000" pitchFamily="49" charset="0"/>
+                </a:rPr>
+                <a:t>=</a:t>
+              </a:r>
+              <a:br>
+                <a:rPr kumimoji="0" lang="zh-TW" altLang="zh-TW" sz="1600" b="0" i="0" u="none" strike="noStrike" cap="none" normalizeH="0" baseline="0">
+                  <a:ln>
+                    <a:noFill/>
+                  </a:ln>
+                  <a:solidFill>
+                    <a:srgbClr val="BCBEC4"/>
+                  </a:solidFill>
+                  <a:effectLst/>
+                  <a:latin typeface="+mj-lt"/>
+                  <a:cs typeface="JetBrains Mono" panose="02000009000000000000" pitchFamily="49" charset="0"/>
+                </a:rPr>
+              </a:br>
+              <a:r>
+                <a:rPr kumimoji="0" lang="zh-TW" altLang="zh-TW" sz="1600" b="0" i="0" u="none" strike="noStrike" cap="none" normalizeH="0" baseline="0">
+                  <a:ln>
+                    <a:noFill/>
+                  </a:ln>
+                  <a:solidFill>
+                    <a:srgbClr val="BCBEC4"/>
+                  </a:solidFill>
+                  <a:effectLst/>
+                  <a:latin typeface="+mj-lt"/>
+                  <a:cs typeface="JetBrains Mono" panose="02000009000000000000" pitchFamily="49" charset="0"/>
+                </a:rPr>
+                <a:t>        RegistryKey.</a:t>
+              </a:r>
+              <a:r>
+                <a:rPr kumimoji="0" lang="zh-TW" altLang="zh-TW" sz="1600" b="0" i="1" u="none" strike="noStrike" cap="none" normalizeH="0" baseline="0">
+                  <a:ln>
+                    <a:noFill/>
+                  </a:ln>
+                  <a:solidFill>
+                    <a:srgbClr val="BCBEC4"/>
+                  </a:solidFill>
+                  <a:effectLst/>
+                  <a:latin typeface="+mj-lt"/>
+                  <a:cs typeface="JetBrains Mono" panose="02000009000000000000" pitchFamily="49" charset="0"/>
+                </a:rPr>
+                <a:t>of</a:t>
+              </a:r>
+              <a:r>
+                <a:rPr kumimoji="0" lang="zh-TW" altLang="zh-TW" sz="1600" b="0" i="0" u="none" strike="noStrike" cap="none" normalizeH="0" baseline="0">
+                  <a:ln>
+                    <a:noFill/>
+                  </a:ln>
+                  <a:solidFill>
+                    <a:srgbClr val="BCBEC4"/>
+                  </a:solidFill>
+                  <a:effectLst/>
+                  <a:latin typeface="+mj-lt"/>
+                  <a:cs typeface="JetBrains Mono" panose="02000009000000000000" pitchFamily="49" charset="0"/>
+                </a:rPr>
+                <a:t>(RegistryKeys.</a:t>
+              </a:r>
+              <a:r>
+                <a:rPr kumimoji="0" lang="zh-TW" altLang="zh-TW" sz="1600" b="0" i="1" u="none" strike="noStrike" cap="none" normalizeH="0" baseline="0">
+                  <a:ln>
+                    <a:noFill/>
+                  </a:ln>
+                  <a:solidFill>
+                    <a:srgbClr val="C77DBB"/>
+                  </a:solidFill>
+                  <a:effectLst/>
+                  <a:latin typeface="+mj-lt"/>
+                  <a:cs typeface="JetBrains Mono" panose="02000009000000000000" pitchFamily="49" charset="0"/>
+                </a:rPr>
+                <a:t>ITEM</a:t>
+              </a:r>
+              <a:r>
+                <a:rPr kumimoji="0" lang="zh-TW" altLang="zh-TW" sz="1600" b="0" i="0" u="none" strike="noStrike" cap="none" normalizeH="0" baseline="0">
+                  <a:ln>
+                    <a:noFill/>
+                  </a:ln>
+                  <a:solidFill>
+                    <a:srgbClr val="BCBEC4"/>
+                  </a:solidFill>
+                  <a:effectLst/>
+                  <a:latin typeface="+mj-lt"/>
+                  <a:cs typeface="JetBrains Mono" panose="02000009000000000000" pitchFamily="49" charset="0"/>
+                </a:rPr>
+                <a:t>, Identifier.</a:t>
+              </a:r>
+              <a:r>
+                <a:rPr kumimoji="0" lang="zh-TW" altLang="zh-TW" sz="1600" b="0" i="1" u="none" strike="noStrike" cap="none" normalizeH="0" baseline="0">
+                  <a:ln>
+                    <a:noFill/>
+                  </a:ln>
+                  <a:solidFill>
+                    <a:srgbClr val="BCBEC4"/>
+                  </a:solidFill>
+                  <a:effectLst/>
+                  <a:latin typeface="+mj-lt"/>
+                  <a:cs typeface="JetBrains Mono" panose="02000009000000000000" pitchFamily="49" charset="0"/>
+                </a:rPr>
+                <a:t>of</a:t>
+              </a:r>
+              <a:r>
+                <a:rPr kumimoji="0" lang="zh-TW" altLang="zh-TW" sz="1600" b="0" i="0" u="none" strike="noStrike" cap="none" normalizeH="0" baseline="0">
+                  <a:ln>
+                    <a:noFill/>
+                  </a:ln>
+                  <a:solidFill>
+                    <a:srgbClr val="BCBEC4"/>
+                  </a:solidFill>
+                  <a:effectLst/>
+                  <a:latin typeface="+mj-lt"/>
+                  <a:cs typeface="JetBrains Mono" panose="02000009000000000000" pitchFamily="49" charset="0"/>
+                </a:rPr>
+                <a:t>(TyicMod.</a:t>
+              </a:r>
+              <a:r>
+                <a:rPr kumimoji="0" lang="zh-TW" altLang="zh-TW" sz="1600" b="0" i="1" u="none" strike="noStrike" cap="none" normalizeH="0" baseline="0">
+                  <a:ln>
+                    <a:noFill/>
+                  </a:ln>
+                  <a:solidFill>
+                    <a:srgbClr val="C77DBB"/>
+                  </a:solidFill>
+                  <a:effectLst/>
+                  <a:latin typeface="+mj-lt"/>
+                  <a:cs typeface="JetBrains Mono" panose="02000009000000000000" pitchFamily="49" charset="0"/>
+                </a:rPr>
+                <a:t>MOD_ID</a:t>
+              </a:r>
+              <a:r>
+                <a:rPr kumimoji="0" lang="zh-TW" altLang="zh-TW" sz="1600" b="0" i="0" u="none" strike="noStrike" cap="none" normalizeH="0" baseline="0">
+                  <a:ln>
+                    <a:noFill/>
+                  </a:ln>
+                  <a:solidFill>
+                    <a:srgbClr val="BCBEC4"/>
+                  </a:solidFill>
+                  <a:effectLst/>
+                  <a:latin typeface="+mj-lt"/>
+                  <a:cs typeface="JetBrains Mono" panose="02000009000000000000" pitchFamily="49" charset="0"/>
+                </a:rPr>
+                <a:t>, </a:t>
+              </a:r>
+              <a:r>
+                <a:rPr kumimoji="0" lang="zh-TW" altLang="zh-TW" sz="1600" b="0" i="0" u="none" strike="noStrike" cap="none" normalizeH="0" baseline="0">
+                  <a:ln>
+                    <a:noFill/>
+                  </a:ln>
+                  <a:solidFill>
+                    <a:srgbClr val="6AAB73"/>
+                  </a:solidFill>
+                  <a:effectLst/>
+                  <a:latin typeface="+mj-lt"/>
+                  <a:cs typeface="JetBrains Mono" panose="02000009000000000000" pitchFamily="49" charset="0"/>
+                </a:rPr>
+                <a:t>"example"</a:t>
+              </a:r>
+              <a:r>
+                <a:rPr kumimoji="0" lang="zh-TW" altLang="zh-TW" sz="1600" b="0" i="0" u="none" strike="noStrike" cap="none" normalizeH="0" baseline="0">
+                  <a:ln>
+                    <a:noFill/>
+                  </a:ln>
+                  <a:solidFill>
+                    <a:srgbClr val="BCBEC4"/>
+                  </a:solidFill>
+                  <a:effectLst/>
+                  <a:latin typeface="+mj-lt"/>
+                  <a:cs typeface="JetBrains Mono" panose="02000009000000000000" pitchFamily="49" charset="0"/>
+                </a:rPr>
+                <a:t>));</a:t>
+              </a:r>
+              <a:br>
+                <a:rPr kumimoji="0" lang="zh-TW" altLang="zh-TW" sz="1600" b="0" i="0" u="none" strike="noStrike" cap="none" normalizeH="0" baseline="0">
+                  <a:ln>
+                    <a:noFill/>
+                  </a:ln>
+                  <a:solidFill>
+                    <a:srgbClr val="BCBEC4"/>
+                  </a:solidFill>
+                  <a:effectLst/>
+                  <a:latin typeface="+mj-lt"/>
+                  <a:cs typeface="JetBrains Mono" panose="02000009000000000000" pitchFamily="49" charset="0"/>
+                </a:rPr>
+              </a:br>
+              <a:r>
+                <a:rPr kumimoji="0" lang="zh-TW" altLang="zh-TW" sz="1600" b="0" i="0" u="none" strike="noStrike" cap="none" normalizeH="0" baseline="0">
+                  <a:ln>
+                    <a:noFill/>
+                  </a:ln>
+                  <a:solidFill>
+                    <a:srgbClr val="BCBEC4"/>
+                  </a:solidFill>
+                  <a:effectLst/>
+                  <a:latin typeface="+mj-lt"/>
+                  <a:cs typeface="JetBrains Mono" panose="02000009000000000000" pitchFamily="49" charset="0"/>
+                </a:rPr>
+                <a:t>Item.Settings </a:t>
+              </a:r>
+              <a:r>
+                <a:rPr kumimoji="0" lang="zh-TW" altLang="zh-TW" sz="1600" b="0" i="0" u="none" strike="noStrike" cap="none" normalizeH="0" baseline="0">
+                  <a:ln>
+                    <a:noFill/>
+                  </a:ln>
+                  <a:solidFill>
+                    <a:srgbClr val="C77DBB"/>
+                  </a:solidFill>
+                  <a:effectLst/>
+                  <a:latin typeface="+mj-lt"/>
+                  <a:cs typeface="JetBrains Mono" panose="02000009000000000000" pitchFamily="49" charset="0"/>
+                </a:rPr>
+                <a:t>settings </a:t>
+              </a:r>
+              <a:r>
+                <a:rPr kumimoji="0" lang="zh-TW" altLang="zh-TW" sz="1600" b="0" i="0" u="none" strike="noStrike" cap="none" normalizeH="0" baseline="0">
+                  <a:ln>
+                    <a:noFill/>
+                  </a:ln>
+                  <a:solidFill>
+                    <a:srgbClr val="BCBEC4"/>
+                  </a:solidFill>
+                  <a:effectLst/>
+                  <a:latin typeface="+mj-lt"/>
+                  <a:cs typeface="JetBrains Mono" panose="02000009000000000000" pitchFamily="49" charset="0"/>
+                </a:rPr>
+                <a:t>= </a:t>
+              </a:r>
+              <a:br>
+                <a:rPr kumimoji="0" lang="zh-TW" altLang="zh-TW" sz="1600" b="0" i="0" u="none" strike="noStrike" cap="none" normalizeH="0" baseline="0">
+                  <a:ln>
+                    <a:noFill/>
+                  </a:ln>
+                  <a:solidFill>
+                    <a:srgbClr val="BCBEC4"/>
+                  </a:solidFill>
+                  <a:effectLst/>
+                  <a:latin typeface="+mj-lt"/>
+                  <a:cs typeface="JetBrains Mono" panose="02000009000000000000" pitchFamily="49" charset="0"/>
+                </a:rPr>
+              </a:br>
+              <a:r>
+                <a:rPr kumimoji="0" lang="zh-TW" altLang="zh-TW" sz="1600" b="0" i="0" u="none" strike="noStrike" cap="none" normalizeH="0" baseline="0">
+                  <a:ln>
+                    <a:noFill/>
+                  </a:ln>
+                  <a:solidFill>
+                    <a:srgbClr val="BCBEC4"/>
+                  </a:solidFill>
+                  <a:effectLst/>
+                  <a:latin typeface="+mj-lt"/>
+                  <a:cs typeface="JetBrains Mono" panose="02000009000000000000" pitchFamily="49" charset="0"/>
+                </a:rPr>
+                <a:t>        </a:t>
+              </a:r>
+              <a:r>
+                <a:rPr kumimoji="0" lang="zh-TW" altLang="zh-TW" sz="1600" b="0" i="0" u="none" strike="noStrike" cap="none" normalizeH="0" baseline="0">
+                  <a:ln>
+                    <a:noFill/>
+                  </a:ln>
+                  <a:solidFill>
+                    <a:srgbClr val="CF8E6D"/>
+                  </a:solidFill>
+                  <a:effectLst/>
+                  <a:latin typeface="+mj-lt"/>
+                  <a:cs typeface="JetBrains Mono" panose="02000009000000000000" pitchFamily="49" charset="0"/>
+                </a:rPr>
+                <a:t>new </a:t>
+              </a:r>
+              <a:r>
+                <a:rPr kumimoji="0" lang="zh-TW" altLang="zh-TW" sz="1600" b="0" i="0" u="none" strike="noStrike" cap="none" normalizeH="0" baseline="0">
+                  <a:ln>
+                    <a:noFill/>
+                  </a:ln>
+                  <a:solidFill>
+                    <a:srgbClr val="BCBEC4"/>
+                  </a:solidFill>
+                  <a:effectLst/>
+                  <a:latin typeface="+mj-lt"/>
+                  <a:cs typeface="JetBrains Mono" panose="02000009000000000000" pitchFamily="49" charset="0"/>
+                </a:rPr>
+                <a:t>Item.Settings().useCooldown(</a:t>
+              </a:r>
+              <a:r>
+                <a:rPr kumimoji="0" lang="zh-TW" altLang="zh-TW" sz="1600" b="0" i="0" u="none" strike="noStrike" cap="none" normalizeH="0" baseline="0">
+                  <a:ln>
+                    <a:noFill/>
+                  </a:ln>
+                  <a:solidFill>
+                    <a:srgbClr val="2AACB8"/>
+                  </a:solidFill>
+                  <a:effectLst/>
+                  <a:latin typeface="+mj-lt"/>
+                  <a:cs typeface="JetBrains Mono" panose="02000009000000000000" pitchFamily="49" charset="0"/>
+                </a:rPr>
+                <a:t>1.5f</a:t>
+              </a:r>
+              <a:r>
+                <a:rPr kumimoji="0" lang="zh-TW" altLang="zh-TW" sz="1600" b="0" i="0" u="none" strike="noStrike" cap="none" normalizeH="0" baseline="0">
+                  <a:ln>
+                    <a:noFill/>
+                  </a:ln>
+                  <a:solidFill>
+                    <a:srgbClr val="BCBEC4"/>
+                  </a:solidFill>
+                  <a:effectLst/>
+                  <a:latin typeface="+mj-lt"/>
+                  <a:cs typeface="JetBrains Mono" panose="02000009000000000000" pitchFamily="49" charset="0"/>
+                </a:rPr>
+                <a:t>).maxCount(</a:t>
+              </a:r>
+              <a:r>
+                <a:rPr kumimoji="0" lang="zh-TW" altLang="zh-TW" sz="1600" b="0" i="0" u="none" strike="noStrike" cap="none" normalizeH="0" baseline="0">
+                  <a:ln>
+                    <a:noFill/>
+                  </a:ln>
+                  <a:solidFill>
+                    <a:srgbClr val="2AACB8"/>
+                  </a:solidFill>
+                  <a:effectLst/>
+                  <a:latin typeface="+mj-lt"/>
+                  <a:cs typeface="JetBrains Mono" panose="02000009000000000000" pitchFamily="49" charset="0"/>
+                </a:rPr>
+                <a:t>2</a:t>
+              </a:r>
+              <a:r>
+                <a:rPr kumimoji="0" lang="zh-TW" altLang="zh-TW" sz="1600" b="0" i="0" u="none" strike="noStrike" cap="none" normalizeH="0" baseline="0">
+                  <a:ln>
+                    <a:noFill/>
+                  </a:ln>
+                  <a:solidFill>
+                    <a:srgbClr val="BCBEC4"/>
+                  </a:solidFill>
+                  <a:effectLst/>
+                  <a:latin typeface="+mj-lt"/>
+                  <a:cs typeface="JetBrains Mono" panose="02000009000000000000" pitchFamily="49" charset="0"/>
+                </a:rPr>
+                <a:t>).registryKey(</a:t>
+              </a:r>
+              <a:r>
+                <a:rPr kumimoji="0" lang="zh-TW" altLang="zh-TW" sz="1600" b="0" i="0" u="none" strike="noStrike" cap="none" normalizeH="0" baseline="0">
+                  <a:ln>
+                    <a:noFill/>
+                  </a:ln>
+                  <a:solidFill>
+                    <a:srgbClr val="C77DBB"/>
+                  </a:solidFill>
+                  <a:effectLst/>
+                  <a:latin typeface="+mj-lt"/>
+                  <a:cs typeface="JetBrains Mono" panose="02000009000000000000" pitchFamily="49" charset="0"/>
+                </a:rPr>
+                <a:t>registryKey</a:t>
+              </a:r>
+              <a:r>
+                <a:rPr kumimoji="0" lang="zh-TW" altLang="zh-TW" sz="1600" b="0" i="0" u="none" strike="noStrike" cap="none" normalizeH="0" baseline="0">
+                  <a:ln>
+                    <a:noFill/>
+                  </a:ln>
+                  <a:solidFill>
+                    <a:srgbClr val="BCBEC4"/>
+                  </a:solidFill>
+                  <a:effectLst/>
+                  <a:latin typeface="+mj-lt"/>
+                  <a:cs typeface="JetBrains Mono" panose="02000009000000000000" pitchFamily="49" charset="0"/>
+                </a:rPr>
+                <a:t>);</a:t>
+              </a:r>
+              <a:endParaRPr kumimoji="0" lang="zh-TW" altLang="zh-TW" sz="2000" b="0" i="0" u="none" strike="noStrike" cap="none" normalizeH="0" baseline="0">
+                <a:ln>
+                  <a:noFill/>
+                </a:ln>
+                <a:solidFill>
+                  <a:schemeClr val="tx1"/>
+                </a:solidFill>
+                <a:effectLst/>
+                <a:latin typeface="+mj-lt"/>
+              </a:endParaRPr>
+            </a:p>
+          </p:txBody>
+        </p:sp>
+        <p:sp>
+          <p:nvSpPr>
+            <p:cNvPr id="18" name="文字方塊 17">
+              <a:extLst>
+                <a:ext uri="{FF2B5EF4-FFF2-40B4-BE49-F238E27FC236}">
+                  <a16:creationId xmlns:a16="http://schemas.microsoft.com/office/drawing/2014/main" id="{E56C1367-7F17-4460-AFC6-284443B9DBB0}"/>
+                </a:ext>
+              </a:extLst>
+            </p:cNvPr>
+            <p:cNvSpPr txBox="1"/>
+            <p:nvPr/>
+          </p:nvSpPr>
+          <p:spPr>
+            <a:xfrm>
+              <a:off x="10771589" y="5843931"/>
+              <a:ext cx="582211" cy="307777"/>
+            </a:xfrm>
+            <a:prstGeom prst="rect">
+              <a:avLst/>
+            </a:prstGeom>
+            <a:noFill/>
+          </p:spPr>
+          <p:txBody>
+            <a:bodyPr wrap="none" rtlCol="0">
+              <a:spAutoFit/>
+            </a:bodyPr>
+            <a:lstStyle/>
+            <a:p>
+              <a:r>
+                <a:rPr lang="en-US" altLang="zh-TW" sz="1400">
+                  <a:solidFill>
+                    <a:schemeClr val="accent2"/>
+                  </a:solidFill>
+                </a:rPr>
+                <a:t>java</a:t>
+              </a:r>
+              <a:endParaRPr lang="zh-TW" altLang="en-US" sz="1400">
+                <a:solidFill>
+                  <a:schemeClr val="accent2"/>
+                </a:solidFill>
+              </a:endParaRPr>
+            </a:p>
+          </p:txBody>
+        </p:sp>
+      </p:grpSp>
+    </p:spTree>
+    <p:extLst>
+      <p:ext uri="{BB962C8B-B14F-4D97-AF65-F5344CB8AC3E}">
+        <p14:creationId xmlns:p14="http://schemas.microsoft.com/office/powerpoint/2010/main" val="2474140130"/>
+      </p:ext>
+    </p:extLst>
+  </p:cSld>
+  <p:clrMapOvr>
+    <a:masterClrMapping/>
+  </p:clrMapOvr>
+  <p:transition spd="slow">
+    <p:push dir="u"/>
+  </p:transition>
+</p:sld>
+</file>
+
+<file path=ppt/slides/slide7.xml><?xml version="1.0" encoding="utf-8"?>
+<p:sld xmlns:a="http://schemas.openxmlformats.org/drawingml/2006/main" xmlns:r="http://schemas.openxmlformats.org/officeDocument/2006/relationships" xmlns:p="http://schemas.openxmlformats.org/presentationml/2006/main">
+  <p:cSld>
+    <p:spTree>
+      <p:nvGrpSpPr>
+        <p:cNvPr id="1" name=""/>
+        <p:cNvGrpSpPr/>
+        <p:nvPr/>
+      </p:nvGrpSpPr>
+      <p:grpSpPr>
+        <a:xfrm>
+          <a:off x="0" y="0"/>
+          <a:ext cx="0" cy="0"/>
+          <a:chOff x="0" y="0"/>
+          <a:chExt cx="0" cy="0"/>
+        </a:xfrm>
+      </p:grpSpPr>
+      <p:sp>
+        <p:nvSpPr>
+          <p:cNvPr id="2" name="標題 1">
+            <a:extLst>
+              <a:ext uri="{FF2B5EF4-FFF2-40B4-BE49-F238E27FC236}">
+                <a16:creationId xmlns:a16="http://schemas.microsoft.com/office/drawing/2014/main" id="{70273976-8A9D-449A-9F4C-9C65DD4B8D19}"/>
+              </a:ext>
+            </a:extLst>
+          </p:cNvPr>
+          <p:cNvSpPr>
+            <a:spLocks noGrp="1"/>
+          </p:cNvSpPr>
+          <p:nvPr>
+            <p:ph type="title"/>
+          </p:nvPr>
+        </p:nvSpPr>
+        <p:spPr/>
+        <p:txBody>
+          <a:bodyPr/>
+          <a:lstStyle/>
+          <a:p>
+            <a:r>
+              <a:rPr lang="zh-TW" altLang="en-US"/>
+              <a:t>簡單物品</a:t>
+            </a:r>
+          </a:p>
+        </p:txBody>
+      </p:sp>
+      <p:sp>
+        <p:nvSpPr>
+          <p:cNvPr id="3" name="內容版面配置區 2">
+            <a:extLst>
+              <a:ext uri="{FF2B5EF4-FFF2-40B4-BE49-F238E27FC236}">
+                <a16:creationId xmlns:a16="http://schemas.microsoft.com/office/drawing/2014/main" id="{9EA6C22C-BDA1-43FB-BC3A-83A6EC63CBFF}"/>
+              </a:ext>
+            </a:extLst>
+          </p:cNvPr>
+          <p:cNvSpPr>
+            <a:spLocks noGrp="1"/>
+          </p:cNvSpPr>
+          <p:nvPr>
+            <p:ph idx="1"/>
+          </p:nvPr>
+        </p:nvSpPr>
+        <p:spPr/>
+        <p:txBody>
+          <a:bodyPr/>
+          <a:lstStyle/>
+          <a:p>
+            <a:r>
+              <a:rPr lang="zh-TW" altLang="en-US"/>
+              <a:t>最簡單的</a:t>
+            </a:r>
+            <a:r>
+              <a:rPr lang="zh-TW" altLang="en-US">
+                <a:solidFill>
+                  <a:srgbClr val="00B0F0"/>
+                </a:solidFill>
+              </a:rPr>
+              <a:t>物品</a:t>
+            </a:r>
+            <a:r>
+              <a:rPr lang="zh-TW" altLang="en-US"/>
+              <a:t>就是直接創建一個 </a:t>
+            </a:r>
+            <a:r>
+              <a:rPr lang="en-US" altLang="zh-TW">
+                <a:solidFill>
+                  <a:srgbClr val="FFFF00"/>
+                </a:solidFill>
+              </a:rPr>
+              <a:t>Item</a:t>
+            </a:r>
+            <a:r>
+              <a:rPr lang="en-US" altLang="zh-TW"/>
+              <a:t> </a:t>
+            </a:r>
+            <a:r>
+              <a:rPr lang="zh-TW" altLang="en-US">
+                <a:solidFill>
+                  <a:srgbClr val="00B0F0"/>
+                </a:solidFill>
+              </a:rPr>
+              <a:t>類別</a:t>
+            </a:r>
+            <a:r>
+              <a:rPr lang="zh-TW" altLang="en-US"/>
+              <a:t>的</a:t>
+            </a:r>
+            <a:r>
+              <a:rPr lang="zh-TW" altLang="en-US">
+                <a:solidFill>
+                  <a:srgbClr val="00B0F0"/>
+                </a:solidFill>
+              </a:rPr>
+              <a:t>實例</a:t>
+            </a:r>
+            <a:r>
+              <a:rPr lang="zh-TW" altLang="en-US"/>
+              <a:t>並向遊戲</a:t>
+            </a:r>
+            <a:r>
+              <a:rPr lang="zh-TW" altLang="en-US">
+                <a:solidFill>
+                  <a:srgbClr val="FFC000"/>
+                </a:solidFill>
+              </a:rPr>
+              <a:t>註冊</a:t>
+            </a:r>
+            <a:endParaRPr lang="en-US" altLang="zh-TW">
+              <a:solidFill>
+                <a:srgbClr val="FFC000"/>
+              </a:solidFill>
+            </a:endParaRPr>
+          </a:p>
+          <a:p>
+            <a:r>
+              <a:rPr lang="zh-TW" altLang="en-US"/>
+              <a:t>但為了邏輯分離，因此將物品相關事項放在 </a:t>
+            </a:r>
+            <a:r>
+              <a:rPr lang="en-US" altLang="zh-TW"/>
+              <a:t>item </a:t>
+            </a:r>
+            <a:r>
+              <a:rPr lang="zh-TW" altLang="en-US"/>
+              <a:t>套件下</a:t>
+            </a:r>
+            <a:endParaRPr lang="en-US" altLang="zh-TW"/>
+          </a:p>
+          <a:p>
+            <a:r>
+              <a:rPr lang="zh-TW" altLang="en-US"/>
+              <a:t>物品註冊事項放在該套件下的 </a:t>
+            </a:r>
+            <a:r>
+              <a:rPr lang="en-US" altLang="zh-TW">
+                <a:solidFill>
+                  <a:srgbClr val="FFFF00"/>
+                </a:solidFill>
+              </a:rPr>
+              <a:t>ModItems</a:t>
+            </a:r>
+            <a:r>
+              <a:rPr lang="en-US" altLang="zh-TW"/>
+              <a:t> </a:t>
+            </a:r>
+            <a:r>
+              <a:rPr lang="zh-TW" altLang="en-US">
+                <a:solidFill>
+                  <a:srgbClr val="00B0F0"/>
+                </a:solidFill>
+              </a:rPr>
+              <a:t>類別</a:t>
+            </a:r>
+            <a:endParaRPr lang="en-US" altLang="zh-TW">
+              <a:solidFill>
+                <a:srgbClr val="00B0F0"/>
+              </a:solidFill>
+            </a:endParaRPr>
+          </a:p>
+          <a:p>
+            <a:r>
+              <a:rPr lang="zh-TW" altLang="en-US"/>
+              <a:t>並將</a:t>
+            </a:r>
+            <a:r>
+              <a:rPr lang="zh-TW" altLang="en-US">
+                <a:solidFill>
+                  <a:srgbClr val="00B0F0"/>
+                </a:solidFill>
+              </a:rPr>
+              <a:t>註冊過程</a:t>
+            </a:r>
+            <a:r>
+              <a:rPr lang="zh-TW" altLang="en-US"/>
+              <a:t>做成一個</a:t>
+            </a:r>
+            <a:r>
+              <a:rPr lang="zh-TW" altLang="en-US">
+                <a:solidFill>
+                  <a:srgbClr val="00B0F0"/>
+                </a:solidFill>
+              </a:rPr>
+              <a:t>函式</a:t>
+            </a:r>
+            <a:r>
+              <a:rPr lang="zh-TW" altLang="en-US"/>
+              <a:t>：</a:t>
+            </a:r>
+            <a:endParaRPr lang="en-US" altLang="zh-TW"/>
+          </a:p>
+          <a:p>
+            <a:pPr marL="514350" indent="-514350">
+              <a:buAutoNum type="arabicPeriod"/>
+            </a:pPr>
+            <a:r>
+              <a:rPr lang="zh-TW" altLang="en-US"/>
+              <a:t>設定 </a:t>
+            </a:r>
+            <a:r>
+              <a:rPr lang="en-US" altLang="zh-TW">
+                <a:solidFill>
+                  <a:srgbClr val="FFFF00"/>
+                </a:solidFill>
+              </a:rPr>
+              <a:t>Item.Setting </a:t>
+            </a:r>
+            <a:r>
+              <a:rPr lang="zh-TW" altLang="en-US"/>
+              <a:t>實例的</a:t>
+            </a:r>
+            <a:r>
+              <a:rPr lang="zh-TW" altLang="en-US">
+                <a:solidFill>
+                  <a:srgbClr val="00B0F0"/>
+                </a:solidFill>
+              </a:rPr>
+              <a:t>註冊鍵</a:t>
+            </a:r>
+            <a:endParaRPr lang="en-US" altLang="zh-TW">
+              <a:solidFill>
+                <a:srgbClr val="00B0F0"/>
+              </a:solidFill>
+            </a:endParaRPr>
+          </a:p>
+          <a:p>
+            <a:pPr marL="514350" indent="-514350">
+              <a:buAutoNum type="arabicPeriod"/>
+            </a:pPr>
+            <a:r>
+              <a:rPr lang="zh-TW" altLang="en-US"/>
+              <a:t>向</a:t>
+            </a:r>
+            <a:r>
+              <a:rPr lang="zh-TW" altLang="en-US">
+                <a:solidFill>
+                  <a:srgbClr val="00B0F0"/>
+                </a:solidFill>
+              </a:rPr>
+              <a:t>註冊表</a:t>
+            </a:r>
+            <a:r>
+              <a:rPr lang="zh-TW" altLang="en-US">
+                <a:solidFill>
+                  <a:srgbClr val="FFC000"/>
+                </a:solidFill>
+              </a:rPr>
+              <a:t>註冊</a:t>
+            </a:r>
+            <a:r>
+              <a:rPr lang="zh-TW" altLang="en-US"/>
+              <a:t>項目，並將其</a:t>
+            </a:r>
+            <a:r>
+              <a:rPr lang="zh-TW" altLang="en-US">
+                <a:solidFill>
+                  <a:srgbClr val="00B0F0"/>
+                </a:solidFill>
+              </a:rPr>
+              <a:t>返回值</a:t>
+            </a:r>
+            <a:r>
+              <a:rPr lang="en-US" altLang="zh-TW"/>
+              <a:t>(</a:t>
+            </a:r>
+            <a:r>
+              <a:rPr lang="zh-TW" altLang="en-US">
+                <a:solidFill>
+                  <a:srgbClr val="00B0F0"/>
+                </a:solidFill>
+              </a:rPr>
+              <a:t>註冊項目</a:t>
+            </a:r>
+            <a:r>
+              <a:rPr lang="en-US" altLang="zh-TW"/>
+              <a:t>)</a:t>
+            </a:r>
+            <a:r>
+              <a:rPr lang="zh-TW" altLang="en-US"/>
+              <a:t>作為</a:t>
+            </a:r>
+            <a:r>
+              <a:rPr lang="zh-TW" altLang="en-US">
+                <a:solidFill>
+                  <a:srgbClr val="00B0F0"/>
+                </a:solidFill>
+              </a:rPr>
+              <a:t>函式返回值</a:t>
+            </a:r>
+            <a:endParaRPr lang="en-US" altLang="zh-TW">
+              <a:solidFill>
+                <a:srgbClr val="00B0F0"/>
+              </a:solidFill>
+            </a:endParaRPr>
+          </a:p>
+          <a:p>
+            <a:r>
+              <a:rPr lang="zh-TW" altLang="en-US"/>
+              <a:t>之後若要引用該</a:t>
+            </a:r>
+            <a:r>
+              <a:rPr lang="zh-TW" altLang="en-US">
+                <a:solidFill>
+                  <a:srgbClr val="00B0F0"/>
+                </a:solidFill>
+              </a:rPr>
+              <a:t>物品</a:t>
+            </a:r>
+            <a:r>
+              <a:rPr lang="zh-TW" altLang="en-US"/>
+              <a:t>，如用於比較，只需使用此</a:t>
+            </a:r>
+            <a:r>
+              <a:rPr lang="zh-TW" altLang="en-US">
+                <a:solidFill>
+                  <a:srgbClr val="00B0F0"/>
+                </a:solidFill>
+              </a:rPr>
+              <a:t>返回值</a:t>
+            </a:r>
+            <a:r>
+              <a:rPr lang="zh-TW" altLang="en-US"/>
+              <a:t>即可</a:t>
+            </a:r>
+            <a:endParaRPr lang="en-US" altLang="zh-TW"/>
+          </a:p>
+          <a:p>
+            <a:r>
+              <a:rPr lang="zh-TW" altLang="en-US"/>
+              <a:t>故</a:t>
+            </a:r>
+            <a:r>
+              <a:rPr lang="zh-TW" altLang="en-US">
+                <a:solidFill>
+                  <a:srgbClr val="FFC000"/>
+                </a:solidFill>
+              </a:rPr>
+              <a:t>註冊</a:t>
+            </a:r>
+            <a:r>
+              <a:rPr lang="zh-TW" altLang="en-US"/>
+              <a:t>後會儲存在</a:t>
+            </a:r>
+            <a:r>
+              <a:rPr lang="zh-TW" altLang="en-US">
+                <a:solidFill>
+                  <a:srgbClr val="00B0F0"/>
+                </a:solidFill>
+              </a:rPr>
+              <a:t>公開靜態欄位</a:t>
+            </a:r>
+            <a:r>
+              <a:rPr lang="zh-TW" altLang="en-US"/>
+              <a:t>，方便之後使用</a:t>
+            </a:r>
+            <a:endParaRPr lang="en-US" altLang="zh-TW"/>
+          </a:p>
+        </p:txBody>
+      </p:sp>
+    </p:spTree>
+    <p:extLst>
+      <p:ext uri="{BB962C8B-B14F-4D97-AF65-F5344CB8AC3E}">
+        <p14:creationId xmlns:p14="http://schemas.microsoft.com/office/powerpoint/2010/main" val="976856292"/>
+      </p:ext>
+    </p:extLst>
+  </p:cSld>
+  <p:clrMapOvr>
+    <a:masterClrMapping/>
+  </p:clrMapOvr>
+  <p:transition spd="slow">
+    <p:push dir="u"/>
+  </p:transition>
+</p:sld>
+</file>
+
+<file path=ppt/slides/slide8.xml><?xml version="1.0" encoding="utf-8"?>
+<p:sld xmlns:a="http://schemas.openxmlformats.org/drawingml/2006/main" xmlns:r="http://schemas.openxmlformats.org/officeDocument/2006/relationships" xmlns:p="http://schemas.openxmlformats.org/presentationml/2006/main">
+  <p:cSld>
+    <p:spTree>
+      <p:nvGrpSpPr>
+        <p:cNvPr id="1" name=""/>
+        <p:cNvGrpSpPr/>
+        <p:nvPr/>
+      </p:nvGrpSpPr>
+      <p:grpSpPr>
+        <a:xfrm>
+          <a:off x="0" y="0"/>
+          <a:ext cx="0" cy="0"/>
+          <a:chOff x="0" y="0"/>
+          <a:chExt cx="0" cy="0"/>
+        </a:xfrm>
+      </p:grpSpPr>
+      <p:sp>
+        <p:nvSpPr>
+          <p:cNvPr id="2" name="標題 1">
+            <a:extLst>
+              <a:ext uri="{FF2B5EF4-FFF2-40B4-BE49-F238E27FC236}">
+                <a16:creationId xmlns:a16="http://schemas.microsoft.com/office/drawing/2014/main" id="{F610A4CE-5D63-4C6F-814D-813AFB130CAE}"/>
+              </a:ext>
+            </a:extLst>
+          </p:cNvPr>
+          <p:cNvSpPr>
+            <a:spLocks noGrp="1"/>
+          </p:cNvSpPr>
+          <p:nvPr>
+            <p:ph type="title"/>
+          </p:nvPr>
+        </p:nvSpPr>
+        <p:spPr>
+          <a:xfrm>
+            <a:off x="838200" y="170524"/>
+            <a:ext cx="3873446" cy="1325563"/>
+          </a:xfrm>
+        </p:spPr>
+        <p:txBody>
+          <a:bodyPr/>
+          <a:lstStyle/>
+          <a:p>
+            <a:r>
+              <a:rPr lang="zh-TW" altLang="en-US"/>
+              <a:t>簡單物品</a:t>
+            </a:r>
+          </a:p>
+        </p:txBody>
+      </p:sp>
+      <p:sp>
+        <p:nvSpPr>
+          <p:cNvPr id="3" name="內容版面配置區 2">
+            <a:extLst>
+              <a:ext uri="{FF2B5EF4-FFF2-40B4-BE49-F238E27FC236}">
+                <a16:creationId xmlns:a16="http://schemas.microsoft.com/office/drawing/2014/main" id="{5BE6125E-06E1-48A4-98AA-8146C38FD172}"/>
+              </a:ext>
+            </a:extLst>
+          </p:cNvPr>
+          <p:cNvSpPr>
+            <a:spLocks noGrp="1"/>
+          </p:cNvSpPr>
+          <p:nvPr>
+            <p:ph idx="1"/>
+          </p:nvPr>
+        </p:nvSpPr>
+        <p:spPr>
+          <a:xfrm>
+            <a:off x="149550" y="1315679"/>
+            <a:ext cx="4562096" cy="1640658"/>
+          </a:xfrm>
+        </p:spPr>
+        <p:txBody>
+          <a:bodyPr/>
+          <a:lstStyle/>
+          <a:p>
+            <a:r>
+              <a:rPr lang="en-US" altLang="zh-TW">
+                <a:solidFill>
+                  <a:srgbClr val="FFFF00"/>
+                </a:solidFill>
+              </a:rPr>
+              <a:t>ModItems</a:t>
+            </a:r>
+            <a:r>
+              <a:rPr lang="en-US" altLang="zh-TW">
+                <a:solidFill>
+                  <a:srgbClr val="00B0F0"/>
+                </a:solidFill>
+              </a:rPr>
+              <a:t>.</a:t>
+            </a:r>
+            <a:r>
+              <a:rPr lang="en-US" altLang="zh-TW">
+                <a:solidFill>
+                  <a:srgbClr val="FFC000"/>
+                </a:solidFill>
+              </a:rPr>
+              <a:t>registerAll</a:t>
+            </a:r>
+          </a:p>
+          <a:p>
+            <a:r>
+              <a:rPr lang="zh-TW" altLang="en-US">
+                <a:solidFill>
+                  <a:srgbClr val="00B0F0"/>
+                </a:solidFill>
+              </a:rPr>
+              <a:t>方法</a:t>
+            </a:r>
+            <a:r>
+              <a:rPr lang="zh-TW" altLang="en-US"/>
+              <a:t>只是為了</a:t>
+            </a:r>
+            <a:endParaRPr lang="en-US" altLang="zh-TW"/>
+          </a:p>
+          <a:p>
+            <a:r>
+              <a:rPr lang="zh-TW" altLang="en-US"/>
+              <a:t>加載 </a:t>
+            </a:r>
+            <a:r>
+              <a:rPr lang="en-US" altLang="zh-TW">
+                <a:solidFill>
+                  <a:srgbClr val="FFFF00"/>
+                </a:solidFill>
+              </a:rPr>
+              <a:t>ModItems</a:t>
+            </a:r>
+            <a:r>
+              <a:rPr lang="en-US" altLang="zh-TW"/>
+              <a:t> </a:t>
+            </a:r>
+            <a:r>
+              <a:rPr lang="zh-TW" altLang="en-US">
+                <a:solidFill>
+                  <a:srgbClr val="00B0F0"/>
+                </a:solidFill>
+              </a:rPr>
+              <a:t>類別</a:t>
+            </a:r>
+          </a:p>
+        </p:txBody>
+      </p:sp>
+      <p:grpSp>
+        <p:nvGrpSpPr>
+          <p:cNvPr id="11" name="群組 10">
+            <a:extLst>
+              <a:ext uri="{FF2B5EF4-FFF2-40B4-BE49-F238E27FC236}">
+                <a16:creationId xmlns:a16="http://schemas.microsoft.com/office/drawing/2014/main" id="{3EED23F6-3842-468E-8861-C236BFEB57C2}"/>
+              </a:ext>
+            </a:extLst>
+          </p:cNvPr>
+          <p:cNvGrpSpPr/>
+          <p:nvPr/>
+        </p:nvGrpSpPr>
+        <p:grpSpPr>
+          <a:xfrm>
+            <a:off x="139882" y="2956337"/>
+            <a:ext cx="11912235" cy="3539430"/>
+            <a:chOff x="139882" y="2256514"/>
+            <a:chExt cx="11912235" cy="3539430"/>
+          </a:xfrm>
+        </p:grpSpPr>
+        <p:sp>
+          <p:nvSpPr>
+            <p:cNvPr id="5" name="Rectangle 2">
+              <a:extLst>
+                <a:ext uri="{FF2B5EF4-FFF2-40B4-BE49-F238E27FC236}">
+                  <a16:creationId xmlns:a16="http://schemas.microsoft.com/office/drawing/2014/main" id="{FA5A7940-623C-4542-890A-ED36A3C14A83}"/>
+                </a:ext>
+              </a:extLst>
+            </p:cNvPr>
+            <p:cNvSpPr>
+              <a:spLocks noChangeArrowheads="1"/>
+            </p:cNvSpPr>
+            <p:nvPr/>
+          </p:nvSpPr>
+          <p:spPr bwMode="auto">
+            <a:xfrm>
+              <a:off x="139882" y="2256514"/>
+              <a:ext cx="11912235" cy="3539430"/>
+            </a:xfrm>
+            <a:prstGeom prst="rect">
+              <a:avLst/>
+            </a:prstGeom>
+            <a:solidFill>
+              <a:srgbClr val="1E1F22"/>
+            </a:solidFill>
+            <a:ln w="9525">
+              <a:solidFill>
+                <a:schemeClr val="tx1"/>
+              </a:solidFill>
+              <a:miter lim="800000"/>
+              <a:headEnd/>
+              <a:tailEnd/>
+            </a:ln>
+            <a:effectLst/>
+            <a:extLst>
+              <a:ext uri="{AF507438-7753-43E0-B8FC-AC1667EBCBE1}">
+                <a14:hiddenEffects xmlns:a14="http://schemas.microsoft.com/office/drawing/2010/main">
+                  <a:effectLst>
+                    <a:outerShdw dist="35921" dir="2700000" algn="ctr" rotWithShape="0">
+                      <a:schemeClr val="bg2"/>
+                    </a:outerShdw>
+                  </a:effectLst>
+                </a14:hiddenEffects>
+              </a:ext>
+            </a:extLst>
+          </p:spPr>
+          <p:txBody>
+            <a:bodyPr vert="horz" wrap="none" lIns="91440" tIns="45720" rIns="91440" bIns="45720" numCol="1" anchor="ctr" anchorCtr="0" compatLnSpc="1">
+              <a:prstTxWarp prst="textNoShape">
+                <a:avLst/>
+              </a:prstTxWarp>
+              <a:spAutoFit/>
+            </a:bodyPr>
+            <a:lstStyle/>
+            <a:p>
+              <a:pPr marL="0" marR="0" lvl="0" indent="0" algn="l" defTabSz="914400" rtl="0" eaLnBrk="0" fontAlgn="base" latinLnBrk="0" hangingPunct="0">
+                <a:lnSpc>
+                  <a:spcPct val="100000"/>
+                </a:lnSpc>
+                <a:spcBef>
+                  <a:spcPct val="0"/>
+                </a:spcBef>
+                <a:spcAft>
+                  <a:spcPct val="0"/>
+                </a:spcAft>
+                <a:buClrTx/>
+                <a:buSzTx/>
+                <a:buFontTx/>
+                <a:buNone/>
+                <a:tabLst/>
+              </a:pPr>
+              <a:r>
+                <a:rPr kumimoji="0" lang="zh-TW" altLang="zh-TW" sz="1400" b="0" i="0" u="none" strike="noStrike" cap="none" normalizeH="0" baseline="0">
+                  <a:ln>
+                    <a:noFill/>
+                  </a:ln>
+                  <a:solidFill>
+                    <a:srgbClr val="CF8E6D"/>
+                  </a:solidFill>
+                  <a:effectLst/>
+                  <a:latin typeface="+mj-lt"/>
+                  <a:cs typeface="JetBrains Mono" panose="02000009000000000000" pitchFamily="49" charset="0"/>
+                </a:rPr>
+                <a:t>package </a:t>
+              </a:r>
+              <a:r>
+                <a:rPr kumimoji="0" lang="zh-TW" altLang="zh-TW" sz="1400" b="0" i="0" u="none" strike="noStrike" cap="none" normalizeH="0" baseline="0">
+                  <a:ln>
+                    <a:noFill/>
+                  </a:ln>
+                  <a:solidFill>
+                    <a:srgbClr val="BCBEC4"/>
+                  </a:solidFill>
+                  <a:effectLst/>
+                  <a:latin typeface="+mj-lt"/>
+                  <a:cs typeface="JetBrains Mono" panose="02000009000000000000" pitchFamily="49" charset="0"/>
+                </a:rPr>
+                <a:t>org.tyic.item;</a:t>
+              </a:r>
+              <a:br>
+                <a:rPr kumimoji="0" lang="zh-TW" altLang="zh-TW" sz="1400" b="0" i="0" u="none" strike="noStrike" cap="none" normalizeH="0" baseline="0">
+                  <a:ln>
+                    <a:noFill/>
+                  </a:ln>
+                  <a:solidFill>
+                    <a:srgbClr val="BCBEC4"/>
+                  </a:solidFill>
+                  <a:effectLst/>
+                  <a:latin typeface="+mj-lt"/>
+                  <a:cs typeface="JetBrains Mono" panose="02000009000000000000" pitchFamily="49" charset="0"/>
+                </a:rPr>
+              </a:br>
+              <a:br>
+                <a:rPr kumimoji="0" lang="zh-TW" altLang="zh-TW" sz="1400" b="0" i="0" u="none" strike="noStrike" cap="none" normalizeH="0" baseline="0">
+                  <a:ln>
+                    <a:noFill/>
+                  </a:ln>
+                  <a:solidFill>
+                    <a:srgbClr val="BCBEC4"/>
+                  </a:solidFill>
+                  <a:effectLst/>
+                  <a:latin typeface="+mj-lt"/>
+                  <a:cs typeface="JetBrains Mono" panose="02000009000000000000" pitchFamily="49" charset="0"/>
+                </a:rPr>
+              </a:br>
+              <a:r>
+                <a:rPr kumimoji="0" lang="zh-TW" altLang="zh-TW" sz="1400" b="0" i="0" u="none" strike="noStrike" cap="none" normalizeH="0" baseline="0">
+                  <a:ln>
+                    <a:noFill/>
+                  </a:ln>
+                  <a:solidFill>
+                    <a:srgbClr val="CF8E6D"/>
+                  </a:solidFill>
+                  <a:effectLst/>
+                  <a:latin typeface="+mj-lt"/>
+                  <a:cs typeface="JetBrains Mono" panose="02000009000000000000" pitchFamily="49" charset="0"/>
+                </a:rPr>
+                <a:t>import</a:t>
+              </a:r>
+              <a:r>
+                <a:rPr kumimoji="0" lang="zh-TW" altLang="en-US" sz="1400" b="0" i="0" u="none" strike="noStrike" cap="none" normalizeH="0" baseline="0">
+                  <a:ln>
+                    <a:noFill/>
+                  </a:ln>
+                  <a:solidFill>
+                    <a:srgbClr val="CF8E6D"/>
+                  </a:solidFill>
+                  <a:effectLst/>
+                  <a:latin typeface="+mj-lt"/>
+                  <a:cs typeface="JetBrains Mono" panose="02000009000000000000" pitchFamily="49" charset="0"/>
+                </a:rPr>
+                <a:t> </a:t>
+              </a:r>
+              <a:r>
+                <a:rPr lang="en-US" altLang="zh-TW" sz="1400">
+                  <a:solidFill>
+                    <a:srgbClr val="BCBEC4"/>
+                  </a:solidFill>
+                  <a:latin typeface="+mj-lt"/>
+                  <a:cs typeface="JetBrains Mono" panose="02000009000000000000" pitchFamily="49" charset="0"/>
+                </a:rPr>
+                <a:t>(...)</a:t>
+              </a:r>
+            </a:p>
+            <a:p>
+              <a:pPr marL="0" marR="0" lvl="0" indent="0" algn="l" defTabSz="914400" rtl="0" eaLnBrk="0" fontAlgn="base" latinLnBrk="0" hangingPunct="0">
+                <a:lnSpc>
+                  <a:spcPct val="100000"/>
+                </a:lnSpc>
+                <a:spcBef>
+                  <a:spcPct val="0"/>
+                </a:spcBef>
+                <a:spcAft>
+                  <a:spcPct val="0"/>
+                </a:spcAft>
+                <a:buClrTx/>
+                <a:buSzTx/>
+                <a:buFontTx/>
+                <a:buNone/>
+                <a:tabLst/>
+              </a:pPr>
+              <a:endParaRPr lang="en-US" altLang="zh-TW" sz="1400">
+                <a:solidFill>
+                  <a:srgbClr val="BCBEC4"/>
+                </a:solidFill>
+                <a:latin typeface="+mj-lt"/>
+                <a:cs typeface="JetBrains Mono" panose="02000009000000000000" pitchFamily="49" charset="0"/>
+              </a:endParaRPr>
+            </a:p>
+            <a:p>
+              <a:pPr marL="0" marR="0" lvl="0" indent="0" algn="l" defTabSz="914400" rtl="0" eaLnBrk="0" fontAlgn="base" latinLnBrk="0" hangingPunct="0">
+                <a:lnSpc>
+                  <a:spcPct val="100000"/>
+                </a:lnSpc>
+                <a:spcBef>
+                  <a:spcPct val="0"/>
+                </a:spcBef>
+                <a:spcAft>
+                  <a:spcPct val="0"/>
+                </a:spcAft>
+                <a:buClrTx/>
+                <a:buSzTx/>
+                <a:buFontTx/>
+                <a:buNone/>
+                <a:tabLst/>
+              </a:pPr>
+              <a:r>
+                <a:rPr kumimoji="0" lang="zh-TW" altLang="zh-TW" sz="1400" b="0" i="0" u="none" strike="noStrike" cap="none" normalizeH="0" baseline="0">
+                  <a:ln>
+                    <a:noFill/>
+                  </a:ln>
+                  <a:solidFill>
+                    <a:srgbClr val="CF8E6D"/>
+                  </a:solidFill>
+                  <a:effectLst/>
+                  <a:latin typeface="+mj-lt"/>
+                  <a:cs typeface="JetBrains Mono" panose="02000009000000000000" pitchFamily="49" charset="0"/>
+                </a:rPr>
+                <a:t>public class </a:t>
+              </a:r>
+              <a:r>
+                <a:rPr kumimoji="0" lang="zh-TW" altLang="zh-TW" sz="1400" b="0" i="0" u="none" strike="noStrike" cap="none" normalizeH="0" baseline="0">
+                  <a:ln>
+                    <a:noFill/>
+                  </a:ln>
+                  <a:solidFill>
+                    <a:srgbClr val="BCBEC4"/>
+                  </a:solidFill>
+                  <a:effectLst/>
+                  <a:latin typeface="+mj-lt"/>
+                  <a:cs typeface="JetBrains Mono" panose="02000009000000000000" pitchFamily="49" charset="0"/>
+                </a:rPr>
+                <a:t>ModItems {</a:t>
+              </a:r>
+              <a:br>
+                <a:rPr kumimoji="0" lang="zh-TW" altLang="zh-TW" sz="1400" b="0" i="0" u="none" strike="noStrike" cap="none" normalizeH="0" baseline="0">
+                  <a:ln>
+                    <a:noFill/>
+                  </a:ln>
+                  <a:solidFill>
+                    <a:srgbClr val="BCBEC4"/>
+                  </a:solidFill>
+                  <a:effectLst/>
+                  <a:latin typeface="+mj-lt"/>
+                  <a:cs typeface="JetBrains Mono" panose="02000009000000000000" pitchFamily="49" charset="0"/>
+                </a:rPr>
+              </a:br>
+              <a:r>
+                <a:rPr kumimoji="0" lang="zh-TW" altLang="zh-TW" sz="1400" b="0" i="0" u="none" strike="noStrike" cap="none" normalizeH="0" baseline="0">
+                  <a:ln>
+                    <a:noFill/>
+                  </a:ln>
+                  <a:solidFill>
+                    <a:srgbClr val="BCBEC4"/>
+                  </a:solidFill>
+                  <a:effectLst/>
+                  <a:latin typeface="+mj-lt"/>
+                  <a:cs typeface="JetBrains Mono" panose="02000009000000000000" pitchFamily="49" charset="0"/>
+                </a:rPr>
+                <a:t>    </a:t>
+              </a:r>
+              <a:r>
+                <a:rPr kumimoji="0" lang="zh-TW" altLang="zh-TW" sz="1400" b="0" i="0" u="none" strike="noStrike" cap="none" normalizeH="0" baseline="0">
+                  <a:ln>
+                    <a:noFill/>
+                  </a:ln>
+                  <a:solidFill>
+                    <a:srgbClr val="CF8E6D"/>
+                  </a:solidFill>
+                  <a:effectLst/>
+                  <a:latin typeface="+mj-lt"/>
+                  <a:cs typeface="JetBrains Mono" panose="02000009000000000000" pitchFamily="49" charset="0"/>
+                </a:rPr>
+                <a:t>public static final </a:t>
+              </a:r>
+              <a:r>
+                <a:rPr kumimoji="0" lang="zh-TW" altLang="zh-TW" sz="1400" b="0" i="0" u="none" strike="noStrike" cap="none" normalizeH="0" baseline="0">
+                  <a:ln>
+                    <a:noFill/>
+                  </a:ln>
+                  <a:solidFill>
+                    <a:srgbClr val="BCBEC4"/>
+                  </a:solidFill>
+                  <a:effectLst/>
+                  <a:latin typeface="+mj-lt"/>
+                  <a:cs typeface="JetBrains Mono" panose="02000009000000000000" pitchFamily="49" charset="0"/>
+                </a:rPr>
+                <a:t>Item </a:t>
+              </a:r>
+              <a:r>
+                <a:rPr kumimoji="0" lang="zh-TW" altLang="zh-TW" sz="1400" b="0" i="1" u="none" strike="noStrike" cap="none" normalizeH="0" baseline="0">
+                  <a:ln>
+                    <a:noFill/>
+                  </a:ln>
+                  <a:solidFill>
+                    <a:srgbClr val="C77DBB"/>
+                  </a:solidFill>
+                  <a:effectLst/>
+                  <a:latin typeface="+mj-lt"/>
+                  <a:cs typeface="JetBrains Mono" panose="02000009000000000000" pitchFamily="49" charset="0"/>
+                </a:rPr>
+                <a:t>TyicLogo </a:t>
+              </a:r>
+              <a:r>
+                <a:rPr kumimoji="0" lang="zh-TW" altLang="zh-TW" sz="1400" b="0" i="0" u="none" strike="noStrike" cap="none" normalizeH="0" baseline="0">
+                  <a:ln>
+                    <a:noFill/>
+                  </a:ln>
+                  <a:solidFill>
+                    <a:srgbClr val="BCBEC4"/>
+                  </a:solidFill>
+                  <a:effectLst/>
+                  <a:latin typeface="+mj-lt"/>
+                  <a:cs typeface="JetBrains Mono" panose="02000009000000000000" pitchFamily="49" charset="0"/>
+                </a:rPr>
+                <a:t>= </a:t>
+              </a:r>
+              <a:r>
+                <a:rPr kumimoji="0" lang="zh-TW" altLang="zh-TW" sz="1400" b="0" i="1" u="none" strike="noStrike" cap="none" normalizeH="0" baseline="0">
+                  <a:ln>
+                    <a:noFill/>
+                  </a:ln>
+                  <a:solidFill>
+                    <a:srgbClr val="BCBEC4"/>
+                  </a:solidFill>
+                  <a:effectLst/>
+                  <a:latin typeface="+mj-lt"/>
+                  <a:cs typeface="JetBrains Mono" panose="02000009000000000000" pitchFamily="49" charset="0"/>
+                </a:rPr>
+                <a:t>register</a:t>
+              </a:r>
+              <a:r>
+                <a:rPr kumimoji="0" lang="zh-TW" altLang="zh-TW" sz="1400" b="0" i="0" u="none" strike="noStrike" cap="none" normalizeH="0" baseline="0">
+                  <a:ln>
+                    <a:noFill/>
+                  </a:ln>
+                  <a:solidFill>
+                    <a:srgbClr val="BCBEC4"/>
+                  </a:solidFill>
+                  <a:effectLst/>
+                  <a:latin typeface="+mj-lt"/>
+                  <a:cs typeface="JetBrains Mono" panose="02000009000000000000" pitchFamily="49" charset="0"/>
+                </a:rPr>
+                <a:t>(</a:t>
+              </a:r>
+              <a:r>
+                <a:rPr kumimoji="0" lang="zh-TW" altLang="zh-TW" sz="1400" b="0" i="0" u="none" strike="noStrike" cap="none" normalizeH="0" baseline="0">
+                  <a:ln>
+                    <a:noFill/>
+                  </a:ln>
+                  <a:solidFill>
+                    <a:srgbClr val="6AAB73"/>
+                  </a:solidFill>
+                  <a:effectLst/>
+                  <a:latin typeface="+mj-lt"/>
+                  <a:cs typeface="JetBrains Mono" panose="02000009000000000000" pitchFamily="49" charset="0"/>
+                </a:rPr>
+                <a:t>"tyic_logo"</a:t>
+              </a:r>
+              <a:r>
+                <a:rPr kumimoji="0" lang="zh-TW" altLang="zh-TW" sz="1400" b="0" i="0" u="none" strike="noStrike" cap="none" normalizeH="0" baseline="0">
+                  <a:ln>
+                    <a:noFill/>
+                  </a:ln>
+                  <a:solidFill>
+                    <a:srgbClr val="BCBEC4"/>
+                  </a:solidFill>
+                  <a:effectLst/>
+                  <a:latin typeface="+mj-lt"/>
+                  <a:cs typeface="JetBrains Mono" panose="02000009000000000000" pitchFamily="49" charset="0"/>
+                </a:rPr>
+                <a:t>, Item::</a:t>
+              </a:r>
+              <a:r>
+                <a:rPr kumimoji="0" lang="zh-TW" altLang="zh-TW" sz="1400" b="0" i="0" u="none" strike="noStrike" cap="none" normalizeH="0" baseline="0">
+                  <a:ln>
+                    <a:noFill/>
+                  </a:ln>
+                  <a:solidFill>
+                    <a:srgbClr val="CF8E6D"/>
+                  </a:solidFill>
+                  <a:effectLst/>
+                  <a:latin typeface="+mj-lt"/>
+                  <a:cs typeface="JetBrains Mono" panose="02000009000000000000" pitchFamily="49" charset="0"/>
+                </a:rPr>
+                <a:t>new</a:t>
+              </a:r>
+              <a:r>
+                <a:rPr kumimoji="0" lang="zh-TW" altLang="zh-TW" sz="1400" b="0" i="0" u="none" strike="noStrike" cap="none" normalizeH="0" baseline="0">
+                  <a:ln>
+                    <a:noFill/>
+                  </a:ln>
+                  <a:solidFill>
+                    <a:srgbClr val="BCBEC4"/>
+                  </a:solidFill>
+                  <a:effectLst/>
+                  <a:latin typeface="+mj-lt"/>
+                  <a:cs typeface="JetBrains Mono" panose="02000009000000000000" pitchFamily="49" charset="0"/>
+                </a:rPr>
+                <a:t>, </a:t>
+              </a:r>
+              <a:r>
+                <a:rPr kumimoji="0" lang="zh-TW" altLang="zh-TW" sz="1400" b="0" i="0" u="none" strike="noStrike" cap="none" normalizeH="0" baseline="0">
+                  <a:ln>
+                    <a:noFill/>
+                  </a:ln>
+                  <a:solidFill>
+                    <a:srgbClr val="CF8E6D"/>
+                  </a:solidFill>
+                  <a:effectLst/>
+                  <a:latin typeface="+mj-lt"/>
+                  <a:cs typeface="JetBrains Mono" panose="02000009000000000000" pitchFamily="49" charset="0"/>
+                </a:rPr>
+                <a:t>new </a:t>
+              </a:r>
+              <a:r>
+                <a:rPr kumimoji="0" lang="zh-TW" altLang="zh-TW" sz="1400" b="0" i="0" u="none" strike="noStrike" cap="none" normalizeH="0" baseline="0">
+                  <a:ln>
+                    <a:noFill/>
+                  </a:ln>
+                  <a:solidFill>
+                    <a:srgbClr val="BCBEC4"/>
+                  </a:solidFill>
+                  <a:effectLst/>
+                  <a:latin typeface="+mj-lt"/>
+                  <a:cs typeface="JetBrains Mono" panose="02000009000000000000" pitchFamily="49" charset="0"/>
+                </a:rPr>
+                <a:t>Item.Settings());</a:t>
+              </a:r>
+              <a:br>
+                <a:rPr kumimoji="0" lang="zh-TW" altLang="zh-TW" sz="1400" b="0" i="0" u="none" strike="noStrike" cap="none" normalizeH="0" baseline="0">
+                  <a:ln>
+                    <a:noFill/>
+                  </a:ln>
+                  <a:solidFill>
+                    <a:srgbClr val="BCBEC4"/>
+                  </a:solidFill>
+                  <a:effectLst/>
+                  <a:latin typeface="+mj-lt"/>
+                  <a:cs typeface="JetBrains Mono" panose="02000009000000000000" pitchFamily="49" charset="0"/>
+                </a:rPr>
+              </a:br>
+              <a:br>
+                <a:rPr kumimoji="0" lang="zh-TW" altLang="zh-TW" sz="1400" b="0" i="0" u="none" strike="noStrike" cap="none" normalizeH="0" baseline="0">
+                  <a:ln>
+                    <a:noFill/>
+                  </a:ln>
+                  <a:solidFill>
+                    <a:srgbClr val="BCBEC4"/>
+                  </a:solidFill>
+                  <a:effectLst/>
+                  <a:latin typeface="+mj-lt"/>
+                  <a:cs typeface="JetBrains Mono" panose="02000009000000000000" pitchFamily="49" charset="0"/>
+                </a:rPr>
+              </a:br>
+              <a:r>
+                <a:rPr kumimoji="0" lang="zh-TW" altLang="zh-TW" sz="1400" b="0" i="0" u="none" strike="noStrike" cap="none" normalizeH="0" baseline="0">
+                  <a:ln>
+                    <a:noFill/>
+                  </a:ln>
+                  <a:solidFill>
+                    <a:srgbClr val="BCBEC4"/>
+                  </a:solidFill>
+                  <a:effectLst/>
+                  <a:latin typeface="+mj-lt"/>
+                  <a:cs typeface="JetBrains Mono" panose="02000009000000000000" pitchFamily="49" charset="0"/>
+                </a:rPr>
+                <a:t>    </a:t>
+              </a:r>
+              <a:r>
+                <a:rPr kumimoji="0" lang="zh-TW" altLang="zh-TW" sz="1400" b="0" i="0" u="none" strike="noStrike" cap="none" normalizeH="0" baseline="0">
+                  <a:ln>
+                    <a:noFill/>
+                  </a:ln>
+                  <a:solidFill>
+                    <a:srgbClr val="CF8E6D"/>
+                  </a:solidFill>
+                  <a:effectLst/>
+                  <a:latin typeface="+mj-lt"/>
+                  <a:cs typeface="JetBrains Mono" panose="02000009000000000000" pitchFamily="49" charset="0"/>
+                </a:rPr>
+                <a:t>public static </a:t>
+              </a:r>
+              <a:r>
+                <a:rPr kumimoji="0" lang="zh-TW" altLang="zh-TW" sz="1400" b="0" i="0" u="none" strike="noStrike" cap="none" normalizeH="0" baseline="0">
+                  <a:ln>
+                    <a:noFill/>
+                  </a:ln>
+                  <a:solidFill>
+                    <a:srgbClr val="BCBEC4"/>
+                  </a:solidFill>
+                  <a:effectLst/>
+                  <a:latin typeface="+mj-lt"/>
+                  <a:cs typeface="JetBrains Mono" panose="02000009000000000000" pitchFamily="49" charset="0"/>
+                </a:rPr>
+                <a:t>Item </a:t>
+              </a:r>
+              <a:r>
+                <a:rPr kumimoji="0" lang="zh-TW" altLang="zh-TW" sz="1400" b="0" i="0" u="none" strike="noStrike" cap="none" normalizeH="0" baseline="0">
+                  <a:ln>
+                    <a:noFill/>
+                  </a:ln>
+                  <a:solidFill>
+                    <a:srgbClr val="56A8F5"/>
+                  </a:solidFill>
+                  <a:effectLst/>
+                  <a:latin typeface="+mj-lt"/>
+                  <a:cs typeface="JetBrains Mono" panose="02000009000000000000" pitchFamily="49" charset="0"/>
+                </a:rPr>
+                <a:t>register</a:t>
+              </a:r>
+              <a:r>
+                <a:rPr kumimoji="0" lang="zh-TW" altLang="zh-TW" sz="1400" b="0" i="0" u="none" strike="noStrike" cap="none" normalizeH="0" baseline="0">
+                  <a:ln>
+                    <a:noFill/>
+                  </a:ln>
+                  <a:solidFill>
+                    <a:srgbClr val="BCBEC4"/>
+                  </a:solidFill>
+                  <a:effectLst/>
+                  <a:latin typeface="+mj-lt"/>
+                  <a:cs typeface="JetBrains Mono" panose="02000009000000000000" pitchFamily="49" charset="0"/>
+                </a:rPr>
+                <a:t>(String id, Function&lt;Item.Settings, Item&gt; itemFunction, Item.Settings settings) {</a:t>
+              </a:r>
+              <a:br>
+                <a:rPr kumimoji="0" lang="zh-TW" altLang="zh-TW" sz="1400" b="0" i="0" u="none" strike="noStrike" cap="none" normalizeH="0" baseline="0">
+                  <a:ln>
+                    <a:noFill/>
+                  </a:ln>
+                  <a:solidFill>
+                    <a:srgbClr val="BCBEC4"/>
+                  </a:solidFill>
+                  <a:effectLst/>
+                  <a:latin typeface="+mj-lt"/>
+                  <a:cs typeface="JetBrains Mono" panose="02000009000000000000" pitchFamily="49" charset="0"/>
+                </a:rPr>
+              </a:br>
+              <a:r>
+                <a:rPr kumimoji="0" lang="zh-TW" altLang="zh-TW" sz="1400" b="0" i="0" u="none" strike="noStrike" cap="none" normalizeH="0" baseline="0">
+                  <a:ln>
+                    <a:noFill/>
+                  </a:ln>
+                  <a:solidFill>
+                    <a:srgbClr val="BCBEC4"/>
+                  </a:solidFill>
+                  <a:effectLst/>
+                  <a:latin typeface="+mj-lt"/>
+                  <a:cs typeface="JetBrains Mono" panose="02000009000000000000" pitchFamily="49" charset="0"/>
+                </a:rPr>
+                <a:t>        RegistryKey&lt;Item&gt; registryKey = RegistryKey.</a:t>
+              </a:r>
+              <a:r>
+                <a:rPr kumimoji="0" lang="zh-TW" altLang="zh-TW" sz="1400" b="0" i="1" u="none" strike="noStrike" cap="none" normalizeH="0" baseline="0">
+                  <a:ln>
+                    <a:noFill/>
+                  </a:ln>
+                  <a:solidFill>
+                    <a:srgbClr val="BCBEC4"/>
+                  </a:solidFill>
+                  <a:effectLst/>
+                  <a:latin typeface="+mj-lt"/>
+                  <a:cs typeface="JetBrains Mono" panose="02000009000000000000" pitchFamily="49" charset="0"/>
+                </a:rPr>
+                <a:t>of</a:t>
+              </a:r>
+              <a:r>
+                <a:rPr kumimoji="0" lang="zh-TW" altLang="zh-TW" sz="1400" b="0" i="0" u="none" strike="noStrike" cap="none" normalizeH="0" baseline="0">
+                  <a:ln>
+                    <a:noFill/>
+                  </a:ln>
+                  <a:solidFill>
+                    <a:srgbClr val="BCBEC4"/>
+                  </a:solidFill>
+                  <a:effectLst/>
+                  <a:latin typeface="+mj-lt"/>
+                  <a:cs typeface="JetBrains Mono" panose="02000009000000000000" pitchFamily="49" charset="0"/>
+                </a:rPr>
+                <a:t>(RegistryKeys.</a:t>
+              </a:r>
+              <a:r>
+                <a:rPr kumimoji="0" lang="zh-TW" altLang="zh-TW" sz="1400" b="0" i="1" u="none" strike="noStrike" cap="none" normalizeH="0" baseline="0">
+                  <a:ln>
+                    <a:noFill/>
+                  </a:ln>
+                  <a:solidFill>
+                    <a:srgbClr val="C77DBB"/>
+                  </a:solidFill>
+                  <a:effectLst/>
+                  <a:latin typeface="+mj-lt"/>
+                  <a:cs typeface="JetBrains Mono" panose="02000009000000000000" pitchFamily="49" charset="0"/>
+                </a:rPr>
+                <a:t>ITEM</a:t>
+              </a:r>
+              <a:r>
+                <a:rPr kumimoji="0" lang="zh-TW" altLang="zh-TW" sz="1400" b="0" i="0" u="none" strike="noStrike" cap="none" normalizeH="0" baseline="0">
+                  <a:ln>
+                    <a:noFill/>
+                  </a:ln>
+                  <a:solidFill>
+                    <a:srgbClr val="BCBEC4"/>
+                  </a:solidFill>
+                  <a:effectLst/>
+                  <a:latin typeface="+mj-lt"/>
+                  <a:cs typeface="JetBrains Mono" panose="02000009000000000000" pitchFamily="49" charset="0"/>
+                </a:rPr>
+                <a:t>, Identifier.</a:t>
+              </a:r>
+              <a:r>
+                <a:rPr kumimoji="0" lang="zh-TW" altLang="zh-TW" sz="1400" b="0" i="1" u="none" strike="noStrike" cap="none" normalizeH="0" baseline="0">
+                  <a:ln>
+                    <a:noFill/>
+                  </a:ln>
+                  <a:solidFill>
+                    <a:srgbClr val="BCBEC4"/>
+                  </a:solidFill>
+                  <a:effectLst/>
+                  <a:latin typeface="+mj-lt"/>
+                  <a:cs typeface="JetBrains Mono" panose="02000009000000000000" pitchFamily="49" charset="0"/>
+                </a:rPr>
+                <a:t>of</a:t>
+              </a:r>
+              <a:r>
+                <a:rPr kumimoji="0" lang="zh-TW" altLang="zh-TW" sz="1400" b="0" i="0" u="none" strike="noStrike" cap="none" normalizeH="0" baseline="0">
+                  <a:ln>
+                    <a:noFill/>
+                  </a:ln>
+                  <a:solidFill>
+                    <a:srgbClr val="BCBEC4"/>
+                  </a:solidFill>
+                  <a:effectLst/>
+                  <a:latin typeface="+mj-lt"/>
+                  <a:cs typeface="JetBrains Mono" panose="02000009000000000000" pitchFamily="49" charset="0"/>
+                </a:rPr>
+                <a:t>(TyicMod.</a:t>
+              </a:r>
+              <a:r>
+                <a:rPr kumimoji="0" lang="zh-TW" altLang="zh-TW" sz="1400" b="0" i="1" u="none" strike="noStrike" cap="none" normalizeH="0" baseline="0">
+                  <a:ln>
+                    <a:noFill/>
+                  </a:ln>
+                  <a:solidFill>
+                    <a:srgbClr val="C77DBB"/>
+                  </a:solidFill>
+                  <a:effectLst/>
+                  <a:latin typeface="+mj-lt"/>
+                  <a:cs typeface="JetBrains Mono" panose="02000009000000000000" pitchFamily="49" charset="0"/>
+                </a:rPr>
+                <a:t>MOD_ID</a:t>
+              </a:r>
+              <a:r>
+                <a:rPr kumimoji="0" lang="zh-TW" altLang="zh-TW" sz="1400" b="0" i="0" u="none" strike="noStrike" cap="none" normalizeH="0" baseline="0">
+                  <a:ln>
+                    <a:noFill/>
+                  </a:ln>
+                  <a:solidFill>
+                    <a:srgbClr val="BCBEC4"/>
+                  </a:solidFill>
+                  <a:effectLst/>
+                  <a:latin typeface="+mj-lt"/>
+                  <a:cs typeface="JetBrains Mono" panose="02000009000000000000" pitchFamily="49" charset="0"/>
+                </a:rPr>
+                <a:t>, id));</a:t>
+              </a:r>
+              <a:br>
+                <a:rPr kumimoji="0" lang="zh-TW" altLang="zh-TW" sz="1400" b="0" i="0" u="none" strike="noStrike" cap="none" normalizeH="0" baseline="0">
+                  <a:ln>
+                    <a:noFill/>
+                  </a:ln>
+                  <a:solidFill>
+                    <a:srgbClr val="BCBEC4"/>
+                  </a:solidFill>
+                  <a:effectLst/>
+                  <a:latin typeface="+mj-lt"/>
+                  <a:cs typeface="JetBrains Mono" panose="02000009000000000000" pitchFamily="49" charset="0"/>
+                </a:rPr>
+              </a:br>
+              <a:r>
+                <a:rPr kumimoji="0" lang="zh-TW" altLang="zh-TW" sz="1400" b="0" i="0" u="none" strike="noStrike" cap="none" normalizeH="0" baseline="0">
+                  <a:ln>
+                    <a:noFill/>
+                  </a:ln>
+                  <a:solidFill>
+                    <a:srgbClr val="BCBEC4"/>
+                  </a:solidFill>
+                  <a:effectLst/>
+                  <a:latin typeface="+mj-lt"/>
+                  <a:cs typeface="JetBrains Mono" panose="02000009000000000000" pitchFamily="49" charset="0"/>
+                </a:rPr>
+                <a:t>        </a:t>
+              </a:r>
+              <a:r>
+                <a:rPr kumimoji="0" lang="zh-TW" altLang="zh-TW" sz="1400" b="0" i="0" u="none" strike="noStrike" cap="none" normalizeH="0" baseline="0">
+                  <a:ln>
+                    <a:noFill/>
+                  </a:ln>
+                  <a:solidFill>
+                    <a:srgbClr val="CF8E6D"/>
+                  </a:solidFill>
+                  <a:effectLst/>
+                  <a:latin typeface="+mj-lt"/>
+                  <a:cs typeface="JetBrains Mono" panose="02000009000000000000" pitchFamily="49" charset="0"/>
+                </a:rPr>
+                <a:t>return </a:t>
+              </a:r>
+              <a:r>
+                <a:rPr kumimoji="0" lang="zh-TW" altLang="zh-TW" sz="1400" b="0" i="0" u="none" strike="noStrike" cap="none" normalizeH="0" baseline="0">
+                  <a:ln>
+                    <a:noFill/>
+                  </a:ln>
+                  <a:solidFill>
+                    <a:srgbClr val="BCBEC4"/>
+                  </a:solidFill>
+                  <a:effectLst/>
+                  <a:latin typeface="+mj-lt"/>
+                  <a:cs typeface="JetBrains Mono" panose="02000009000000000000" pitchFamily="49" charset="0"/>
+                </a:rPr>
+                <a:t>Registry.</a:t>
+              </a:r>
+              <a:r>
+                <a:rPr kumimoji="0" lang="zh-TW" altLang="zh-TW" sz="1400" b="0" i="1" u="none" strike="noStrike" cap="none" normalizeH="0" baseline="0">
+                  <a:ln>
+                    <a:noFill/>
+                  </a:ln>
+                  <a:solidFill>
+                    <a:srgbClr val="BCBEC4"/>
+                  </a:solidFill>
+                  <a:effectLst/>
+                  <a:latin typeface="+mj-lt"/>
+                  <a:cs typeface="JetBrains Mono" panose="02000009000000000000" pitchFamily="49" charset="0"/>
+                </a:rPr>
+                <a:t>register</a:t>
+              </a:r>
+              <a:r>
+                <a:rPr kumimoji="0" lang="zh-TW" altLang="zh-TW" sz="1400" b="0" i="0" u="none" strike="noStrike" cap="none" normalizeH="0" baseline="0">
+                  <a:ln>
+                    <a:noFill/>
+                  </a:ln>
+                  <a:solidFill>
+                    <a:srgbClr val="BCBEC4"/>
+                  </a:solidFill>
+                  <a:effectLst/>
+                  <a:latin typeface="+mj-lt"/>
+                  <a:cs typeface="JetBrains Mono" panose="02000009000000000000" pitchFamily="49" charset="0"/>
+                </a:rPr>
+                <a:t>(Registries.</a:t>
+              </a:r>
+              <a:r>
+                <a:rPr kumimoji="0" lang="zh-TW" altLang="zh-TW" sz="1400" b="0" i="1" u="none" strike="noStrike" cap="none" normalizeH="0" baseline="0">
+                  <a:ln>
+                    <a:noFill/>
+                  </a:ln>
+                  <a:solidFill>
+                    <a:srgbClr val="C77DBB"/>
+                  </a:solidFill>
+                  <a:effectLst/>
+                  <a:latin typeface="+mj-lt"/>
+                  <a:cs typeface="JetBrains Mono" panose="02000009000000000000" pitchFamily="49" charset="0"/>
+                </a:rPr>
+                <a:t>ITEM</a:t>
+              </a:r>
+              <a:r>
+                <a:rPr kumimoji="0" lang="zh-TW" altLang="zh-TW" sz="1400" b="0" i="0" u="none" strike="noStrike" cap="none" normalizeH="0" baseline="0">
+                  <a:ln>
+                    <a:noFill/>
+                  </a:ln>
+                  <a:solidFill>
+                    <a:srgbClr val="BCBEC4"/>
+                  </a:solidFill>
+                  <a:effectLst/>
+                  <a:latin typeface="+mj-lt"/>
+                  <a:cs typeface="JetBrains Mono" panose="02000009000000000000" pitchFamily="49" charset="0"/>
+                </a:rPr>
+                <a:t>, registryKey, itemFunction.apply(settings.registryKey(registryKey)));</a:t>
+              </a:r>
+              <a:br>
+                <a:rPr kumimoji="0" lang="zh-TW" altLang="zh-TW" sz="1400" b="0" i="0" u="none" strike="noStrike" cap="none" normalizeH="0" baseline="0">
+                  <a:ln>
+                    <a:noFill/>
+                  </a:ln>
+                  <a:solidFill>
+                    <a:srgbClr val="BCBEC4"/>
+                  </a:solidFill>
+                  <a:effectLst/>
+                  <a:latin typeface="+mj-lt"/>
+                  <a:cs typeface="JetBrains Mono" panose="02000009000000000000" pitchFamily="49" charset="0"/>
+                </a:rPr>
+              </a:br>
+              <a:r>
+                <a:rPr kumimoji="0" lang="zh-TW" altLang="zh-TW" sz="1400" b="0" i="0" u="none" strike="noStrike" cap="none" normalizeH="0" baseline="0">
+                  <a:ln>
+                    <a:noFill/>
+                  </a:ln>
+                  <a:solidFill>
+                    <a:srgbClr val="BCBEC4"/>
+                  </a:solidFill>
+                  <a:effectLst/>
+                  <a:latin typeface="+mj-lt"/>
+                  <a:cs typeface="JetBrains Mono" panose="02000009000000000000" pitchFamily="49" charset="0"/>
+                </a:rPr>
+                <a:t>    }</a:t>
+              </a:r>
+              <a:br>
+                <a:rPr kumimoji="0" lang="zh-TW" altLang="zh-TW" sz="1400" b="0" i="0" u="none" strike="noStrike" cap="none" normalizeH="0" baseline="0">
+                  <a:ln>
+                    <a:noFill/>
+                  </a:ln>
+                  <a:solidFill>
+                    <a:srgbClr val="BCBEC4"/>
+                  </a:solidFill>
+                  <a:effectLst/>
+                  <a:latin typeface="+mj-lt"/>
+                  <a:cs typeface="JetBrains Mono" panose="02000009000000000000" pitchFamily="49" charset="0"/>
+                </a:rPr>
+              </a:br>
+              <a:br>
+                <a:rPr kumimoji="0" lang="zh-TW" altLang="zh-TW" sz="1400" b="0" i="0" u="none" strike="noStrike" cap="none" normalizeH="0" baseline="0">
+                  <a:ln>
+                    <a:noFill/>
+                  </a:ln>
+                  <a:solidFill>
+                    <a:srgbClr val="BCBEC4"/>
+                  </a:solidFill>
+                  <a:effectLst/>
+                  <a:latin typeface="+mj-lt"/>
+                  <a:cs typeface="JetBrains Mono" panose="02000009000000000000" pitchFamily="49" charset="0"/>
+                </a:rPr>
+              </a:br>
+              <a:r>
+                <a:rPr kumimoji="0" lang="zh-TW" altLang="zh-TW" sz="1400" b="0" i="0" u="none" strike="noStrike" cap="none" normalizeH="0" baseline="0">
+                  <a:ln>
+                    <a:noFill/>
+                  </a:ln>
+                  <a:solidFill>
+                    <a:srgbClr val="BCBEC4"/>
+                  </a:solidFill>
+                  <a:effectLst/>
+                  <a:latin typeface="+mj-lt"/>
+                  <a:cs typeface="JetBrains Mono" panose="02000009000000000000" pitchFamily="49" charset="0"/>
+                </a:rPr>
+                <a:t>    </a:t>
+              </a:r>
+              <a:r>
+                <a:rPr kumimoji="0" lang="zh-TW" altLang="zh-TW" sz="1400" b="0" i="0" u="none" strike="noStrike" cap="none" normalizeH="0" baseline="0">
+                  <a:ln>
+                    <a:noFill/>
+                  </a:ln>
+                  <a:solidFill>
+                    <a:srgbClr val="CF8E6D"/>
+                  </a:solidFill>
+                  <a:effectLst/>
+                  <a:latin typeface="+mj-lt"/>
+                  <a:cs typeface="JetBrains Mono" panose="02000009000000000000" pitchFamily="49" charset="0"/>
+                </a:rPr>
+                <a:t>public static void </a:t>
+              </a:r>
+              <a:r>
+                <a:rPr kumimoji="0" lang="zh-TW" altLang="zh-TW" sz="1400" b="0" i="0" u="none" strike="noStrike" cap="none" normalizeH="0" baseline="0">
+                  <a:ln>
+                    <a:noFill/>
+                  </a:ln>
+                  <a:solidFill>
+                    <a:srgbClr val="56A8F5"/>
+                  </a:solidFill>
+                  <a:effectLst/>
+                  <a:latin typeface="+mj-lt"/>
+                  <a:cs typeface="JetBrains Mono" panose="02000009000000000000" pitchFamily="49" charset="0"/>
+                </a:rPr>
+                <a:t>registerAll</a:t>
+              </a:r>
+              <a:r>
+                <a:rPr kumimoji="0" lang="zh-TW" altLang="zh-TW" sz="1400" b="0" i="0" u="none" strike="noStrike" cap="none" normalizeH="0" baseline="0">
+                  <a:ln>
+                    <a:noFill/>
+                  </a:ln>
+                  <a:solidFill>
+                    <a:srgbClr val="BCBEC4"/>
+                  </a:solidFill>
+                  <a:effectLst/>
+                  <a:latin typeface="+mj-lt"/>
+                  <a:cs typeface="JetBrains Mono" panose="02000009000000000000" pitchFamily="49" charset="0"/>
+                </a:rPr>
+                <a:t>() {</a:t>
+              </a:r>
+              <a:br>
+                <a:rPr kumimoji="0" lang="zh-TW" altLang="zh-TW" sz="1400" b="0" i="0" u="none" strike="noStrike" cap="none" normalizeH="0" baseline="0">
+                  <a:ln>
+                    <a:noFill/>
+                  </a:ln>
+                  <a:solidFill>
+                    <a:srgbClr val="BCBEC4"/>
+                  </a:solidFill>
+                  <a:effectLst/>
+                  <a:latin typeface="+mj-lt"/>
+                  <a:cs typeface="JetBrains Mono" panose="02000009000000000000" pitchFamily="49" charset="0"/>
+                </a:rPr>
+              </a:br>
+              <a:r>
+                <a:rPr kumimoji="0" lang="zh-TW" altLang="zh-TW" sz="1400" b="0" i="0" u="none" strike="noStrike" cap="none" normalizeH="0" baseline="0">
+                  <a:ln>
+                    <a:noFill/>
+                  </a:ln>
+                  <a:solidFill>
+                    <a:srgbClr val="BCBEC4"/>
+                  </a:solidFill>
+                  <a:effectLst/>
+                  <a:latin typeface="+mj-lt"/>
+                  <a:cs typeface="JetBrains Mono" panose="02000009000000000000" pitchFamily="49" charset="0"/>
+                </a:rPr>
+                <a:t>        TyicMod.</a:t>
+              </a:r>
+              <a:r>
+                <a:rPr kumimoji="0" lang="zh-TW" altLang="zh-TW" sz="1400" b="0" i="1" u="none" strike="noStrike" cap="none" normalizeH="0" baseline="0">
+                  <a:ln>
+                    <a:noFill/>
+                  </a:ln>
+                  <a:solidFill>
+                    <a:srgbClr val="C77DBB"/>
+                  </a:solidFill>
+                  <a:effectLst/>
+                  <a:latin typeface="+mj-lt"/>
+                  <a:cs typeface="JetBrains Mono" panose="02000009000000000000" pitchFamily="49" charset="0"/>
+                </a:rPr>
+                <a:t>LOGGER</a:t>
+              </a:r>
+              <a:r>
+                <a:rPr kumimoji="0" lang="zh-TW" altLang="zh-TW" sz="1400" b="0" i="0" u="none" strike="noStrike" cap="none" normalizeH="0" baseline="0">
+                  <a:ln>
+                    <a:noFill/>
+                  </a:ln>
+                  <a:solidFill>
+                    <a:srgbClr val="BCBEC4"/>
+                  </a:solidFill>
+                  <a:effectLst/>
+                  <a:latin typeface="+mj-lt"/>
+                  <a:cs typeface="JetBrains Mono" panose="02000009000000000000" pitchFamily="49" charset="0"/>
+                </a:rPr>
+                <a:t>.info(</a:t>
+              </a:r>
+              <a:r>
+                <a:rPr kumimoji="0" lang="zh-TW" altLang="zh-TW" sz="1400" b="0" i="0" u="none" strike="noStrike" cap="none" normalizeH="0" baseline="0">
+                  <a:ln>
+                    <a:noFill/>
+                  </a:ln>
+                  <a:solidFill>
+                    <a:srgbClr val="6AAB73"/>
+                  </a:solidFill>
+                  <a:effectLst/>
+                  <a:latin typeface="+mj-lt"/>
+                  <a:cs typeface="JetBrains Mono" panose="02000009000000000000" pitchFamily="49" charset="0"/>
+                </a:rPr>
+                <a:t>"Registering Mod Items."</a:t>
+              </a:r>
+              <a:r>
+                <a:rPr kumimoji="0" lang="zh-TW" altLang="zh-TW" sz="1400" b="0" i="0" u="none" strike="noStrike" cap="none" normalizeH="0" baseline="0">
+                  <a:ln>
+                    <a:noFill/>
+                  </a:ln>
+                  <a:solidFill>
+                    <a:srgbClr val="BCBEC4"/>
+                  </a:solidFill>
+                  <a:effectLst/>
+                  <a:latin typeface="+mj-lt"/>
+                  <a:cs typeface="JetBrains Mono" panose="02000009000000000000" pitchFamily="49" charset="0"/>
+                </a:rPr>
+                <a:t>);</a:t>
+              </a:r>
+              <a:br>
+                <a:rPr kumimoji="0" lang="zh-TW" altLang="zh-TW" sz="1400" b="0" i="0" u="none" strike="noStrike" cap="none" normalizeH="0" baseline="0">
+                  <a:ln>
+                    <a:noFill/>
+                  </a:ln>
+                  <a:solidFill>
+                    <a:srgbClr val="BCBEC4"/>
+                  </a:solidFill>
+                  <a:effectLst/>
+                  <a:latin typeface="+mj-lt"/>
+                  <a:cs typeface="JetBrains Mono" panose="02000009000000000000" pitchFamily="49" charset="0"/>
+                </a:rPr>
+              </a:br>
+              <a:r>
+                <a:rPr kumimoji="0" lang="zh-TW" altLang="zh-TW" sz="1400" b="0" i="0" u="none" strike="noStrike" cap="none" normalizeH="0" baseline="0">
+                  <a:ln>
+                    <a:noFill/>
+                  </a:ln>
+                  <a:solidFill>
+                    <a:srgbClr val="BCBEC4"/>
+                  </a:solidFill>
+                  <a:effectLst/>
+                  <a:latin typeface="+mj-lt"/>
+                  <a:cs typeface="JetBrains Mono" panose="02000009000000000000" pitchFamily="49" charset="0"/>
+                </a:rPr>
+                <a:t>    }</a:t>
+              </a:r>
+              <a:br>
+                <a:rPr kumimoji="0" lang="zh-TW" altLang="zh-TW" sz="1400" b="0" i="0" u="none" strike="noStrike" cap="none" normalizeH="0" baseline="0">
+                  <a:ln>
+                    <a:noFill/>
+                  </a:ln>
+                  <a:solidFill>
+                    <a:srgbClr val="BCBEC4"/>
+                  </a:solidFill>
+                  <a:effectLst/>
+                  <a:latin typeface="+mj-lt"/>
+                  <a:cs typeface="JetBrains Mono" panose="02000009000000000000" pitchFamily="49" charset="0"/>
+                </a:rPr>
+              </a:br>
+              <a:r>
+                <a:rPr kumimoji="0" lang="zh-TW" altLang="zh-TW" sz="1400" b="0" i="0" u="none" strike="noStrike" cap="none" normalizeH="0" baseline="0">
+                  <a:ln>
+                    <a:noFill/>
+                  </a:ln>
+                  <a:solidFill>
+                    <a:srgbClr val="BCBEC4"/>
+                  </a:solidFill>
+                  <a:effectLst/>
+                  <a:latin typeface="+mj-lt"/>
+                  <a:cs typeface="JetBrains Mono" panose="02000009000000000000" pitchFamily="49" charset="0"/>
+                </a:rPr>
+                <a:t>}</a:t>
+              </a:r>
+              <a:endParaRPr kumimoji="0" lang="zh-TW" altLang="zh-TW" sz="1600" b="0" i="0" u="none" strike="noStrike" cap="none" normalizeH="0" baseline="0">
+                <a:ln>
+                  <a:noFill/>
+                </a:ln>
+                <a:solidFill>
+                  <a:schemeClr val="tx1"/>
+                </a:solidFill>
+                <a:effectLst/>
+                <a:latin typeface="+mj-lt"/>
+              </a:endParaRPr>
+            </a:p>
+          </p:txBody>
+        </p:sp>
+        <p:sp>
+          <p:nvSpPr>
+            <p:cNvPr id="10" name="文字方塊 9">
+              <a:extLst>
+                <a:ext uri="{FF2B5EF4-FFF2-40B4-BE49-F238E27FC236}">
+                  <a16:creationId xmlns:a16="http://schemas.microsoft.com/office/drawing/2014/main" id="{893925C7-3718-448B-ABEE-687FB76542C3}"/>
+                </a:ext>
+              </a:extLst>
+            </p:cNvPr>
+            <p:cNvSpPr txBox="1"/>
+            <p:nvPr/>
+          </p:nvSpPr>
+          <p:spPr>
+            <a:xfrm>
+              <a:off x="10565764" y="5488167"/>
+              <a:ext cx="1476686" cy="307777"/>
+            </a:xfrm>
+            <a:prstGeom prst="rect">
+              <a:avLst/>
+            </a:prstGeom>
+            <a:noFill/>
+          </p:spPr>
+          <p:txBody>
+            <a:bodyPr wrap="none" rtlCol="0">
+              <a:spAutoFit/>
+            </a:bodyPr>
+            <a:lstStyle/>
+            <a:p>
+              <a:pPr algn="r"/>
+              <a:r>
+                <a:rPr lang="en-US" altLang="zh-TW" sz="1400">
+                  <a:solidFill>
+                    <a:schemeClr val="accent3"/>
+                  </a:solidFill>
+                </a:rPr>
+                <a:t>ModItems.java</a:t>
+              </a:r>
+              <a:endParaRPr lang="zh-TW" altLang="en-US" sz="1400">
+                <a:solidFill>
+                  <a:schemeClr val="accent3"/>
+                </a:solidFill>
+              </a:endParaRPr>
+            </a:p>
+          </p:txBody>
+        </p:sp>
+      </p:grpSp>
+      <p:grpSp>
+        <p:nvGrpSpPr>
+          <p:cNvPr id="9" name="群組 8">
+            <a:extLst>
+              <a:ext uri="{FF2B5EF4-FFF2-40B4-BE49-F238E27FC236}">
+                <a16:creationId xmlns:a16="http://schemas.microsoft.com/office/drawing/2014/main" id="{FAEC25A9-FF52-422A-9899-60C73069E2FB}"/>
+              </a:ext>
+            </a:extLst>
+          </p:cNvPr>
+          <p:cNvGrpSpPr/>
+          <p:nvPr/>
+        </p:nvGrpSpPr>
+        <p:grpSpPr>
+          <a:xfrm>
+            <a:off x="4711646" y="177090"/>
+            <a:ext cx="7340471" cy="3108543"/>
+            <a:chOff x="838200" y="1825625"/>
+            <a:chExt cx="7340471" cy="3108543"/>
+          </a:xfrm>
+        </p:grpSpPr>
+        <p:sp>
+          <p:nvSpPr>
+            <p:cNvPr id="7" name="Rectangle 4">
+              <a:extLst>
+                <a:ext uri="{FF2B5EF4-FFF2-40B4-BE49-F238E27FC236}">
+                  <a16:creationId xmlns:a16="http://schemas.microsoft.com/office/drawing/2014/main" id="{E16819B8-C6BE-4E6C-8F51-CDA24FD86FA1}"/>
+                </a:ext>
+              </a:extLst>
+            </p:cNvPr>
+            <p:cNvSpPr>
+              <a:spLocks noChangeArrowheads="1"/>
+            </p:cNvSpPr>
+            <p:nvPr/>
+          </p:nvSpPr>
+          <p:spPr bwMode="auto">
+            <a:xfrm>
+              <a:off x="838200" y="1825625"/>
+              <a:ext cx="7340471" cy="3108543"/>
+            </a:xfrm>
+            <a:prstGeom prst="rect">
+              <a:avLst/>
+            </a:prstGeom>
+            <a:solidFill>
+              <a:srgbClr val="1E1F22"/>
+            </a:solidFill>
+            <a:ln w="9525">
+              <a:solidFill>
+                <a:schemeClr val="tx1"/>
+              </a:solidFill>
+              <a:miter lim="800000"/>
+              <a:headEnd/>
+              <a:tailEnd/>
+            </a:ln>
+            <a:effectLst/>
+            <a:extLst>
+              <a:ext uri="{AF507438-7753-43E0-B8FC-AC1667EBCBE1}">
+                <a14:hiddenEffects xmlns:a14="http://schemas.microsoft.com/office/drawing/2010/main">
+                  <a:effectLst>
+                    <a:outerShdw dist="35921" dir="2700000" algn="ctr" rotWithShape="0">
+                      <a:schemeClr val="bg2"/>
+                    </a:outerShdw>
+                  </a:effectLst>
+                </a14:hiddenEffects>
+              </a:ext>
+            </a:extLst>
+          </p:spPr>
+          <p:txBody>
+            <a:bodyPr vert="horz" wrap="none" lIns="91440" tIns="45720" rIns="91440" bIns="45720" numCol="1" anchor="ctr" anchorCtr="0" compatLnSpc="1">
+              <a:prstTxWarp prst="textNoShape">
+                <a:avLst/>
+              </a:prstTxWarp>
+              <a:spAutoFit/>
+            </a:bodyPr>
+            <a:lstStyle/>
+            <a:p>
+              <a:pPr marL="0" marR="0" lvl="0" indent="0" algn="l" defTabSz="914400" rtl="0" eaLnBrk="0" fontAlgn="base" latinLnBrk="0" hangingPunct="0">
+                <a:lnSpc>
+                  <a:spcPct val="100000"/>
+                </a:lnSpc>
+                <a:spcBef>
+                  <a:spcPct val="0"/>
+                </a:spcBef>
+                <a:spcAft>
+                  <a:spcPct val="0"/>
+                </a:spcAft>
+                <a:buClrTx/>
+                <a:buSzTx/>
+                <a:buFontTx/>
+                <a:buNone/>
+                <a:tabLst/>
+              </a:pPr>
+              <a:r>
+                <a:rPr kumimoji="0" lang="zh-TW" altLang="zh-TW" sz="1400" b="0" i="0" u="none" strike="noStrike" cap="none" normalizeH="0" baseline="0">
+                  <a:ln>
+                    <a:noFill/>
+                  </a:ln>
+                  <a:solidFill>
+                    <a:srgbClr val="CF8E6D"/>
+                  </a:solidFill>
+                  <a:effectLst/>
+                  <a:latin typeface="+mj-lt"/>
+                  <a:cs typeface="JetBrains Mono" panose="02000009000000000000" pitchFamily="49" charset="0"/>
+                </a:rPr>
+                <a:t>package </a:t>
+              </a:r>
+              <a:r>
+                <a:rPr kumimoji="0" lang="zh-TW" altLang="zh-TW" sz="1400" b="0" i="0" u="none" strike="noStrike" cap="none" normalizeH="0" baseline="0">
+                  <a:ln>
+                    <a:noFill/>
+                  </a:ln>
+                  <a:solidFill>
+                    <a:srgbClr val="BCBEC4"/>
+                  </a:solidFill>
+                  <a:effectLst/>
+                  <a:latin typeface="+mj-lt"/>
+                  <a:cs typeface="JetBrains Mono" panose="02000009000000000000" pitchFamily="49" charset="0"/>
+                </a:rPr>
+                <a:t>org.tyic;</a:t>
+              </a:r>
+              <a:br>
+                <a:rPr kumimoji="0" lang="zh-TW" altLang="zh-TW" sz="1400" b="0" i="0" u="none" strike="noStrike" cap="none" normalizeH="0" baseline="0">
+                  <a:ln>
+                    <a:noFill/>
+                  </a:ln>
+                  <a:solidFill>
+                    <a:srgbClr val="BCBEC4"/>
+                  </a:solidFill>
+                  <a:effectLst/>
+                  <a:latin typeface="+mj-lt"/>
+                  <a:cs typeface="JetBrains Mono" panose="02000009000000000000" pitchFamily="49" charset="0"/>
+                </a:rPr>
+              </a:br>
+              <a:br>
+                <a:rPr kumimoji="0" lang="zh-TW" altLang="zh-TW" sz="1400" b="0" i="0" u="none" strike="noStrike" cap="none" normalizeH="0" baseline="0">
+                  <a:ln>
+                    <a:noFill/>
+                  </a:ln>
+                  <a:solidFill>
+                    <a:srgbClr val="BCBEC4"/>
+                  </a:solidFill>
+                  <a:effectLst/>
+                  <a:latin typeface="+mj-lt"/>
+                  <a:cs typeface="JetBrains Mono" panose="02000009000000000000" pitchFamily="49" charset="0"/>
+                </a:rPr>
+              </a:br>
+              <a:r>
+                <a:rPr kumimoji="0" lang="zh-TW" altLang="zh-TW" sz="1400" b="0" i="0" u="none" strike="noStrike" cap="none" normalizeH="0" baseline="0">
+                  <a:ln>
+                    <a:noFill/>
+                  </a:ln>
+                  <a:solidFill>
+                    <a:srgbClr val="CF8E6D"/>
+                  </a:solidFill>
+                  <a:effectLst/>
+                  <a:latin typeface="+mj-lt"/>
+                  <a:cs typeface="JetBrains Mono" panose="02000009000000000000" pitchFamily="49" charset="0"/>
+                </a:rPr>
+                <a:t>import</a:t>
+              </a:r>
+              <a:r>
+                <a:rPr kumimoji="0" lang="en-US" altLang="zh-TW" sz="1400" b="0" i="0" u="none" strike="noStrike" cap="none" normalizeH="0" baseline="0">
+                  <a:ln>
+                    <a:noFill/>
+                  </a:ln>
+                  <a:solidFill>
+                    <a:srgbClr val="CF8E6D"/>
+                  </a:solidFill>
+                  <a:effectLst/>
+                  <a:latin typeface="+mj-lt"/>
+                  <a:cs typeface="JetBrains Mono" panose="02000009000000000000" pitchFamily="49" charset="0"/>
+                </a:rPr>
+                <a:t> </a:t>
+              </a:r>
+              <a:r>
+                <a:rPr lang="en-US" altLang="zh-TW" sz="1400">
+                  <a:solidFill>
+                    <a:srgbClr val="BCBEC4"/>
+                  </a:solidFill>
+                  <a:latin typeface="+mj-lt"/>
+                  <a:cs typeface="JetBrains Mono" panose="02000009000000000000" pitchFamily="49" charset="0"/>
+                </a:rPr>
+                <a:t>(...)</a:t>
+              </a:r>
+              <a:br>
+                <a:rPr kumimoji="0" lang="zh-TW" altLang="zh-TW" sz="1400" b="0" i="0" u="none" strike="noStrike" cap="none" normalizeH="0" baseline="0">
+                  <a:ln>
+                    <a:noFill/>
+                  </a:ln>
+                  <a:solidFill>
+                    <a:srgbClr val="BCBEC4"/>
+                  </a:solidFill>
+                  <a:effectLst/>
+                  <a:latin typeface="+mj-lt"/>
+                  <a:cs typeface="JetBrains Mono" panose="02000009000000000000" pitchFamily="49" charset="0"/>
+                </a:rPr>
+              </a:br>
+              <a:br>
+                <a:rPr kumimoji="0" lang="zh-TW" altLang="zh-TW" sz="1400" b="0" i="0" u="none" strike="noStrike" cap="none" normalizeH="0" baseline="0">
+                  <a:ln>
+                    <a:noFill/>
+                  </a:ln>
+                  <a:solidFill>
+                    <a:srgbClr val="BCBEC4"/>
+                  </a:solidFill>
+                  <a:effectLst/>
+                  <a:latin typeface="+mj-lt"/>
+                  <a:cs typeface="JetBrains Mono" panose="02000009000000000000" pitchFamily="49" charset="0"/>
+                </a:rPr>
+              </a:br>
+              <a:r>
+                <a:rPr kumimoji="0" lang="zh-TW" altLang="zh-TW" sz="1400" b="0" i="0" u="none" strike="noStrike" cap="none" normalizeH="0" baseline="0">
+                  <a:ln>
+                    <a:noFill/>
+                  </a:ln>
+                  <a:solidFill>
+                    <a:srgbClr val="CF8E6D"/>
+                  </a:solidFill>
+                  <a:effectLst/>
+                  <a:latin typeface="+mj-lt"/>
+                  <a:cs typeface="JetBrains Mono" panose="02000009000000000000" pitchFamily="49" charset="0"/>
+                </a:rPr>
+                <a:t>public class </a:t>
+              </a:r>
+              <a:r>
+                <a:rPr kumimoji="0" lang="zh-TW" altLang="zh-TW" sz="1400" b="0" i="0" u="none" strike="noStrike" cap="none" normalizeH="0" baseline="0">
+                  <a:ln>
+                    <a:noFill/>
+                  </a:ln>
+                  <a:solidFill>
+                    <a:srgbClr val="BCBEC4"/>
+                  </a:solidFill>
+                  <a:effectLst/>
+                  <a:latin typeface="+mj-lt"/>
+                  <a:cs typeface="JetBrains Mono" panose="02000009000000000000" pitchFamily="49" charset="0"/>
+                </a:rPr>
+                <a:t>TyicMod </a:t>
+              </a:r>
+              <a:r>
+                <a:rPr kumimoji="0" lang="zh-TW" altLang="zh-TW" sz="1400" b="0" i="0" u="none" strike="noStrike" cap="none" normalizeH="0" baseline="0">
+                  <a:ln>
+                    <a:noFill/>
+                  </a:ln>
+                  <a:solidFill>
+                    <a:srgbClr val="CF8E6D"/>
+                  </a:solidFill>
+                  <a:effectLst/>
+                  <a:latin typeface="+mj-lt"/>
+                  <a:cs typeface="JetBrains Mono" panose="02000009000000000000" pitchFamily="49" charset="0"/>
+                </a:rPr>
+                <a:t>implements </a:t>
+              </a:r>
+              <a:r>
+                <a:rPr kumimoji="0" lang="zh-TW" altLang="zh-TW" sz="1400" b="0" i="0" u="none" strike="noStrike" cap="none" normalizeH="0" baseline="0">
+                  <a:ln>
+                    <a:noFill/>
+                  </a:ln>
+                  <a:solidFill>
+                    <a:srgbClr val="BCBEC4"/>
+                  </a:solidFill>
+                  <a:effectLst/>
+                  <a:latin typeface="+mj-lt"/>
+                  <a:cs typeface="JetBrains Mono" panose="02000009000000000000" pitchFamily="49" charset="0"/>
+                </a:rPr>
+                <a:t>ModInitializer {</a:t>
+              </a:r>
+              <a:br>
+                <a:rPr kumimoji="0" lang="zh-TW" altLang="zh-TW" sz="1400" b="0" i="0" u="none" strike="noStrike" cap="none" normalizeH="0" baseline="0">
+                  <a:ln>
+                    <a:noFill/>
+                  </a:ln>
+                  <a:solidFill>
+                    <a:srgbClr val="BCBEC4"/>
+                  </a:solidFill>
+                  <a:effectLst/>
+                  <a:latin typeface="+mj-lt"/>
+                  <a:cs typeface="JetBrains Mono" panose="02000009000000000000" pitchFamily="49" charset="0"/>
+                </a:rPr>
+              </a:br>
+              <a:r>
+                <a:rPr kumimoji="0" lang="zh-TW" altLang="zh-TW" sz="1400" b="0" i="0" u="none" strike="noStrike" cap="none" normalizeH="0" baseline="0">
+                  <a:ln>
+                    <a:noFill/>
+                  </a:ln>
+                  <a:solidFill>
+                    <a:srgbClr val="BCBEC4"/>
+                  </a:solidFill>
+                  <a:effectLst/>
+                  <a:latin typeface="+mj-lt"/>
+                  <a:cs typeface="JetBrains Mono" panose="02000009000000000000" pitchFamily="49" charset="0"/>
+                </a:rPr>
+                <a:t>    </a:t>
+              </a:r>
+              <a:r>
+                <a:rPr kumimoji="0" lang="zh-TW" altLang="zh-TW" sz="1400" b="0" i="0" u="none" strike="noStrike" cap="none" normalizeH="0" baseline="0">
+                  <a:ln>
+                    <a:noFill/>
+                  </a:ln>
+                  <a:solidFill>
+                    <a:srgbClr val="CF8E6D"/>
+                  </a:solidFill>
+                  <a:effectLst/>
+                  <a:latin typeface="+mj-lt"/>
+                  <a:cs typeface="JetBrains Mono" panose="02000009000000000000" pitchFamily="49" charset="0"/>
+                </a:rPr>
+                <a:t>public static final </a:t>
+              </a:r>
+              <a:r>
+                <a:rPr kumimoji="0" lang="zh-TW" altLang="zh-TW" sz="1400" b="0" i="0" u="none" strike="noStrike" cap="none" normalizeH="0" baseline="0">
+                  <a:ln>
+                    <a:noFill/>
+                  </a:ln>
+                  <a:solidFill>
+                    <a:srgbClr val="BCBEC4"/>
+                  </a:solidFill>
+                  <a:effectLst/>
+                  <a:latin typeface="+mj-lt"/>
+                  <a:cs typeface="JetBrains Mono" panose="02000009000000000000" pitchFamily="49" charset="0"/>
+                </a:rPr>
+                <a:t>String </a:t>
+              </a:r>
+              <a:r>
+                <a:rPr kumimoji="0" lang="zh-TW" altLang="zh-TW" sz="1400" b="0" i="1" u="none" strike="noStrike" cap="none" normalizeH="0" baseline="0">
+                  <a:ln>
+                    <a:noFill/>
+                  </a:ln>
+                  <a:solidFill>
+                    <a:srgbClr val="C77DBB"/>
+                  </a:solidFill>
+                  <a:effectLst/>
+                  <a:latin typeface="+mj-lt"/>
+                  <a:cs typeface="JetBrains Mono" panose="02000009000000000000" pitchFamily="49" charset="0"/>
+                </a:rPr>
+                <a:t>MOD_ID </a:t>
+              </a:r>
+              <a:r>
+                <a:rPr kumimoji="0" lang="zh-TW" altLang="zh-TW" sz="1400" b="0" i="0" u="none" strike="noStrike" cap="none" normalizeH="0" baseline="0">
+                  <a:ln>
+                    <a:noFill/>
+                  </a:ln>
+                  <a:solidFill>
+                    <a:srgbClr val="BCBEC4"/>
+                  </a:solidFill>
+                  <a:effectLst/>
+                  <a:latin typeface="+mj-lt"/>
+                  <a:cs typeface="JetBrains Mono" panose="02000009000000000000" pitchFamily="49" charset="0"/>
+                </a:rPr>
+                <a:t>= </a:t>
+              </a:r>
+              <a:r>
+                <a:rPr kumimoji="0" lang="zh-TW" altLang="zh-TW" sz="1400" b="0" i="0" u="none" strike="noStrike" cap="none" normalizeH="0" baseline="0">
+                  <a:ln>
+                    <a:noFill/>
+                  </a:ln>
+                  <a:solidFill>
+                    <a:srgbClr val="6AAB73"/>
+                  </a:solidFill>
+                  <a:effectLst/>
+                  <a:latin typeface="+mj-lt"/>
+                  <a:cs typeface="JetBrains Mono" panose="02000009000000000000" pitchFamily="49" charset="0"/>
+                </a:rPr>
+                <a:t>"tyicmod"</a:t>
+              </a:r>
+              <a:r>
+                <a:rPr kumimoji="0" lang="zh-TW" altLang="zh-TW" sz="1400" b="0" i="0" u="none" strike="noStrike" cap="none" normalizeH="0" baseline="0">
+                  <a:ln>
+                    <a:noFill/>
+                  </a:ln>
+                  <a:solidFill>
+                    <a:srgbClr val="BCBEC4"/>
+                  </a:solidFill>
+                  <a:effectLst/>
+                  <a:latin typeface="+mj-lt"/>
+                  <a:cs typeface="JetBrains Mono" panose="02000009000000000000" pitchFamily="49" charset="0"/>
+                </a:rPr>
+                <a:t>;</a:t>
+              </a:r>
+              <a:br>
+                <a:rPr kumimoji="0" lang="zh-TW" altLang="zh-TW" sz="1400" b="0" i="0" u="none" strike="noStrike" cap="none" normalizeH="0" baseline="0">
+                  <a:ln>
+                    <a:noFill/>
+                  </a:ln>
+                  <a:solidFill>
+                    <a:srgbClr val="BCBEC4"/>
+                  </a:solidFill>
+                  <a:effectLst/>
+                  <a:latin typeface="+mj-lt"/>
+                  <a:cs typeface="JetBrains Mono" panose="02000009000000000000" pitchFamily="49" charset="0"/>
+                </a:rPr>
+              </a:br>
+              <a:br>
+                <a:rPr kumimoji="0" lang="zh-TW" altLang="zh-TW" sz="1400" b="0" i="0" u="none" strike="noStrike" cap="none" normalizeH="0" baseline="0">
+                  <a:ln>
+                    <a:noFill/>
+                  </a:ln>
+                  <a:solidFill>
+                    <a:srgbClr val="7A7E85"/>
+                  </a:solidFill>
+                  <a:effectLst/>
+                  <a:latin typeface="+mj-lt"/>
+                  <a:cs typeface="JetBrains Mono" panose="02000009000000000000" pitchFamily="49" charset="0"/>
+                </a:rPr>
+              </a:br>
+              <a:r>
+                <a:rPr kumimoji="0" lang="zh-TW" altLang="zh-TW" sz="1400" b="0" i="0" u="none" strike="noStrike" cap="none" normalizeH="0" baseline="0">
+                  <a:ln>
+                    <a:noFill/>
+                  </a:ln>
+                  <a:solidFill>
+                    <a:srgbClr val="7A7E85"/>
+                  </a:solidFill>
+                  <a:effectLst/>
+                  <a:latin typeface="+mj-lt"/>
+                  <a:cs typeface="JetBrains Mono" panose="02000009000000000000" pitchFamily="49" charset="0"/>
+                </a:rPr>
+                <a:t>    </a:t>
+              </a:r>
+              <a:r>
+                <a:rPr kumimoji="0" lang="zh-TW" altLang="zh-TW" sz="1400" b="0" i="0" u="none" strike="noStrike" cap="none" normalizeH="0" baseline="0">
+                  <a:ln>
+                    <a:noFill/>
+                  </a:ln>
+                  <a:solidFill>
+                    <a:srgbClr val="CF8E6D"/>
+                  </a:solidFill>
+                  <a:effectLst/>
+                  <a:latin typeface="+mj-lt"/>
+                  <a:cs typeface="JetBrains Mono" panose="02000009000000000000" pitchFamily="49" charset="0"/>
+                </a:rPr>
+                <a:t>public static final </a:t>
+              </a:r>
+              <a:r>
+                <a:rPr kumimoji="0" lang="zh-TW" altLang="zh-TW" sz="1400" b="0" i="0" u="none" strike="noStrike" cap="none" normalizeH="0" baseline="0">
+                  <a:ln>
+                    <a:noFill/>
+                  </a:ln>
+                  <a:solidFill>
+                    <a:srgbClr val="BCBEC4"/>
+                  </a:solidFill>
+                  <a:effectLst/>
+                  <a:latin typeface="+mj-lt"/>
+                  <a:cs typeface="JetBrains Mono" panose="02000009000000000000" pitchFamily="49" charset="0"/>
+                </a:rPr>
+                <a:t>Logger </a:t>
+              </a:r>
+              <a:r>
+                <a:rPr kumimoji="0" lang="zh-TW" altLang="zh-TW" sz="1400" b="0" i="1" u="none" strike="noStrike" cap="none" normalizeH="0" baseline="0">
+                  <a:ln>
+                    <a:noFill/>
+                  </a:ln>
+                  <a:solidFill>
+                    <a:srgbClr val="C77DBB"/>
+                  </a:solidFill>
+                  <a:effectLst/>
+                  <a:latin typeface="+mj-lt"/>
+                  <a:cs typeface="JetBrains Mono" panose="02000009000000000000" pitchFamily="49" charset="0"/>
+                </a:rPr>
+                <a:t>LOGGER </a:t>
+              </a:r>
+              <a:r>
+                <a:rPr kumimoji="0" lang="zh-TW" altLang="zh-TW" sz="1400" b="0" i="0" u="none" strike="noStrike" cap="none" normalizeH="0" baseline="0">
+                  <a:ln>
+                    <a:noFill/>
+                  </a:ln>
+                  <a:solidFill>
+                    <a:srgbClr val="BCBEC4"/>
+                  </a:solidFill>
+                  <a:effectLst/>
+                  <a:latin typeface="+mj-lt"/>
+                  <a:cs typeface="JetBrains Mono" panose="02000009000000000000" pitchFamily="49" charset="0"/>
+                </a:rPr>
+                <a:t>= LoggerFactory.</a:t>
+              </a:r>
+              <a:r>
+                <a:rPr kumimoji="0" lang="zh-TW" altLang="zh-TW" sz="1400" b="0" i="1" u="none" strike="noStrike" cap="none" normalizeH="0" baseline="0">
+                  <a:ln>
+                    <a:noFill/>
+                  </a:ln>
+                  <a:solidFill>
+                    <a:srgbClr val="BCBEC4"/>
+                  </a:solidFill>
+                  <a:effectLst/>
+                  <a:latin typeface="+mj-lt"/>
+                  <a:cs typeface="JetBrains Mono" panose="02000009000000000000" pitchFamily="49" charset="0"/>
+                </a:rPr>
+                <a:t>getLogger</a:t>
+              </a:r>
+              <a:r>
+                <a:rPr kumimoji="0" lang="zh-TW" altLang="zh-TW" sz="1400" b="0" i="0" u="none" strike="noStrike" cap="none" normalizeH="0" baseline="0">
+                  <a:ln>
+                    <a:noFill/>
+                  </a:ln>
+                  <a:solidFill>
+                    <a:srgbClr val="BCBEC4"/>
+                  </a:solidFill>
+                  <a:effectLst/>
+                  <a:latin typeface="+mj-lt"/>
+                  <a:cs typeface="JetBrains Mono" panose="02000009000000000000" pitchFamily="49" charset="0"/>
+                </a:rPr>
+                <a:t>(</a:t>
+              </a:r>
+              <a:r>
+                <a:rPr kumimoji="0" lang="zh-TW" altLang="zh-TW" sz="1400" b="0" i="1" u="none" strike="noStrike" cap="none" normalizeH="0" baseline="0">
+                  <a:ln>
+                    <a:noFill/>
+                  </a:ln>
+                  <a:solidFill>
+                    <a:srgbClr val="C77DBB"/>
+                  </a:solidFill>
+                  <a:effectLst/>
+                  <a:latin typeface="+mj-lt"/>
+                  <a:cs typeface="JetBrains Mono" panose="02000009000000000000" pitchFamily="49" charset="0"/>
+                </a:rPr>
+                <a:t>MOD_ID</a:t>
+              </a:r>
+              <a:r>
+                <a:rPr kumimoji="0" lang="zh-TW" altLang="zh-TW" sz="1400" b="0" i="0" u="none" strike="noStrike" cap="none" normalizeH="0" baseline="0">
+                  <a:ln>
+                    <a:noFill/>
+                  </a:ln>
+                  <a:solidFill>
+                    <a:srgbClr val="BCBEC4"/>
+                  </a:solidFill>
+                  <a:effectLst/>
+                  <a:latin typeface="+mj-lt"/>
+                  <a:cs typeface="JetBrains Mono" panose="02000009000000000000" pitchFamily="49" charset="0"/>
+                </a:rPr>
+                <a:t>);</a:t>
+              </a:r>
+              <a:br>
+                <a:rPr kumimoji="0" lang="zh-TW" altLang="zh-TW" sz="1400" b="0" i="0" u="none" strike="noStrike" cap="none" normalizeH="0" baseline="0">
+                  <a:ln>
+                    <a:noFill/>
+                  </a:ln>
+                  <a:solidFill>
+                    <a:srgbClr val="BCBEC4"/>
+                  </a:solidFill>
+                  <a:effectLst/>
+                  <a:latin typeface="+mj-lt"/>
+                  <a:cs typeface="JetBrains Mono" panose="02000009000000000000" pitchFamily="49" charset="0"/>
+                </a:rPr>
+              </a:br>
+              <a:br>
+                <a:rPr kumimoji="0" lang="zh-TW" altLang="zh-TW" sz="1400" b="0" i="0" u="none" strike="noStrike" cap="none" normalizeH="0" baseline="0">
+                  <a:ln>
+                    <a:noFill/>
+                  </a:ln>
+                  <a:solidFill>
+                    <a:srgbClr val="BCBEC4"/>
+                  </a:solidFill>
+                  <a:effectLst/>
+                  <a:latin typeface="+mj-lt"/>
+                  <a:cs typeface="JetBrains Mono" panose="02000009000000000000" pitchFamily="49" charset="0"/>
+                </a:rPr>
+              </a:br>
+              <a:r>
+                <a:rPr kumimoji="0" lang="zh-TW" altLang="zh-TW" sz="1400" b="0" i="0" u="none" strike="noStrike" cap="none" normalizeH="0" baseline="0">
+                  <a:ln>
+                    <a:noFill/>
+                  </a:ln>
+                  <a:solidFill>
+                    <a:srgbClr val="BCBEC4"/>
+                  </a:solidFill>
+                  <a:effectLst/>
+                  <a:latin typeface="+mj-lt"/>
+                  <a:cs typeface="JetBrains Mono" panose="02000009000000000000" pitchFamily="49" charset="0"/>
+                </a:rPr>
+                <a:t>    </a:t>
+              </a:r>
+              <a:r>
+                <a:rPr kumimoji="0" lang="zh-TW" altLang="zh-TW" sz="1400" b="0" i="0" u="none" strike="noStrike" cap="none" normalizeH="0" baseline="0">
+                  <a:ln>
+                    <a:noFill/>
+                  </a:ln>
+                  <a:solidFill>
+                    <a:srgbClr val="B3AE60"/>
+                  </a:solidFill>
+                  <a:effectLst/>
+                  <a:latin typeface="+mj-lt"/>
+                  <a:cs typeface="JetBrains Mono" panose="02000009000000000000" pitchFamily="49" charset="0"/>
+                </a:rPr>
+                <a:t>@Override</a:t>
+              </a:r>
+              <a:br>
+                <a:rPr kumimoji="0" lang="zh-TW" altLang="zh-TW" sz="1400" b="0" i="0" u="none" strike="noStrike" cap="none" normalizeH="0" baseline="0">
+                  <a:ln>
+                    <a:noFill/>
+                  </a:ln>
+                  <a:solidFill>
+                    <a:srgbClr val="B3AE60"/>
+                  </a:solidFill>
+                  <a:effectLst/>
+                  <a:latin typeface="+mj-lt"/>
+                  <a:cs typeface="JetBrains Mono" panose="02000009000000000000" pitchFamily="49" charset="0"/>
+                </a:rPr>
+              </a:br>
+              <a:r>
+                <a:rPr kumimoji="0" lang="zh-TW" altLang="zh-TW" sz="1400" b="0" i="0" u="none" strike="noStrike" cap="none" normalizeH="0" baseline="0">
+                  <a:ln>
+                    <a:noFill/>
+                  </a:ln>
+                  <a:solidFill>
+                    <a:srgbClr val="B3AE60"/>
+                  </a:solidFill>
+                  <a:effectLst/>
+                  <a:latin typeface="+mj-lt"/>
+                  <a:cs typeface="JetBrains Mono" panose="02000009000000000000" pitchFamily="49" charset="0"/>
+                </a:rPr>
+                <a:t>    </a:t>
+              </a:r>
+              <a:r>
+                <a:rPr kumimoji="0" lang="zh-TW" altLang="zh-TW" sz="1400" b="0" i="0" u="none" strike="noStrike" cap="none" normalizeH="0" baseline="0">
+                  <a:ln>
+                    <a:noFill/>
+                  </a:ln>
+                  <a:solidFill>
+                    <a:srgbClr val="CF8E6D"/>
+                  </a:solidFill>
+                  <a:effectLst/>
+                  <a:latin typeface="+mj-lt"/>
+                  <a:cs typeface="JetBrains Mono" panose="02000009000000000000" pitchFamily="49" charset="0"/>
+                </a:rPr>
+                <a:t>public void </a:t>
+              </a:r>
+              <a:r>
+                <a:rPr kumimoji="0" lang="zh-TW" altLang="zh-TW" sz="1400" b="0" i="0" u="none" strike="noStrike" cap="none" normalizeH="0" baseline="0">
+                  <a:ln>
+                    <a:noFill/>
+                  </a:ln>
+                  <a:solidFill>
+                    <a:srgbClr val="56A8F5"/>
+                  </a:solidFill>
+                  <a:effectLst/>
+                  <a:latin typeface="+mj-lt"/>
+                  <a:cs typeface="JetBrains Mono" panose="02000009000000000000" pitchFamily="49" charset="0"/>
+                </a:rPr>
+                <a:t>onInitialize</a:t>
+              </a:r>
+              <a:r>
+                <a:rPr kumimoji="0" lang="zh-TW" altLang="zh-TW" sz="1400" b="0" i="0" u="none" strike="noStrike" cap="none" normalizeH="0" baseline="0">
+                  <a:ln>
+                    <a:noFill/>
+                  </a:ln>
+                  <a:solidFill>
+                    <a:srgbClr val="BCBEC4"/>
+                  </a:solidFill>
+                  <a:effectLst/>
+                  <a:latin typeface="+mj-lt"/>
+                  <a:cs typeface="JetBrains Mono" panose="02000009000000000000" pitchFamily="49" charset="0"/>
+                </a:rPr>
+                <a:t>() {</a:t>
+              </a:r>
+              <a:br>
+                <a:rPr kumimoji="0" lang="zh-TW" altLang="zh-TW" sz="1400" b="0" i="0" u="none" strike="noStrike" cap="none" normalizeH="0" baseline="0">
+                  <a:ln>
+                    <a:noFill/>
+                  </a:ln>
+                  <a:solidFill>
+                    <a:srgbClr val="7A7E85"/>
+                  </a:solidFill>
+                  <a:effectLst/>
+                  <a:latin typeface="+mj-lt"/>
+                  <a:cs typeface="JetBrains Mono" panose="02000009000000000000" pitchFamily="49" charset="0"/>
+                </a:rPr>
+              </a:br>
+              <a:r>
+                <a:rPr kumimoji="0" lang="zh-TW" altLang="zh-TW" sz="1400" b="0" i="0" u="none" strike="noStrike" cap="none" normalizeH="0" baseline="0">
+                  <a:ln>
+                    <a:noFill/>
+                  </a:ln>
+                  <a:solidFill>
+                    <a:srgbClr val="7A7E85"/>
+                  </a:solidFill>
+                  <a:effectLst/>
+                  <a:latin typeface="+mj-lt"/>
+                  <a:cs typeface="JetBrains Mono" panose="02000009000000000000" pitchFamily="49" charset="0"/>
+                </a:rPr>
+                <a:t>        </a:t>
+              </a:r>
+              <a:r>
+                <a:rPr kumimoji="0" lang="zh-TW" altLang="zh-TW" sz="1400" b="0" i="0" u="none" strike="noStrike" cap="none" normalizeH="0" baseline="0">
+                  <a:ln>
+                    <a:noFill/>
+                  </a:ln>
+                  <a:solidFill>
+                    <a:srgbClr val="BCBEC4"/>
+                  </a:solidFill>
+                  <a:effectLst/>
+                  <a:latin typeface="+mj-lt"/>
+                  <a:cs typeface="JetBrains Mono" panose="02000009000000000000" pitchFamily="49" charset="0"/>
+                </a:rPr>
+                <a:t>ModItems.</a:t>
+              </a:r>
+              <a:r>
+                <a:rPr kumimoji="0" lang="zh-TW" altLang="zh-TW" sz="1400" b="0" i="1" u="none" strike="noStrike" cap="none" normalizeH="0" baseline="0">
+                  <a:ln>
+                    <a:noFill/>
+                  </a:ln>
+                  <a:solidFill>
+                    <a:srgbClr val="BCBEC4"/>
+                  </a:solidFill>
+                  <a:effectLst/>
+                  <a:latin typeface="+mj-lt"/>
+                  <a:cs typeface="JetBrains Mono" panose="02000009000000000000" pitchFamily="49" charset="0"/>
+                </a:rPr>
+                <a:t>registerAll</a:t>
+              </a:r>
+              <a:r>
+                <a:rPr kumimoji="0" lang="zh-TW" altLang="zh-TW" sz="1400" b="0" i="0" u="none" strike="noStrike" cap="none" normalizeH="0" baseline="0">
+                  <a:ln>
+                    <a:noFill/>
+                  </a:ln>
+                  <a:solidFill>
+                    <a:srgbClr val="BCBEC4"/>
+                  </a:solidFill>
+                  <a:effectLst/>
+                  <a:latin typeface="+mj-lt"/>
+                  <a:cs typeface="JetBrains Mono" panose="02000009000000000000" pitchFamily="49" charset="0"/>
+                </a:rPr>
+                <a:t>();</a:t>
+              </a:r>
+              <a:br>
+                <a:rPr kumimoji="0" lang="zh-TW" altLang="zh-TW" sz="1400" b="0" i="0" u="none" strike="noStrike" cap="none" normalizeH="0" baseline="0">
+                  <a:ln>
+                    <a:noFill/>
+                  </a:ln>
+                  <a:solidFill>
+                    <a:srgbClr val="BCBEC4"/>
+                  </a:solidFill>
+                  <a:effectLst/>
+                  <a:latin typeface="+mj-lt"/>
+                  <a:cs typeface="JetBrains Mono" panose="02000009000000000000" pitchFamily="49" charset="0"/>
+                </a:rPr>
+              </a:br>
+              <a:r>
+                <a:rPr kumimoji="0" lang="zh-TW" altLang="zh-TW" sz="1400" b="0" i="0" u="none" strike="noStrike" cap="none" normalizeH="0" baseline="0">
+                  <a:ln>
+                    <a:noFill/>
+                  </a:ln>
+                  <a:solidFill>
+                    <a:srgbClr val="BCBEC4"/>
+                  </a:solidFill>
+                  <a:effectLst/>
+                  <a:latin typeface="+mj-lt"/>
+                  <a:cs typeface="JetBrains Mono" panose="02000009000000000000" pitchFamily="49" charset="0"/>
+                </a:rPr>
+                <a:t>    }</a:t>
+              </a:r>
+              <a:br>
+                <a:rPr kumimoji="0" lang="zh-TW" altLang="zh-TW" sz="1400" b="0" i="0" u="none" strike="noStrike" cap="none" normalizeH="0" baseline="0">
+                  <a:ln>
+                    <a:noFill/>
+                  </a:ln>
+                  <a:solidFill>
+                    <a:srgbClr val="BCBEC4"/>
+                  </a:solidFill>
+                  <a:effectLst/>
+                  <a:latin typeface="+mj-lt"/>
+                  <a:cs typeface="JetBrains Mono" panose="02000009000000000000" pitchFamily="49" charset="0"/>
+                </a:rPr>
+              </a:br>
+              <a:r>
+                <a:rPr kumimoji="0" lang="zh-TW" altLang="zh-TW" sz="1400" b="0" i="0" u="none" strike="noStrike" cap="none" normalizeH="0" baseline="0">
+                  <a:ln>
+                    <a:noFill/>
+                  </a:ln>
+                  <a:solidFill>
+                    <a:srgbClr val="BCBEC4"/>
+                  </a:solidFill>
+                  <a:effectLst/>
+                  <a:latin typeface="+mj-lt"/>
+                  <a:cs typeface="JetBrains Mono" panose="02000009000000000000" pitchFamily="49" charset="0"/>
+                </a:rPr>
+                <a:t>}</a:t>
+              </a:r>
+              <a:endParaRPr kumimoji="0" lang="zh-TW" altLang="zh-TW" sz="1600" b="0" i="0" u="none" strike="noStrike" cap="none" normalizeH="0" baseline="0">
+                <a:ln>
+                  <a:noFill/>
+                </a:ln>
+                <a:solidFill>
+                  <a:schemeClr val="tx1"/>
+                </a:solidFill>
+                <a:effectLst/>
+                <a:latin typeface="+mj-lt"/>
+              </a:endParaRPr>
+            </a:p>
+          </p:txBody>
+        </p:sp>
+        <p:sp>
+          <p:nvSpPr>
+            <p:cNvPr id="8" name="文字方塊 7">
+              <a:extLst>
+                <a:ext uri="{FF2B5EF4-FFF2-40B4-BE49-F238E27FC236}">
+                  <a16:creationId xmlns:a16="http://schemas.microsoft.com/office/drawing/2014/main" id="{4FF2C40C-2E11-470B-AD3F-B6DD641A0A65}"/>
+                </a:ext>
+              </a:extLst>
+            </p:cNvPr>
+            <p:cNvSpPr txBox="1"/>
+            <p:nvPr/>
+          </p:nvSpPr>
+          <p:spPr>
+            <a:xfrm>
+              <a:off x="6801371" y="4626391"/>
+              <a:ext cx="1377300" cy="307777"/>
+            </a:xfrm>
+            <a:prstGeom prst="rect">
+              <a:avLst/>
+            </a:prstGeom>
+            <a:noFill/>
+          </p:spPr>
+          <p:txBody>
+            <a:bodyPr wrap="none" rtlCol="0">
+              <a:spAutoFit/>
+            </a:bodyPr>
+            <a:lstStyle/>
+            <a:p>
+              <a:r>
+                <a:rPr lang="en-US" altLang="zh-TW" sz="1400">
+                  <a:solidFill>
+                    <a:schemeClr val="accent3"/>
+                  </a:solidFill>
+                </a:rPr>
+                <a:t>TyicMod.java</a:t>
+              </a:r>
+              <a:endParaRPr lang="zh-TW" altLang="en-US" sz="1400">
+                <a:solidFill>
+                  <a:schemeClr val="accent3"/>
+                </a:solidFill>
+              </a:endParaRPr>
+            </a:p>
+          </p:txBody>
+        </p:sp>
+      </p:grpSp>
+    </p:spTree>
+    <p:extLst>
+      <p:ext uri="{BB962C8B-B14F-4D97-AF65-F5344CB8AC3E}">
+        <p14:creationId xmlns:p14="http://schemas.microsoft.com/office/powerpoint/2010/main" val="3684379951"/>
       </p:ext>
     </p:extLst>
   </p:cSld>

--- a/ppt/51_Java 專案：物品.pptx
+++ b/ppt/51_Java 專案：物品.pptx
@@ -2,7 +2,7 @@
 <file path=ppt/presentation.xml><?xml version="1.0" encoding="utf-8"?>
 <p:presentation xmlns:a="http://schemas.openxmlformats.org/drawingml/2006/main" xmlns:r="http://schemas.openxmlformats.org/officeDocument/2006/relationships" xmlns:p="http://schemas.openxmlformats.org/presentationml/2006/main" saveSubsetFonts="1">
   <p:sldMasterIdLst>
-    <p:sldMasterId id="2147483665" r:id="rId1"/>
+    <p:sldMasterId id="2147483670" r:id="rId1"/>
   </p:sldMasterIdLst>
   <p:notesMasterIdLst>
     <p:notesMasterId r:id="rId32"/>
@@ -226,7 +226,7 @@
           <a:p>
             <a:fld id="{988FE862-27B1-4F77-AB5B-82457274C927}" type="datetimeFigureOut">
               <a:rPr lang="zh-TW" altLang="en-US" smtClean="0"/>
-              <a:t>2025/2/27</a:t>
+              <a:t>2025/2/28</a:t>
             </a:fld>
             <a:endParaRPr lang="zh-TW" altLang="en-US"/>
           </a:p>
@@ -704,14 +704,14 @@
     </p:spTree>
     <p:extLst>
       <p:ext uri="{BB962C8B-B14F-4D97-AF65-F5344CB8AC3E}">
-        <p14:creationId xmlns:p14="http://schemas.microsoft.com/office/powerpoint/2010/main" val="1982422262"/>
+        <p14:creationId xmlns:p14="http://schemas.microsoft.com/office/powerpoint/2010/main" val="2375333738"/>
       </p:ext>
     </p:extLst>
   </p:cSld>
   <p:clrMapOvr>
     <a:masterClrMapping/>
   </p:clrMapOvr>
-  <p:transition spd="slow">
+  <p:transition>
     <p:push dir="u"/>
   </p:transition>
 </p:sldLayout>
@@ -1088,14 +1088,14 @@
     </p:spTree>
     <p:extLst>
       <p:ext uri="{BB962C8B-B14F-4D97-AF65-F5344CB8AC3E}">
-        <p14:creationId xmlns:p14="http://schemas.microsoft.com/office/powerpoint/2010/main" val="4082311392"/>
+        <p14:creationId xmlns:p14="http://schemas.microsoft.com/office/powerpoint/2010/main" val="768816199"/>
       </p:ext>
     </p:extLst>
   </p:cSld>
   <p:clrMapOvr>
     <a:masterClrMapping/>
   </p:clrMapOvr>
-  <p:transition spd="slow">
+  <p:transition>
     <p:push dir="u"/>
   </p:transition>
 </p:sldLayout>
@@ -1415,14 +1415,14 @@
     </p:spTree>
     <p:extLst>
       <p:ext uri="{BB962C8B-B14F-4D97-AF65-F5344CB8AC3E}">
-        <p14:creationId xmlns:p14="http://schemas.microsoft.com/office/powerpoint/2010/main" val="3538032369"/>
+        <p14:creationId xmlns:p14="http://schemas.microsoft.com/office/powerpoint/2010/main" val="2479693397"/>
       </p:ext>
     </p:extLst>
   </p:cSld>
   <p:clrMapOvr>
     <a:masterClrMapping/>
   </p:clrMapOvr>
-  <p:transition spd="slow">
+  <p:transition>
     <p:push dir="u"/>
   </p:transition>
 </p:sldLayout>
@@ -1714,14 +1714,14 @@
     </p:spTree>
     <p:extLst>
       <p:ext uri="{BB962C8B-B14F-4D97-AF65-F5344CB8AC3E}">
-        <p14:creationId xmlns:p14="http://schemas.microsoft.com/office/powerpoint/2010/main" val="1076273394"/>
+        <p14:creationId xmlns:p14="http://schemas.microsoft.com/office/powerpoint/2010/main" val="4294206599"/>
       </p:ext>
     </p:extLst>
   </p:cSld>
   <p:clrMapOvr>
     <a:masterClrMapping/>
   </p:clrMapOvr>
-  <p:transition spd="slow">
+  <p:transition>
     <p:push dir="u"/>
   </p:transition>
 </p:sldLayout>
@@ -1947,18 +1947,18 @@
     </p:spTree>
     <p:extLst>
       <p:ext uri="{BB962C8B-B14F-4D97-AF65-F5344CB8AC3E}">
-        <p14:creationId xmlns:p14="http://schemas.microsoft.com/office/powerpoint/2010/main" val="596785832"/>
+        <p14:creationId xmlns:p14="http://schemas.microsoft.com/office/powerpoint/2010/main" val="555960300"/>
       </p:ext>
     </p:extLst>
   </p:cSld>
   <p:clrMap bg1="dk1" tx1="lt1" bg2="dk2" tx2="lt2" accent1="accent1" accent2="accent2" accent3="accent3" accent4="accent4" accent5="accent5" accent6="accent6" hlink="hlink" folHlink="folHlink"/>
   <p:sldLayoutIdLst>
-    <p:sldLayoutId id="2147483666" r:id="rId1"/>
-    <p:sldLayoutId id="2147483667" r:id="rId2"/>
-    <p:sldLayoutId id="2147483668" r:id="rId3"/>
-    <p:sldLayoutId id="2147483669" r:id="rId4"/>
+    <p:sldLayoutId id="2147483671" r:id="rId1"/>
+    <p:sldLayoutId id="2147483672" r:id="rId2"/>
+    <p:sldLayoutId id="2147483673" r:id="rId3"/>
+    <p:sldLayoutId id="2147483674" r:id="rId4"/>
   </p:sldLayoutIdLst>
-  <p:transition spd="slow">
+  <p:transition>
     <p:push dir="u"/>
   </p:transition>
   <p:txStyles>
@@ -2335,7 +2335,7 @@
   <p:clrMapOvr>
     <a:masterClrMapping/>
   </p:clrMapOvr>
-  <p:transition spd="slow">
+  <p:transition>
     <p:push dir="u"/>
   </p:transition>
 </p:sld>
@@ -3596,7 +3596,7 @@
   <p:clrMapOvr>
     <a:masterClrMapping/>
   </p:clrMapOvr>
-  <p:transition spd="slow">
+  <p:transition>
     <p:push dir="u"/>
   </p:transition>
 </p:sld>
@@ -3635,12 +3635,7 @@
             <p:ph type="title"/>
           </p:nvPr>
         </p:nvSpPr>
-        <p:spPr>
-          <a:xfrm>
-            <a:off x="838200" y="365125"/>
-            <a:ext cx="10515600" cy="1325563"/>
-          </a:xfrm>
-        </p:spPr>
+        <p:spPr/>
         <p:txBody>
           <a:bodyPr/>
           <a:lstStyle/>
@@ -3883,7 +3878,7 @@
   <p:clrMapOvr>
     <a:masterClrMapping/>
   </p:clrMapOvr>
-  <p:transition spd="slow">
+  <p:transition>
     <p:push dir="u"/>
   </p:transition>
 </p:sld>
@@ -3922,12 +3917,7 @@
             <p:ph type="title"/>
           </p:nvPr>
         </p:nvSpPr>
-        <p:spPr>
-          <a:xfrm>
-            <a:off x="838200" y="365125"/>
-            <a:ext cx="10515600" cy="1325563"/>
-          </a:xfrm>
-        </p:spPr>
+        <p:spPr/>
         <p:txBody>
           <a:bodyPr/>
           <a:lstStyle/>
@@ -4299,7 +4289,7 @@
   <p:clrMapOvr>
     <a:masterClrMapping/>
   </p:clrMapOvr>
-  <p:transition spd="slow">
+  <p:transition>
     <p:push dir="u"/>
   </p:transition>
 </p:sld>
@@ -4568,7 +4558,7 @@
   <p:clrMapOvr>
     <a:masterClrMapping/>
   </p:clrMapOvr>
-  <p:transition spd="slow">
+  <p:transition>
     <p:push dir="u"/>
   </p:transition>
 </p:sld>
@@ -4775,7 +4765,7 @@
   <p:clrMapOvr>
     <a:masterClrMapping/>
   </p:clrMapOvr>
-  <p:transition spd="slow">
+  <p:transition>
     <p:push dir="u"/>
   </p:transition>
 </p:sld>
@@ -4814,12 +4804,7 @@
             <p:ph type="title"/>
           </p:nvPr>
         </p:nvSpPr>
-        <p:spPr>
-          <a:xfrm>
-            <a:off x="838200" y="365125"/>
-            <a:ext cx="10515600" cy="1325563"/>
-          </a:xfrm>
-        </p:spPr>
+        <p:spPr/>
         <p:txBody>
           <a:bodyPr/>
           <a:lstStyle/>
@@ -5152,7 +5137,7 @@
   <p:clrMapOvr>
     <a:masterClrMapping/>
   </p:clrMapOvr>
-  <p:transition spd="slow">
+  <p:transition>
     <p:push dir="u"/>
   </p:transition>
 </p:sld>
@@ -5532,7 +5517,7 @@
   <p:clrMapOvr>
     <a:masterClrMapping/>
   </p:clrMapOvr>
-  <p:transition spd="slow">
+  <p:transition>
     <p:push dir="u"/>
   </p:transition>
 </p:sld>
@@ -5571,12 +5556,7 @@
             <p:ph type="title"/>
           </p:nvPr>
         </p:nvSpPr>
-        <p:spPr>
-          <a:xfrm>
-            <a:off x="838200" y="365125"/>
-            <a:ext cx="10515600" cy="1325563"/>
-          </a:xfrm>
-        </p:spPr>
+        <p:spPr/>
         <p:txBody>
           <a:bodyPr/>
           <a:lstStyle/>
@@ -6793,7 +6773,7 @@
   <p:clrMapOvr>
     <a:masterClrMapping/>
   </p:clrMapOvr>
-  <p:transition spd="slow">
+  <p:transition>
     <p:push dir="u"/>
   </p:transition>
 </p:sld>
@@ -8165,7 +8145,7 @@
   <p:clrMapOvr>
     <a:masterClrMapping/>
   </p:clrMapOvr>
-  <p:transition spd="slow">
+  <p:transition>
     <p:push dir="u"/>
   </p:transition>
 </p:sld>
@@ -8529,7 +8509,7 @@
   <p:clrMapOvr>
     <a:masterClrMapping/>
   </p:clrMapOvr>
-  <p:transition spd="slow">
+  <p:transition>
     <p:push dir="u"/>
   </p:transition>
 </p:sld>
@@ -8967,7 +8947,7 @@
   <p:clrMapOvr>
     <a:masterClrMapping/>
   </p:clrMapOvr>
-  <p:transition spd="slow">
+  <p:transition>
     <p:push dir="u"/>
   </p:transition>
 </p:sld>
@@ -9283,7 +9263,7 @@
   <p:clrMapOvr>
     <a:masterClrMapping/>
   </p:clrMapOvr>
-  <p:transition spd="slow">
+  <p:transition>
     <p:push dir="u"/>
   </p:transition>
 </p:sld>
@@ -9322,12 +9302,7 @@
             <p:ph type="title"/>
           </p:nvPr>
         </p:nvSpPr>
-        <p:spPr>
-          <a:xfrm>
-            <a:off x="838200" y="365125"/>
-            <a:ext cx="10515600" cy="1325563"/>
-          </a:xfrm>
-        </p:spPr>
+        <p:spPr/>
         <p:txBody>
           <a:bodyPr/>
           <a:lstStyle/>
@@ -10229,7 +10204,7 @@
   <p:clrMapOvr>
     <a:masterClrMapping/>
   </p:clrMapOvr>
-  <p:transition spd="slow">
+  <p:transition>
     <p:push dir="u"/>
   </p:transition>
 </p:sld>
@@ -10512,7 +10487,7 @@
   <p:clrMapOvr>
     <a:masterClrMapping/>
   </p:clrMapOvr>
-  <p:transition spd="slow">
+  <p:transition>
     <p:push dir="u"/>
   </p:transition>
 </p:sld>
@@ -10813,7 +10788,7 @@
   <p:clrMapOvr>
     <a:masterClrMapping/>
   </p:clrMapOvr>
-  <p:transition spd="slow">
+  <p:transition>
     <p:push dir="u"/>
   </p:transition>
 </p:sld>
@@ -14132,7 +14107,7 @@
   <p:clrMapOvr>
     <a:masterClrMapping/>
   </p:clrMapOvr>
-  <p:transition spd="slow">
+  <p:transition>
     <p:push dir="u"/>
   </p:transition>
 </p:sld>
@@ -15332,7 +15307,7 @@
   <p:clrMapOvr>
     <a:masterClrMapping/>
   </p:clrMapOvr>
-  <p:transition spd="slow">
+  <p:transition>
     <p:push dir="u"/>
   </p:transition>
 </p:sld>
@@ -16244,7 +16219,7 @@
   <p:clrMapOvr>
     <a:masterClrMapping/>
   </p:clrMapOvr>
-  <p:transition spd="slow">
+  <p:transition>
     <p:push dir="u"/>
   </p:transition>
 </p:sld>
@@ -16283,12 +16258,7 @@
             <p:ph type="title"/>
           </p:nvPr>
         </p:nvSpPr>
-        <p:spPr>
-          <a:xfrm>
-            <a:off x="838200" y="365125"/>
-            <a:ext cx="10515600" cy="1325563"/>
-          </a:xfrm>
-        </p:spPr>
+        <p:spPr/>
         <p:txBody>
           <a:bodyPr/>
           <a:lstStyle/>
@@ -16363,7 +16333,7 @@
   <p:clrMapOvr>
     <a:masterClrMapping/>
   </p:clrMapOvr>
-  <p:transition spd="slow">
+  <p:transition>
     <p:push dir="u"/>
   </p:transition>
 </p:sld>
@@ -19311,7 +19281,7 @@
   <p:clrMapOvr>
     <a:masterClrMapping/>
   </p:clrMapOvr>
-  <p:transition spd="slow">
+  <p:transition>
     <p:push dir="u"/>
   </p:transition>
 </p:sld>
@@ -20606,7 +20576,7 @@
   <p:clrMapOvr>
     <a:masterClrMapping/>
   </p:clrMapOvr>
-  <p:transition spd="slow">
+  <p:transition>
     <p:push dir="u"/>
   </p:transition>
 </p:sld>
@@ -20645,12 +20615,7 @@
             <p:ph type="title"/>
           </p:nvPr>
         </p:nvSpPr>
-        <p:spPr>
-          <a:xfrm>
-            <a:off x="838200" y="365125"/>
-            <a:ext cx="10515600" cy="1325563"/>
-          </a:xfrm>
-        </p:spPr>
+        <p:spPr/>
         <p:txBody>
           <a:bodyPr/>
           <a:lstStyle/>
@@ -21031,7 +20996,7 @@
   <p:clrMapOvr>
     <a:masterClrMapping/>
   </p:clrMapOvr>
-  <p:transition spd="slow">
+  <p:transition>
     <p:push dir="u"/>
   </p:transition>
 </p:sld>
@@ -21152,7 +21117,7 @@
   <p:clrMapOvr>
     <a:masterClrMapping/>
   </p:clrMapOvr>
-  <p:transition spd="slow">
+  <p:transition>
     <p:push dir="u"/>
   </p:transition>
 </p:sld>
@@ -21191,12 +21156,7 @@
             <p:ph type="title"/>
           </p:nvPr>
         </p:nvSpPr>
-        <p:spPr>
-          <a:xfrm>
-            <a:off x="838200" y="365125"/>
-            <a:ext cx="10515600" cy="1325563"/>
-          </a:xfrm>
-        </p:spPr>
+        <p:spPr/>
         <p:txBody>
           <a:bodyPr/>
           <a:lstStyle/>
@@ -21475,7 +21435,7 @@
   <p:clrMapOvr>
     <a:masterClrMapping/>
   </p:clrMapOvr>
-  <p:transition spd="slow">
+  <p:transition>
     <p:push dir="u"/>
   </p:transition>
 </p:sld>
@@ -22117,7 +22077,7 @@
   <p:clrMapOvr>
     <a:masterClrMapping/>
   </p:clrMapOvr>
-  <p:transition spd="slow">
+  <p:transition>
     <p:push dir="u"/>
   </p:transition>
 </p:sld>
@@ -22599,7 +22559,7 @@
   <p:clrMapOvr>
     <a:masterClrMapping/>
   </p:clrMapOvr>
-  <p:transition spd="slow">
+  <p:transition>
     <p:push dir="u"/>
   </p:transition>
 </p:sld>
@@ -22638,12 +22598,7 @@
             <p:ph type="title"/>
           </p:nvPr>
         </p:nvSpPr>
-        <p:spPr>
-          <a:xfrm>
-            <a:off x="838200" y="365125"/>
-            <a:ext cx="10515600" cy="1325563"/>
-          </a:xfrm>
-        </p:spPr>
+        <p:spPr/>
         <p:txBody>
           <a:bodyPr/>
           <a:lstStyle/>
@@ -23562,7 +23517,7 @@
   <p:clrMapOvr>
     <a:masterClrMapping/>
   </p:clrMapOvr>
-  <p:transition spd="slow">
+  <p:transition>
     <p:push dir="u"/>
   </p:transition>
 </p:sld>
@@ -23955,7 +23910,7 @@
   <p:clrMapOvr>
     <a:masterClrMapping/>
   </p:clrMapOvr>
-  <p:transition spd="slow">
+  <p:transition>
     <p:push dir="u"/>
   </p:transition>
 </p:sld>
@@ -26561,7 +26516,7 @@
   <p:clrMapOvr>
     <a:masterClrMapping/>
   </p:clrMapOvr>
-  <p:transition spd="slow">
+  <p:transition>
     <p:push dir="u"/>
   </p:transition>
 </p:sld>
@@ -26788,7 +26743,7 @@
   <a:extraClrSchemeLst/>
   <a:extLst>
     <a:ext uri="{05A4C25C-085E-4340-85A3-A5531E510DB2}">
-      <thm15:themeFamily xmlns:thm15="http://schemas.microsoft.com/office/thememl/2012/main" name="TYIC" id="{F8B8016E-470C-4FE5-A78C-33B2A9D17434}" vid="{BC6C4CDA-A093-4978-B969-B6482D48D481}"/>
+      <thm15:themeFamily xmlns:thm15="http://schemas.microsoft.com/office/thememl/2012/main" name="TYIC" id="{5F22F33A-EA50-4F22-9F2C-8A64A179567F}" vid="{3247D5A2-1B78-4AF4-9AA5-9AF4332DE771}"/>
     </a:ext>
   </a:extLst>
 </a:theme>

--- a/ppt/51_Java 專案：物品.pptx
+++ b/ppt/51_Java 專案：物品.pptx
@@ -4228,57 +4228,6 @@
           </a:ln>
         </p:spPr>
       </p:pic>
-      <p:sp>
-        <p:nvSpPr>
-          <p:cNvPr id="3" name="文字方塊 2">
-            <a:extLst>
-              <a:ext uri="{FF2B5EF4-FFF2-40B4-BE49-F238E27FC236}">
-                <a16:creationId xmlns:a16="http://schemas.microsoft.com/office/drawing/2014/main" id="{9204737C-C98F-499B-BFB9-CBDFE235456C}"/>
-              </a:ext>
-            </a:extLst>
-          </p:cNvPr>
-          <p:cNvSpPr txBox="1"/>
-          <p:nvPr/>
-        </p:nvSpPr>
-        <p:spPr>
-          <a:xfrm>
-            <a:off x="9642150" y="3814201"/>
-            <a:ext cx="1569660" cy="369332"/>
-          </a:xfrm>
-          <a:prstGeom prst="rect">
-            <a:avLst/>
-          </a:prstGeom>
-          <a:noFill/>
-        </p:spPr>
-        <p:txBody>
-          <a:bodyPr wrap="none" rtlCol="0">
-            <a:spAutoFit/>
-          </a:bodyPr>
-          <a:lstStyle/>
-          <a:p>
-            <a:r>
-              <a:rPr lang="zh-TW" altLang="en-US">
-                <a:solidFill>
-                  <a:schemeClr val="accent2"/>
-                </a:solidFill>
-                <a:hlinkClick r:id="rId4">
-                  <a:extLst>
-                    <a:ext uri="{A12FA001-AC4F-418D-AE19-62706E023703}">
-                      <ahyp:hlinkClr xmlns:ahyp="http://schemas.microsoft.com/office/drawing/2018/hyperlinkcolor" val="tx"/>
-                    </a:ext>
-                  </a:extLst>
-                </a:hlinkClick>
-              </a:rPr>
-              <a:t>圖自維基百科</a:t>
-            </a:r>
-            <a:endParaRPr lang="zh-TW" altLang="en-US">
-              <a:solidFill>
-                <a:schemeClr val="accent2"/>
-              </a:solidFill>
-            </a:endParaRPr>
-          </a:p>
-        </p:txBody>
-      </p:sp>
     </p:spTree>
     <p:extLst>
       <p:ext uri="{BB962C8B-B14F-4D97-AF65-F5344CB8AC3E}">
@@ -5099,7 +5048,7 @@
             <a:noFill/>
             <a:ln>
               <a:solidFill>
-                <a:schemeClr val="accent1"/>
+                <a:schemeClr val="bg2"/>
               </a:solidFill>
             </a:ln>
           </p:spPr>
@@ -5113,14 +5062,14 @@
               <a:r>
                 <a:rPr lang="en-US" altLang="zh-TW" sz="1050">
                   <a:solidFill>
-                    <a:schemeClr val="accent3"/>
+                    <a:schemeClr val="bg1"/>
                   </a:solidFill>
                 </a:rPr>
                 <a:t>tyic_logo.png</a:t>
               </a:r>
               <a:endParaRPr lang="zh-TW" altLang="en-US" sz="1050">
                 <a:solidFill>
-                  <a:schemeClr val="accent3"/>
+                  <a:schemeClr val="bg1"/>
                 </a:solidFill>
               </a:endParaRPr>
             </a:p>
@@ -5456,57 +5405,6 @@
           </a:ln>
         </p:spPr>
       </p:pic>
-      <p:sp>
-        <p:nvSpPr>
-          <p:cNvPr id="5" name="文字方塊 4">
-            <a:extLst>
-              <a:ext uri="{FF2B5EF4-FFF2-40B4-BE49-F238E27FC236}">
-                <a16:creationId xmlns:a16="http://schemas.microsoft.com/office/drawing/2014/main" id="{018EA166-C03D-4CF6-B768-8743B8AD1294}"/>
-              </a:ext>
-            </a:extLst>
-          </p:cNvPr>
-          <p:cNvSpPr txBox="1"/>
-          <p:nvPr/>
-        </p:nvSpPr>
-        <p:spPr>
-          <a:xfrm>
-            <a:off x="9377225" y="4476790"/>
-            <a:ext cx="1569660" cy="369332"/>
-          </a:xfrm>
-          <a:prstGeom prst="rect">
-            <a:avLst/>
-          </a:prstGeom>
-          <a:noFill/>
-        </p:spPr>
-        <p:txBody>
-          <a:bodyPr wrap="none" rtlCol="0">
-            <a:spAutoFit/>
-          </a:bodyPr>
-          <a:lstStyle/>
-          <a:p>
-            <a:r>
-              <a:rPr lang="zh-TW" altLang="en-US">
-                <a:solidFill>
-                  <a:schemeClr val="accent2"/>
-                </a:solidFill>
-                <a:hlinkClick r:id="rId4">
-                  <a:extLst>
-                    <a:ext uri="{A12FA001-AC4F-418D-AE19-62706E023703}">
-                      <ahyp:hlinkClr xmlns:ahyp="http://schemas.microsoft.com/office/drawing/2018/hyperlinkcolor" val="tx"/>
-                    </a:ext>
-                  </a:extLst>
-                </a:hlinkClick>
-              </a:rPr>
-              <a:t>圖自維基百科</a:t>
-            </a:r>
-            <a:endParaRPr lang="zh-TW" altLang="en-US">
-              <a:solidFill>
-                <a:schemeClr val="accent2"/>
-              </a:solidFill>
-            </a:endParaRPr>
-          </a:p>
-        </p:txBody>
-      </p:sp>
     </p:spTree>
     <p:extLst>
       <p:ext uri="{BB962C8B-B14F-4D97-AF65-F5344CB8AC3E}">
@@ -14393,18 +14291,10 @@
             <a:p>
               <a:pPr algn="r"/>
               <a:r>
-                <a:rPr lang="en-US" altLang="zh-TW" sz="1050">
-                  <a:solidFill>
-                    <a:schemeClr val="accent3"/>
-                  </a:solidFill>
-                </a:rPr>
+                <a:rPr lang="en-US" altLang="zh-TW" sz="1050"/>
                 <a:t>knife.png</a:t>
               </a:r>
-              <a:endParaRPr lang="zh-TW" altLang="en-US" sz="1050">
-                <a:solidFill>
-                  <a:schemeClr val="accent3"/>
-                </a:solidFill>
-              </a:endParaRPr>
+              <a:endParaRPr lang="zh-TW" altLang="en-US" sz="1050"/>
             </a:p>
           </p:txBody>
         </p:sp>
